--- a/2 기능 정의 취합, 요구사항 정의서, USE FLOW/ucd.pptx
+++ b/2 기능 정의 취합, 요구사항 정의서, USE FLOW/ucd.pptx
@@ -107,6 +107,11 @@
       </a:defRPr>
     </a:lvl9pPr>
   </p:defaultTextStyle>
+  <p:extLst>
+    <p:ext uri="{EFAFB233-063F-42B5-8137-9DF3F51BA10A}">
+      <p15:sldGuideLst xmlns:p15="http://schemas.microsoft.com/office/powerpoint/2012/main"/>
+    </p:ext>
+  </p:extLst>
 </p:presentation>
 </file>
 
@@ -5996,6 +6001,183 @@
             <a:tailEnd type="triangle" w="med" len="med"/>
           </a:ln>
         </p:spPr>
+      </p:cxnSp>
+      <p:sp>
+        <p:nvSpPr>
+          <p:cNvPr id="61" name="Google Shape;102;p13">
+            <a:extLst>
+              <a:ext uri="{FF2B5EF4-FFF2-40B4-BE49-F238E27FC236}">
+                <a16:creationId xmlns:a16="http://schemas.microsoft.com/office/drawing/2014/main" id="{6AB88040-6CCB-4E2E-A198-3B518EE2CAAB}"/>
+              </a:ext>
+            </a:extLst>
+          </p:cNvPr>
+          <p:cNvSpPr/>
+          <p:nvPr/>
+        </p:nvSpPr>
+        <p:spPr>
+          <a:xfrm>
+            <a:off x="859140" y="4258822"/>
+            <a:ext cx="1100196" cy="353851"/>
+          </a:xfrm>
+          <a:prstGeom prst="rect">
+            <a:avLst/>
+          </a:prstGeom>
+          <a:solidFill>
+            <a:schemeClr val="lt2"/>
+          </a:solidFill>
+          <a:ln w="9525" cap="flat" cmpd="sng">
+            <a:solidFill>
+              <a:schemeClr val="dk2"/>
+            </a:solidFill>
+            <a:prstDash val="solid"/>
+            <a:round/>
+            <a:headEnd type="none" w="sm" len="sm"/>
+            <a:tailEnd type="none" w="sm" len="sm"/>
+          </a:ln>
+        </p:spPr>
+        <p:txBody>
+          <a:bodyPr spcFirstLastPara="1" wrap="square" lIns="121900" tIns="121900" rIns="121900" bIns="121900" anchor="ctr" anchorCtr="0">
+            <a:noAutofit/>
+          </a:bodyPr>
+          <a:lstStyle/>
+          <a:p>
+            <a:pPr algn="ctr"/>
+            <a:r>
+              <a:rPr lang="ko-KR" altLang="en-US" sz="1333" dirty="0"/>
+              <a:t>신고</a:t>
+            </a:r>
+            <a:endParaRPr sz="1333" dirty="0"/>
+          </a:p>
+        </p:txBody>
+      </p:sp>
+      <p:cxnSp>
+        <p:nvCxnSpPr>
+          <p:cNvPr id="62" name="직선 화살표 연결선 61">
+            <a:extLst>
+              <a:ext uri="{FF2B5EF4-FFF2-40B4-BE49-F238E27FC236}">
+                <a16:creationId xmlns:a16="http://schemas.microsoft.com/office/drawing/2014/main" id="{0FE7E1A2-AFBD-447F-934C-59A4FF4A4A31}"/>
+              </a:ext>
+            </a:extLst>
+          </p:cNvPr>
+          <p:cNvCxnSpPr>
+            <a:cxnSpLocks/>
+            <a:stCxn id="61" idx="0"/>
+            <a:endCxn id="140" idx="2"/>
+          </p:cNvCxnSpPr>
+          <p:nvPr/>
+        </p:nvCxnSpPr>
+        <p:spPr>
+          <a:xfrm flipV="1">
+            <a:off x="1409238" y="3809942"/>
+            <a:ext cx="2194755" cy="448880"/>
+          </a:xfrm>
+          <a:prstGeom prst="straightConnector1">
+            <a:avLst/>
+          </a:prstGeom>
+          <a:ln>
+            <a:tailEnd type="triangle"/>
+          </a:ln>
+        </p:spPr>
+        <p:style>
+          <a:lnRef idx="1">
+            <a:schemeClr val="dk1"/>
+          </a:lnRef>
+          <a:fillRef idx="0">
+            <a:schemeClr val="dk1"/>
+          </a:fillRef>
+          <a:effectRef idx="0">
+            <a:schemeClr val="dk1"/>
+          </a:effectRef>
+          <a:fontRef idx="minor">
+            <a:schemeClr val="tx1"/>
+          </a:fontRef>
+        </p:style>
+      </p:cxnSp>
+      <p:cxnSp>
+        <p:nvCxnSpPr>
+          <p:cNvPr id="64" name="직선 화살표 연결선 63">
+            <a:extLst>
+              <a:ext uri="{FF2B5EF4-FFF2-40B4-BE49-F238E27FC236}">
+                <a16:creationId xmlns:a16="http://schemas.microsoft.com/office/drawing/2014/main" id="{CE2FE515-B154-4255-AE81-D1963396C1ED}"/>
+              </a:ext>
+            </a:extLst>
+          </p:cNvPr>
+          <p:cNvCxnSpPr>
+            <a:cxnSpLocks/>
+            <a:stCxn id="54" idx="3"/>
+            <a:endCxn id="140" idx="1"/>
+          </p:cNvCxnSpPr>
+          <p:nvPr/>
+        </p:nvCxnSpPr>
+        <p:spPr>
+          <a:xfrm>
+            <a:off x="1665867" y="2947066"/>
+            <a:ext cx="1003326" cy="606876"/>
+          </a:xfrm>
+          <a:prstGeom prst="straightConnector1">
+            <a:avLst/>
+          </a:prstGeom>
+          <a:ln>
+            <a:tailEnd type="triangle"/>
+          </a:ln>
+        </p:spPr>
+        <p:style>
+          <a:lnRef idx="1">
+            <a:schemeClr val="dk1"/>
+          </a:lnRef>
+          <a:fillRef idx="0">
+            <a:schemeClr val="dk1"/>
+          </a:fillRef>
+          <a:effectRef idx="0">
+            <a:schemeClr val="dk1"/>
+          </a:effectRef>
+          <a:fontRef idx="minor">
+            <a:schemeClr val="tx1"/>
+          </a:fontRef>
+        </p:style>
+      </p:cxnSp>
+      <p:cxnSp>
+        <p:nvCxnSpPr>
+          <p:cNvPr id="67" name="직선 화살표 연결선 66">
+            <a:extLst>
+              <a:ext uri="{FF2B5EF4-FFF2-40B4-BE49-F238E27FC236}">
+                <a16:creationId xmlns:a16="http://schemas.microsoft.com/office/drawing/2014/main" id="{035063CF-0BE5-4174-A7B5-34F632784F0C}"/>
+              </a:ext>
+            </a:extLst>
+          </p:cNvPr>
+          <p:cNvCxnSpPr>
+            <a:cxnSpLocks/>
+            <a:stCxn id="54" idx="3"/>
+            <a:endCxn id="156" idx="1"/>
+          </p:cNvCxnSpPr>
+          <p:nvPr/>
+        </p:nvCxnSpPr>
+        <p:spPr>
+          <a:xfrm>
+            <a:off x="1665867" y="2947066"/>
+            <a:ext cx="1003326" cy="2244223"/>
+          </a:xfrm>
+          <a:prstGeom prst="straightConnector1">
+            <a:avLst/>
+          </a:prstGeom>
+          <a:ln>
+            <a:tailEnd type="triangle"/>
+          </a:ln>
+        </p:spPr>
+        <p:style>
+          <a:lnRef idx="1">
+            <a:schemeClr val="dk1"/>
+          </a:lnRef>
+          <a:fillRef idx="0">
+            <a:schemeClr val="dk1"/>
+          </a:fillRef>
+          <a:effectRef idx="0">
+            <a:schemeClr val="dk1"/>
+          </a:effectRef>
+          <a:fontRef idx="minor">
+            <a:schemeClr val="tx1"/>
+          </a:fontRef>
+        </p:style>
       </p:cxnSp>
     </p:spTree>
   </p:cSld>

--- a/2 기능 정의 취합, 요구사항 정의서, USE FLOW/ucd.pptx
+++ b/2 기능 정의 취합, 요구사항 정의서, USE FLOW/ucd.pptx
@@ -109,7 +109,7 @@
   </p:defaultTextStyle>
   <p:extLst>
     <p:ext uri="{EFAFB233-063F-42B5-8137-9DF3F51BA10A}">
-      <p15:sldGuideLst xmlns:p15="http://schemas.microsoft.com/office/powerpoint/2012/main"/>
+      <p15:sldGuideLst xmlns:p15="http://schemas.microsoft.com/office/powerpoint/2012/main" xmlns=""/>
     </p:ext>
   </p:extLst>
 </p:presentation>
@@ -197,7 +197,7 @@
           <a:p>
             <a:fld id="{34A57D12-7D57-4077-B755-4C8239845BD0}" type="datetimeFigureOut">
               <a:rPr lang="ko-KR" altLang="en-US" smtClean="0"/>
-              <a:t>2020-03-01</a:t>
+              <a:t>2020-03-05</a:t>
             </a:fld>
             <a:endParaRPr lang="ko-KR" altLang="en-US"/>
           </a:p>
@@ -590,7 +590,7 @@
           <p:cNvPr id="2" name="제목 1">
             <a:extLst>
               <a:ext uri="{FF2B5EF4-FFF2-40B4-BE49-F238E27FC236}">
-                <a16:creationId xmlns:a16="http://schemas.microsoft.com/office/drawing/2014/main" id="{D33E8F1F-7A61-4CC3-9980-D2EF2A5E4732}"/>
+                <a16:creationId xmlns:a16="http://schemas.microsoft.com/office/drawing/2014/main" xmlns="" id="{D33E8F1F-7A61-4CC3-9980-D2EF2A5E4732}"/>
               </a:ext>
             </a:extLst>
           </p:cNvPr>
@@ -627,7 +627,7 @@
           <p:cNvPr id="3" name="부제목 2">
             <a:extLst>
               <a:ext uri="{FF2B5EF4-FFF2-40B4-BE49-F238E27FC236}">
-                <a16:creationId xmlns:a16="http://schemas.microsoft.com/office/drawing/2014/main" id="{4B3E18A4-1F34-4E43-AD47-D7126F78EF1D}"/>
+                <a16:creationId xmlns:a16="http://schemas.microsoft.com/office/drawing/2014/main" xmlns="" id="{4B3E18A4-1F34-4E43-AD47-D7126F78EF1D}"/>
               </a:ext>
             </a:extLst>
           </p:cNvPr>
@@ -697,7 +697,7 @@
           <p:cNvPr id="4" name="날짜 개체 틀 3">
             <a:extLst>
               <a:ext uri="{FF2B5EF4-FFF2-40B4-BE49-F238E27FC236}">
-                <a16:creationId xmlns:a16="http://schemas.microsoft.com/office/drawing/2014/main" id="{1EB01FCD-46FD-4715-8859-291C9235FBCD}"/>
+                <a16:creationId xmlns:a16="http://schemas.microsoft.com/office/drawing/2014/main" xmlns="" id="{1EB01FCD-46FD-4715-8859-291C9235FBCD}"/>
               </a:ext>
             </a:extLst>
           </p:cNvPr>
@@ -715,7 +715,7 @@
           <a:p>
             <a:fld id="{4DA87FFA-2B3E-4067-BBD9-C9938D8C383D}" type="datetimeFigureOut">
               <a:rPr lang="ko-KR" altLang="en-US" smtClean="0"/>
-              <a:t>2020-03-01</a:t>
+              <a:t>2020-03-05</a:t>
             </a:fld>
             <a:endParaRPr lang="ko-KR" altLang="en-US"/>
           </a:p>
@@ -726,7 +726,7 @@
           <p:cNvPr id="5" name="바닥글 개체 틀 4">
             <a:extLst>
               <a:ext uri="{FF2B5EF4-FFF2-40B4-BE49-F238E27FC236}">
-                <a16:creationId xmlns:a16="http://schemas.microsoft.com/office/drawing/2014/main" id="{C551FB88-9BD9-4095-897C-6B6CAC5783E6}"/>
+                <a16:creationId xmlns:a16="http://schemas.microsoft.com/office/drawing/2014/main" xmlns="" id="{C551FB88-9BD9-4095-897C-6B6CAC5783E6}"/>
               </a:ext>
             </a:extLst>
           </p:cNvPr>
@@ -751,7 +751,7 @@
           <p:cNvPr id="6" name="슬라이드 번호 개체 틀 5">
             <a:extLst>
               <a:ext uri="{FF2B5EF4-FFF2-40B4-BE49-F238E27FC236}">
-                <a16:creationId xmlns:a16="http://schemas.microsoft.com/office/drawing/2014/main" id="{7582DC6B-0F33-4565-B8C5-56F7331C725F}"/>
+                <a16:creationId xmlns:a16="http://schemas.microsoft.com/office/drawing/2014/main" xmlns="" id="{7582DC6B-0F33-4565-B8C5-56F7331C725F}"/>
               </a:ext>
             </a:extLst>
           </p:cNvPr>
@@ -810,7 +810,7 @@
           <p:cNvPr id="2" name="제목 1">
             <a:extLst>
               <a:ext uri="{FF2B5EF4-FFF2-40B4-BE49-F238E27FC236}">
-                <a16:creationId xmlns:a16="http://schemas.microsoft.com/office/drawing/2014/main" id="{192B0D75-7CA3-4DF5-BAEB-E3A24D16BF9F}"/>
+                <a16:creationId xmlns:a16="http://schemas.microsoft.com/office/drawing/2014/main" xmlns="" id="{192B0D75-7CA3-4DF5-BAEB-E3A24D16BF9F}"/>
               </a:ext>
             </a:extLst>
           </p:cNvPr>
@@ -838,7 +838,7 @@
           <p:cNvPr id="3" name="세로 텍스트 개체 틀 2">
             <a:extLst>
               <a:ext uri="{FF2B5EF4-FFF2-40B4-BE49-F238E27FC236}">
-                <a16:creationId xmlns:a16="http://schemas.microsoft.com/office/drawing/2014/main" id="{27DD338F-F6D6-4A38-B308-4745EDC1512C}"/>
+                <a16:creationId xmlns:a16="http://schemas.microsoft.com/office/drawing/2014/main" xmlns="" id="{27DD338F-F6D6-4A38-B308-4745EDC1512C}"/>
               </a:ext>
             </a:extLst>
           </p:cNvPr>
@@ -895,7 +895,7 @@
           <p:cNvPr id="4" name="날짜 개체 틀 3">
             <a:extLst>
               <a:ext uri="{FF2B5EF4-FFF2-40B4-BE49-F238E27FC236}">
-                <a16:creationId xmlns:a16="http://schemas.microsoft.com/office/drawing/2014/main" id="{169AF468-6DEC-4F29-B5E0-48D84D11B9DE}"/>
+                <a16:creationId xmlns:a16="http://schemas.microsoft.com/office/drawing/2014/main" xmlns="" id="{169AF468-6DEC-4F29-B5E0-48D84D11B9DE}"/>
               </a:ext>
             </a:extLst>
           </p:cNvPr>
@@ -913,7 +913,7 @@
           <a:p>
             <a:fld id="{4DA87FFA-2B3E-4067-BBD9-C9938D8C383D}" type="datetimeFigureOut">
               <a:rPr lang="ko-KR" altLang="en-US" smtClean="0"/>
-              <a:t>2020-03-01</a:t>
+              <a:t>2020-03-05</a:t>
             </a:fld>
             <a:endParaRPr lang="ko-KR" altLang="en-US"/>
           </a:p>
@@ -924,7 +924,7 @@
           <p:cNvPr id="5" name="바닥글 개체 틀 4">
             <a:extLst>
               <a:ext uri="{FF2B5EF4-FFF2-40B4-BE49-F238E27FC236}">
-                <a16:creationId xmlns:a16="http://schemas.microsoft.com/office/drawing/2014/main" id="{EE75C87B-7B6E-4A43-9F8C-77F43DFC7277}"/>
+                <a16:creationId xmlns:a16="http://schemas.microsoft.com/office/drawing/2014/main" xmlns="" id="{EE75C87B-7B6E-4A43-9F8C-77F43DFC7277}"/>
               </a:ext>
             </a:extLst>
           </p:cNvPr>
@@ -949,7 +949,7 @@
           <p:cNvPr id="6" name="슬라이드 번호 개체 틀 5">
             <a:extLst>
               <a:ext uri="{FF2B5EF4-FFF2-40B4-BE49-F238E27FC236}">
-                <a16:creationId xmlns:a16="http://schemas.microsoft.com/office/drawing/2014/main" id="{355D8E24-A8BA-4B0F-B4EC-BDDE6D005874}"/>
+                <a16:creationId xmlns:a16="http://schemas.microsoft.com/office/drawing/2014/main" xmlns="" id="{355D8E24-A8BA-4B0F-B4EC-BDDE6D005874}"/>
               </a:ext>
             </a:extLst>
           </p:cNvPr>
@@ -1008,7 +1008,7 @@
           <p:cNvPr id="2" name="세로 제목 1">
             <a:extLst>
               <a:ext uri="{FF2B5EF4-FFF2-40B4-BE49-F238E27FC236}">
-                <a16:creationId xmlns:a16="http://schemas.microsoft.com/office/drawing/2014/main" id="{82FCF687-3144-4232-AAD0-89FA13954FE1}"/>
+                <a16:creationId xmlns:a16="http://schemas.microsoft.com/office/drawing/2014/main" xmlns="" id="{82FCF687-3144-4232-AAD0-89FA13954FE1}"/>
               </a:ext>
             </a:extLst>
           </p:cNvPr>
@@ -1041,7 +1041,7 @@
           <p:cNvPr id="3" name="세로 텍스트 개체 틀 2">
             <a:extLst>
               <a:ext uri="{FF2B5EF4-FFF2-40B4-BE49-F238E27FC236}">
-                <a16:creationId xmlns:a16="http://schemas.microsoft.com/office/drawing/2014/main" id="{CEC2192F-0BB5-4E02-9E9B-6AB875C3E678}"/>
+                <a16:creationId xmlns:a16="http://schemas.microsoft.com/office/drawing/2014/main" xmlns="" id="{CEC2192F-0BB5-4E02-9E9B-6AB875C3E678}"/>
               </a:ext>
             </a:extLst>
           </p:cNvPr>
@@ -1103,7 +1103,7 @@
           <p:cNvPr id="4" name="날짜 개체 틀 3">
             <a:extLst>
               <a:ext uri="{FF2B5EF4-FFF2-40B4-BE49-F238E27FC236}">
-                <a16:creationId xmlns:a16="http://schemas.microsoft.com/office/drawing/2014/main" id="{4A82E7D5-AD3B-44D3-9373-066BE35EF724}"/>
+                <a16:creationId xmlns:a16="http://schemas.microsoft.com/office/drawing/2014/main" xmlns="" id="{4A82E7D5-AD3B-44D3-9373-066BE35EF724}"/>
               </a:ext>
             </a:extLst>
           </p:cNvPr>
@@ -1121,7 +1121,7 @@
           <a:p>
             <a:fld id="{4DA87FFA-2B3E-4067-BBD9-C9938D8C383D}" type="datetimeFigureOut">
               <a:rPr lang="ko-KR" altLang="en-US" smtClean="0"/>
-              <a:t>2020-03-01</a:t>
+              <a:t>2020-03-05</a:t>
             </a:fld>
             <a:endParaRPr lang="ko-KR" altLang="en-US"/>
           </a:p>
@@ -1132,7 +1132,7 @@
           <p:cNvPr id="5" name="바닥글 개체 틀 4">
             <a:extLst>
               <a:ext uri="{FF2B5EF4-FFF2-40B4-BE49-F238E27FC236}">
-                <a16:creationId xmlns:a16="http://schemas.microsoft.com/office/drawing/2014/main" id="{96F04E1E-A44B-47BD-8656-31C6D58EBF3B}"/>
+                <a16:creationId xmlns:a16="http://schemas.microsoft.com/office/drawing/2014/main" xmlns="" id="{96F04E1E-A44B-47BD-8656-31C6D58EBF3B}"/>
               </a:ext>
             </a:extLst>
           </p:cNvPr>
@@ -1157,7 +1157,7 @@
           <p:cNvPr id="6" name="슬라이드 번호 개체 틀 5">
             <a:extLst>
               <a:ext uri="{FF2B5EF4-FFF2-40B4-BE49-F238E27FC236}">
-                <a16:creationId xmlns:a16="http://schemas.microsoft.com/office/drawing/2014/main" id="{13850518-5448-427B-A72B-26AE0A45DA15}"/>
+                <a16:creationId xmlns:a16="http://schemas.microsoft.com/office/drawing/2014/main" xmlns="" id="{13850518-5448-427B-A72B-26AE0A45DA15}"/>
               </a:ext>
             </a:extLst>
           </p:cNvPr>
@@ -1216,7 +1216,7 @@
           <p:cNvPr id="2" name="제목 1">
             <a:extLst>
               <a:ext uri="{FF2B5EF4-FFF2-40B4-BE49-F238E27FC236}">
-                <a16:creationId xmlns:a16="http://schemas.microsoft.com/office/drawing/2014/main" id="{CAC28302-1AE3-4CC4-94ED-EF4C90EDAEDB}"/>
+                <a16:creationId xmlns:a16="http://schemas.microsoft.com/office/drawing/2014/main" xmlns="" id="{CAC28302-1AE3-4CC4-94ED-EF4C90EDAEDB}"/>
               </a:ext>
             </a:extLst>
           </p:cNvPr>
@@ -1244,7 +1244,7 @@
           <p:cNvPr id="3" name="내용 개체 틀 2">
             <a:extLst>
               <a:ext uri="{FF2B5EF4-FFF2-40B4-BE49-F238E27FC236}">
-                <a16:creationId xmlns:a16="http://schemas.microsoft.com/office/drawing/2014/main" id="{94D78527-C61A-4C99-92A7-6092F8BF2FDF}"/>
+                <a16:creationId xmlns:a16="http://schemas.microsoft.com/office/drawing/2014/main" xmlns="" id="{94D78527-C61A-4C99-92A7-6092F8BF2FDF}"/>
               </a:ext>
             </a:extLst>
           </p:cNvPr>
@@ -1301,7 +1301,7 @@
           <p:cNvPr id="4" name="날짜 개체 틀 3">
             <a:extLst>
               <a:ext uri="{FF2B5EF4-FFF2-40B4-BE49-F238E27FC236}">
-                <a16:creationId xmlns:a16="http://schemas.microsoft.com/office/drawing/2014/main" id="{5A5414CE-B052-41C3-8762-A099FC09AC9E}"/>
+                <a16:creationId xmlns:a16="http://schemas.microsoft.com/office/drawing/2014/main" xmlns="" id="{5A5414CE-B052-41C3-8762-A099FC09AC9E}"/>
               </a:ext>
             </a:extLst>
           </p:cNvPr>
@@ -1319,7 +1319,7 @@
           <a:p>
             <a:fld id="{4DA87FFA-2B3E-4067-BBD9-C9938D8C383D}" type="datetimeFigureOut">
               <a:rPr lang="ko-KR" altLang="en-US" smtClean="0"/>
-              <a:t>2020-03-01</a:t>
+              <a:t>2020-03-05</a:t>
             </a:fld>
             <a:endParaRPr lang="ko-KR" altLang="en-US"/>
           </a:p>
@@ -1330,7 +1330,7 @@
           <p:cNvPr id="5" name="바닥글 개체 틀 4">
             <a:extLst>
               <a:ext uri="{FF2B5EF4-FFF2-40B4-BE49-F238E27FC236}">
-                <a16:creationId xmlns:a16="http://schemas.microsoft.com/office/drawing/2014/main" id="{04D15CB5-8106-497E-B7BD-5D864E2A4805}"/>
+                <a16:creationId xmlns:a16="http://schemas.microsoft.com/office/drawing/2014/main" xmlns="" id="{04D15CB5-8106-497E-B7BD-5D864E2A4805}"/>
               </a:ext>
             </a:extLst>
           </p:cNvPr>
@@ -1355,7 +1355,7 @@
           <p:cNvPr id="6" name="슬라이드 번호 개체 틀 5">
             <a:extLst>
               <a:ext uri="{FF2B5EF4-FFF2-40B4-BE49-F238E27FC236}">
-                <a16:creationId xmlns:a16="http://schemas.microsoft.com/office/drawing/2014/main" id="{CC69AA7D-38FD-49F0-B2F3-13B85E6A7860}"/>
+                <a16:creationId xmlns:a16="http://schemas.microsoft.com/office/drawing/2014/main" xmlns="" id="{CC69AA7D-38FD-49F0-B2F3-13B85E6A7860}"/>
               </a:ext>
             </a:extLst>
           </p:cNvPr>
@@ -1414,7 +1414,7 @@
           <p:cNvPr id="2" name="제목 1">
             <a:extLst>
               <a:ext uri="{FF2B5EF4-FFF2-40B4-BE49-F238E27FC236}">
-                <a16:creationId xmlns:a16="http://schemas.microsoft.com/office/drawing/2014/main" id="{CDCCB98B-8F42-47B7-AAE9-E9D62DB687C9}"/>
+                <a16:creationId xmlns:a16="http://schemas.microsoft.com/office/drawing/2014/main" xmlns="" id="{CDCCB98B-8F42-47B7-AAE9-E9D62DB687C9}"/>
               </a:ext>
             </a:extLst>
           </p:cNvPr>
@@ -1451,7 +1451,7 @@
           <p:cNvPr id="3" name="텍스트 개체 틀 2">
             <a:extLst>
               <a:ext uri="{FF2B5EF4-FFF2-40B4-BE49-F238E27FC236}">
-                <a16:creationId xmlns:a16="http://schemas.microsoft.com/office/drawing/2014/main" id="{D206F9BD-A80D-4E87-8425-00DD8D11728B}"/>
+                <a16:creationId xmlns:a16="http://schemas.microsoft.com/office/drawing/2014/main" xmlns="" id="{D206F9BD-A80D-4E87-8425-00DD8D11728B}"/>
               </a:ext>
             </a:extLst>
           </p:cNvPr>
@@ -1576,7 +1576,7 @@
           <p:cNvPr id="4" name="날짜 개체 틀 3">
             <a:extLst>
               <a:ext uri="{FF2B5EF4-FFF2-40B4-BE49-F238E27FC236}">
-                <a16:creationId xmlns:a16="http://schemas.microsoft.com/office/drawing/2014/main" id="{786F17E6-D6FB-40B5-9B88-A91E7AAC824F}"/>
+                <a16:creationId xmlns:a16="http://schemas.microsoft.com/office/drawing/2014/main" xmlns="" id="{786F17E6-D6FB-40B5-9B88-A91E7AAC824F}"/>
               </a:ext>
             </a:extLst>
           </p:cNvPr>
@@ -1594,7 +1594,7 @@
           <a:p>
             <a:fld id="{4DA87FFA-2B3E-4067-BBD9-C9938D8C383D}" type="datetimeFigureOut">
               <a:rPr lang="ko-KR" altLang="en-US" smtClean="0"/>
-              <a:t>2020-03-01</a:t>
+              <a:t>2020-03-05</a:t>
             </a:fld>
             <a:endParaRPr lang="ko-KR" altLang="en-US"/>
           </a:p>
@@ -1605,7 +1605,7 @@
           <p:cNvPr id="5" name="바닥글 개체 틀 4">
             <a:extLst>
               <a:ext uri="{FF2B5EF4-FFF2-40B4-BE49-F238E27FC236}">
-                <a16:creationId xmlns:a16="http://schemas.microsoft.com/office/drawing/2014/main" id="{77DC2E84-D711-47E2-9C53-763D835FA0D0}"/>
+                <a16:creationId xmlns:a16="http://schemas.microsoft.com/office/drawing/2014/main" xmlns="" id="{77DC2E84-D711-47E2-9C53-763D835FA0D0}"/>
               </a:ext>
             </a:extLst>
           </p:cNvPr>
@@ -1630,7 +1630,7 @@
           <p:cNvPr id="6" name="슬라이드 번호 개체 틀 5">
             <a:extLst>
               <a:ext uri="{FF2B5EF4-FFF2-40B4-BE49-F238E27FC236}">
-                <a16:creationId xmlns:a16="http://schemas.microsoft.com/office/drawing/2014/main" id="{1B67E5BF-113A-4066-BFEE-E0246A97C0DD}"/>
+                <a16:creationId xmlns:a16="http://schemas.microsoft.com/office/drawing/2014/main" xmlns="" id="{1B67E5BF-113A-4066-BFEE-E0246A97C0DD}"/>
               </a:ext>
             </a:extLst>
           </p:cNvPr>
@@ -1689,7 +1689,7 @@
           <p:cNvPr id="2" name="제목 1">
             <a:extLst>
               <a:ext uri="{FF2B5EF4-FFF2-40B4-BE49-F238E27FC236}">
-                <a16:creationId xmlns:a16="http://schemas.microsoft.com/office/drawing/2014/main" id="{19B13494-718A-41BA-896B-860C4FAB0E83}"/>
+                <a16:creationId xmlns:a16="http://schemas.microsoft.com/office/drawing/2014/main" xmlns="" id="{19B13494-718A-41BA-896B-860C4FAB0E83}"/>
               </a:ext>
             </a:extLst>
           </p:cNvPr>
@@ -1717,7 +1717,7 @@
           <p:cNvPr id="3" name="내용 개체 틀 2">
             <a:extLst>
               <a:ext uri="{FF2B5EF4-FFF2-40B4-BE49-F238E27FC236}">
-                <a16:creationId xmlns:a16="http://schemas.microsoft.com/office/drawing/2014/main" id="{164DA2B2-0C82-4DDA-8962-58B444D5ED78}"/>
+                <a16:creationId xmlns:a16="http://schemas.microsoft.com/office/drawing/2014/main" xmlns="" id="{164DA2B2-0C82-4DDA-8962-58B444D5ED78}"/>
               </a:ext>
             </a:extLst>
           </p:cNvPr>
@@ -1779,7 +1779,7 @@
           <p:cNvPr id="4" name="내용 개체 틀 3">
             <a:extLst>
               <a:ext uri="{FF2B5EF4-FFF2-40B4-BE49-F238E27FC236}">
-                <a16:creationId xmlns:a16="http://schemas.microsoft.com/office/drawing/2014/main" id="{9816D12F-4487-481B-A893-0589CF8D7CAA}"/>
+                <a16:creationId xmlns:a16="http://schemas.microsoft.com/office/drawing/2014/main" xmlns="" id="{9816D12F-4487-481B-A893-0589CF8D7CAA}"/>
               </a:ext>
             </a:extLst>
           </p:cNvPr>
@@ -1841,7 +1841,7 @@
           <p:cNvPr id="5" name="날짜 개체 틀 4">
             <a:extLst>
               <a:ext uri="{FF2B5EF4-FFF2-40B4-BE49-F238E27FC236}">
-                <a16:creationId xmlns:a16="http://schemas.microsoft.com/office/drawing/2014/main" id="{8B196A0C-A7F7-444A-B7D8-86ABE17E064C}"/>
+                <a16:creationId xmlns:a16="http://schemas.microsoft.com/office/drawing/2014/main" xmlns="" id="{8B196A0C-A7F7-444A-B7D8-86ABE17E064C}"/>
               </a:ext>
             </a:extLst>
           </p:cNvPr>
@@ -1859,7 +1859,7 @@
           <a:p>
             <a:fld id="{4DA87FFA-2B3E-4067-BBD9-C9938D8C383D}" type="datetimeFigureOut">
               <a:rPr lang="ko-KR" altLang="en-US" smtClean="0"/>
-              <a:t>2020-03-01</a:t>
+              <a:t>2020-03-05</a:t>
             </a:fld>
             <a:endParaRPr lang="ko-KR" altLang="en-US"/>
           </a:p>
@@ -1870,7 +1870,7 @@
           <p:cNvPr id="6" name="바닥글 개체 틀 5">
             <a:extLst>
               <a:ext uri="{FF2B5EF4-FFF2-40B4-BE49-F238E27FC236}">
-                <a16:creationId xmlns:a16="http://schemas.microsoft.com/office/drawing/2014/main" id="{7BF4E3B1-A69E-498B-B588-79DE70345A27}"/>
+                <a16:creationId xmlns:a16="http://schemas.microsoft.com/office/drawing/2014/main" xmlns="" id="{7BF4E3B1-A69E-498B-B588-79DE70345A27}"/>
               </a:ext>
             </a:extLst>
           </p:cNvPr>
@@ -1895,7 +1895,7 @@
           <p:cNvPr id="7" name="슬라이드 번호 개체 틀 6">
             <a:extLst>
               <a:ext uri="{FF2B5EF4-FFF2-40B4-BE49-F238E27FC236}">
-                <a16:creationId xmlns:a16="http://schemas.microsoft.com/office/drawing/2014/main" id="{153B2D4A-B58E-4F67-90E3-8606FC0BF575}"/>
+                <a16:creationId xmlns:a16="http://schemas.microsoft.com/office/drawing/2014/main" xmlns="" id="{153B2D4A-B58E-4F67-90E3-8606FC0BF575}"/>
               </a:ext>
             </a:extLst>
           </p:cNvPr>
@@ -1954,7 +1954,7 @@
           <p:cNvPr id="2" name="제목 1">
             <a:extLst>
               <a:ext uri="{FF2B5EF4-FFF2-40B4-BE49-F238E27FC236}">
-                <a16:creationId xmlns:a16="http://schemas.microsoft.com/office/drawing/2014/main" id="{93538C37-DD97-470D-974A-8F6E2646847B}"/>
+                <a16:creationId xmlns:a16="http://schemas.microsoft.com/office/drawing/2014/main" xmlns="" id="{93538C37-DD97-470D-974A-8F6E2646847B}"/>
               </a:ext>
             </a:extLst>
           </p:cNvPr>
@@ -1987,7 +1987,7 @@
           <p:cNvPr id="3" name="텍스트 개체 틀 2">
             <a:extLst>
               <a:ext uri="{FF2B5EF4-FFF2-40B4-BE49-F238E27FC236}">
-                <a16:creationId xmlns:a16="http://schemas.microsoft.com/office/drawing/2014/main" id="{4D817F81-074E-4263-9838-0D2507D4848C}"/>
+                <a16:creationId xmlns:a16="http://schemas.microsoft.com/office/drawing/2014/main" xmlns="" id="{4D817F81-074E-4263-9838-0D2507D4848C}"/>
               </a:ext>
             </a:extLst>
           </p:cNvPr>
@@ -2058,7 +2058,7 @@
           <p:cNvPr id="4" name="내용 개체 틀 3">
             <a:extLst>
               <a:ext uri="{FF2B5EF4-FFF2-40B4-BE49-F238E27FC236}">
-                <a16:creationId xmlns:a16="http://schemas.microsoft.com/office/drawing/2014/main" id="{CB7DB7DE-8DFF-4416-91B9-78A7C5DB121E}"/>
+                <a16:creationId xmlns:a16="http://schemas.microsoft.com/office/drawing/2014/main" xmlns="" id="{CB7DB7DE-8DFF-4416-91B9-78A7C5DB121E}"/>
               </a:ext>
             </a:extLst>
           </p:cNvPr>
@@ -2120,7 +2120,7 @@
           <p:cNvPr id="5" name="텍스트 개체 틀 4">
             <a:extLst>
               <a:ext uri="{FF2B5EF4-FFF2-40B4-BE49-F238E27FC236}">
-                <a16:creationId xmlns:a16="http://schemas.microsoft.com/office/drawing/2014/main" id="{B69B2BF4-F87A-42EF-B8D1-DF60A8B875C5}"/>
+                <a16:creationId xmlns:a16="http://schemas.microsoft.com/office/drawing/2014/main" xmlns="" id="{B69B2BF4-F87A-42EF-B8D1-DF60A8B875C5}"/>
               </a:ext>
             </a:extLst>
           </p:cNvPr>
@@ -2191,7 +2191,7 @@
           <p:cNvPr id="6" name="내용 개체 틀 5">
             <a:extLst>
               <a:ext uri="{FF2B5EF4-FFF2-40B4-BE49-F238E27FC236}">
-                <a16:creationId xmlns:a16="http://schemas.microsoft.com/office/drawing/2014/main" id="{4C11257B-855C-4027-B257-B1AA46D15D4B}"/>
+                <a16:creationId xmlns:a16="http://schemas.microsoft.com/office/drawing/2014/main" xmlns="" id="{4C11257B-855C-4027-B257-B1AA46D15D4B}"/>
               </a:ext>
             </a:extLst>
           </p:cNvPr>
@@ -2253,7 +2253,7 @@
           <p:cNvPr id="7" name="날짜 개체 틀 6">
             <a:extLst>
               <a:ext uri="{FF2B5EF4-FFF2-40B4-BE49-F238E27FC236}">
-                <a16:creationId xmlns:a16="http://schemas.microsoft.com/office/drawing/2014/main" id="{728AAFC6-55BE-4626-AF96-C7CCDAC0F2B0}"/>
+                <a16:creationId xmlns:a16="http://schemas.microsoft.com/office/drawing/2014/main" xmlns="" id="{728AAFC6-55BE-4626-AF96-C7CCDAC0F2B0}"/>
               </a:ext>
             </a:extLst>
           </p:cNvPr>
@@ -2271,7 +2271,7 @@
           <a:p>
             <a:fld id="{4DA87FFA-2B3E-4067-BBD9-C9938D8C383D}" type="datetimeFigureOut">
               <a:rPr lang="ko-KR" altLang="en-US" smtClean="0"/>
-              <a:t>2020-03-01</a:t>
+              <a:t>2020-03-05</a:t>
             </a:fld>
             <a:endParaRPr lang="ko-KR" altLang="en-US"/>
           </a:p>
@@ -2282,7 +2282,7 @@
           <p:cNvPr id="8" name="바닥글 개체 틀 7">
             <a:extLst>
               <a:ext uri="{FF2B5EF4-FFF2-40B4-BE49-F238E27FC236}">
-                <a16:creationId xmlns:a16="http://schemas.microsoft.com/office/drawing/2014/main" id="{3EB61947-78EC-4DFE-AE18-BADFE946FCA1}"/>
+                <a16:creationId xmlns:a16="http://schemas.microsoft.com/office/drawing/2014/main" xmlns="" id="{3EB61947-78EC-4DFE-AE18-BADFE946FCA1}"/>
               </a:ext>
             </a:extLst>
           </p:cNvPr>
@@ -2307,7 +2307,7 @@
           <p:cNvPr id="9" name="슬라이드 번호 개체 틀 8">
             <a:extLst>
               <a:ext uri="{FF2B5EF4-FFF2-40B4-BE49-F238E27FC236}">
-                <a16:creationId xmlns:a16="http://schemas.microsoft.com/office/drawing/2014/main" id="{685261F2-9FFB-4E37-862F-6B9846E4C0CE}"/>
+                <a16:creationId xmlns:a16="http://schemas.microsoft.com/office/drawing/2014/main" xmlns="" id="{685261F2-9FFB-4E37-862F-6B9846E4C0CE}"/>
               </a:ext>
             </a:extLst>
           </p:cNvPr>
@@ -2366,7 +2366,7 @@
           <p:cNvPr id="2" name="제목 1">
             <a:extLst>
               <a:ext uri="{FF2B5EF4-FFF2-40B4-BE49-F238E27FC236}">
-                <a16:creationId xmlns:a16="http://schemas.microsoft.com/office/drawing/2014/main" id="{DBF0FBFD-50F2-4BA4-AF91-A95726D349E9}"/>
+                <a16:creationId xmlns:a16="http://schemas.microsoft.com/office/drawing/2014/main" xmlns="" id="{DBF0FBFD-50F2-4BA4-AF91-A95726D349E9}"/>
               </a:ext>
             </a:extLst>
           </p:cNvPr>
@@ -2394,7 +2394,7 @@
           <p:cNvPr id="3" name="날짜 개체 틀 2">
             <a:extLst>
               <a:ext uri="{FF2B5EF4-FFF2-40B4-BE49-F238E27FC236}">
-                <a16:creationId xmlns:a16="http://schemas.microsoft.com/office/drawing/2014/main" id="{E7D649F4-6054-4AAB-996F-0AB3C119A62C}"/>
+                <a16:creationId xmlns:a16="http://schemas.microsoft.com/office/drawing/2014/main" xmlns="" id="{E7D649F4-6054-4AAB-996F-0AB3C119A62C}"/>
               </a:ext>
             </a:extLst>
           </p:cNvPr>
@@ -2412,7 +2412,7 @@
           <a:p>
             <a:fld id="{4DA87FFA-2B3E-4067-BBD9-C9938D8C383D}" type="datetimeFigureOut">
               <a:rPr lang="ko-KR" altLang="en-US" smtClean="0"/>
-              <a:t>2020-03-01</a:t>
+              <a:t>2020-03-05</a:t>
             </a:fld>
             <a:endParaRPr lang="ko-KR" altLang="en-US"/>
           </a:p>
@@ -2423,7 +2423,7 @@
           <p:cNvPr id="4" name="바닥글 개체 틀 3">
             <a:extLst>
               <a:ext uri="{FF2B5EF4-FFF2-40B4-BE49-F238E27FC236}">
-                <a16:creationId xmlns:a16="http://schemas.microsoft.com/office/drawing/2014/main" id="{811F19C3-44C7-45D0-81E8-9171D98B92DE}"/>
+                <a16:creationId xmlns:a16="http://schemas.microsoft.com/office/drawing/2014/main" xmlns="" id="{811F19C3-44C7-45D0-81E8-9171D98B92DE}"/>
               </a:ext>
             </a:extLst>
           </p:cNvPr>
@@ -2448,7 +2448,7 @@
           <p:cNvPr id="5" name="슬라이드 번호 개체 틀 4">
             <a:extLst>
               <a:ext uri="{FF2B5EF4-FFF2-40B4-BE49-F238E27FC236}">
-                <a16:creationId xmlns:a16="http://schemas.microsoft.com/office/drawing/2014/main" id="{A373D321-1F04-4E02-B67E-1D9488A7116C}"/>
+                <a16:creationId xmlns:a16="http://schemas.microsoft.com/office/drawing/2014/main" xmlns="" id="{A373D321-1F04-4E02-B67E-1D9488A7116C}"/>
               </a:ext>
             </a:extLst>
           </p:cNvPr>
@@ -2507,7 +2507,7 @@
           <p:cNvPr id="2" name="날짜 개체 틀 1">
             <a:extLst>
               <a:ext uri="{FF2B5EF4-FFF2-40B4-BE49-F238E27FC236}">
-                <a16:creationId xmlns:a16="http://schemas.microsoft.com/office/drawing/2014/main" id="{32F18568-ADFE-4891-B7FF-CA4C4751DAE6}"/>
+                <a16:creationId xmlns:a16="http://schemas.microsoft.com/office/drawing/2014/main" xmlns="" id="{32F18568-ADFE-4891-B7FF-CA4C4751DAE6}"/>
               </a:ext>
             </a:extLst>
           </p:cNvPr>
@@ -2525,7 +2525,7 @@
           <a:p>
             <a:fld id="{4DA87FFA-2B3E-4067-BBD9-C9938D8C383D}" type="datetimeFigureOut">
               <a:rPr lang="ko-KR" altLang="en-US" smtClean="0"/>
-              <a:t>2020-03-01</a:t>
+              <a:t>2020-03-05</a:t>
             </a:fld>
             <a:endParaRPr lang="ko-KR" altLang="en-US"/>
           </a:p>
@@ -2536,7 +2536,7 @@
           <p:cNvPr id="3" name="바닥글 개체 틀 2">
             <a:extLst>
               <a:ext uri="{FF2B5EF4-FFF2-40B4-BE49-F238E27FC236}">
-                <a16:creationId xmlns:a16="http://schemas.microsoft.com/office/drawing/2014/main" id="{8CD4EBBE-ABDC-4556-A9E0-9FA9D374FF3A}"/>
+                <a16:creationId xmlns:a16="http://schemas.microsoft.com/office/drawing/2014/main" xmlns="" id="{8CD4EBBE-ABDC-4556-A9E0-9FA9D374FF3A}"/>
               </a:ext>
             </a:extLst>
           </p:cNvPr>
@@ -2561,7 +2561,7 @@
           <p:cNvPr id="4" name="슬라이드 번호 개체 틀 3">
             <a:extLst>
               <a:ext uri="{FF2B5EF4-FFF2-40B4-BE49-F238E27FC236}">
-                <a16:creationId xmlns:a16="http://schemas.microsoft.com/office/drawing/2014/main" id="{BC693806-1B50-490D-927B-39FA5BF532A4}"/>
+                <a16:creationId xmlns:a16="http://schemas.microsoft.com/office/drawing/2014/main" xmlns="" id="{BC693806-1B50-490D-927B-39FA5BF532A4}"/>
               </a:ext>
             </a:extLst>
           </p:cNvPr>
@@ -2620,7 +2620,7 @@
           <p:cNvPr id="2" name="제목 1">
             <a:extLst>
               <a:ext uri="{FF2B5EF4-FFF2-40B4-BE49-F238E27FC236}">
-                <a16:creationId xmlns:a16="http://schemas.microsoft.com/office/drawing/2014/main" id="{44AA0496-6910-4F73-AECB-399703A12EC6}"/>
+                <a16:creationId xmlns:a16="http://schemas.microsoft.com/office/drawing/2014/main" xmlns="" id="{44AA0496-6910-4F73-AECB-399703A12EC6}"/>
               </a:ext>
             </a:extLst>
           </p:cNvPr>
@@ -2657,7 +2657,7 @@
           <p:cNvPr id="3" name="내용 개체 틀 2">
             <a:extLst>
               <a:ext uri="{FF2B5EF4-FFF2-40B4-BE49-F238E27FC236}">
-                <a16:creationId xmlns:a16="http://schemas.microsoft.com/office/drawing/2014/main" id="{5F63F752-8AB8-406F-9820-D625F6D77465}"/>
+                <a16:creationId xmlns:a16="http://schemas.microsoft.com/office/drawing/2014/main" xmlns="" id="{5F63F752-8AB8-406F-9820-D625F6D77465}"/>
               </a:ext>
             </a:extLst>
           </p:cNvPr>
@@ -2747,7 +2747,7 @@
           <p:cNvPr id="4" name="텍스트 개체 틀 3">
             <a:extLst>
               <a:ext uri="{FF2B5EF4-FFF2-40B4-BE49-F238E27FC236}">
-                <a16:creationId xmlns:a16="http://schemas.microsoft.com/office/drawing/2014/main" id="{320E7E21-BCC1-4E46-A0E9-7427A7F1015A}"/>
+                <a16:creationId xmlns:a16="http://schemas.microsoft.com/office/drawing/2014/main" xmlns="" id="{320E7E21-BCC1-4E46-A0E9-7427A7F1015A}"/>
               </a:ext>
             </a:extLst>
           </p:cNvPr>
@@ -2818,7 +2818,7 @@
           <p:cNvPr id="5" name="날짜 개체 틀 4">
             <a:extLst>
               <a:ext uri="{FF2B5EF4-FFF2-40B4-BE49-F238E27FC236}">
-                <a16:creationId xmlns:a16="http://schemas.microsoft.com/office/drawing/2014/main" id="{A85CFFBA-C37C-4D62-9CEA-34B8E7B3AA5A}"/>
+                <a16:creationId xmlns:a16="http://schemas.microsoft.com/office/drawing/2014/main" xmlns="" id="{A85CFFBA-C37C-4D62-9CEA-34B8E7B3AA5A}"/>
               </a:ext>
             </a:extLst>
           </p:cNvPr>
@@ -2836,7 +2836,7 @@
           <a:p>
             <a:fld id="{4DA87FFA-2B3E-4067-BBD9-C9938D8C383D}" type="datetimeFigureOut">
               <a:rPr lang="ko-KR" altLang="en-US" smtClean="0"/>
-              <a:t>2020-03-01</a:t>
+              <a:t>2020-03-05</a:t>
             </a:fld>
             <a:endParaRPr lang="ko-KR" altLang="en-US"/>
           </a:p>
@@ -2847,7 +2847,7 @@
           <p:cNvPr id="6" name="바닥글 개체 틀 5">
             <a:extLst>
               <a:ext uri="{FF2B5EF4-FFF2-40B4-BE49-F238E27FC236}">
-                <a16:creationId xmlns:a16="http://schemas.microsoft.com/office/drawing/2014/main" id="{762DB06D-E2F3-4C24-B585-E1582E8DF577}"/>
+                <a16:creationId xmlns:a16="http://schemas.microsoft.com/office/drawing/2014/main" xmlns="" id="{762DB06D-E2F3-4C24-B585-E1582E8DF577}"/>
               </a:ext>
             </a:extLst>
           </p:cNvPr>
@@ -2872,7 +2872,7 @@
           <p:cNvPr id="7" name="슬라이드 번호 개체 틀 6">
             <a:extLst>
               <a:ext uri="{FF2B5EF4-FFF2-40B4-BE49-F238E27FC236}">
-                <a16:creationId xmlns:a16="http://schemas.microsoft.com/office/drawing/2014/main" id="{DF237AD2-DD7B-447F-A38A-D4E5E769E31B}"/>
+                <a16:creationId xmlns:a16="http://schemas.microsoft.com/office/drawing/2014/main" xmlns="" id="{DF237AD2-DD7B-447F-A38A-D4E5E769E31B}"/>
               </a:ext>
             </a:extLst>
           </p:cNvPr>
@@ -2931,7 +2931,7 @@
           <p:cNvPr id="2" name="제목 1">
             <a:extLst>
               <a:ext uri="{FF2B5EF4-FFF2-40B4-BE49-F238E27FC236}">
-                <a16:creationId xmlns:a16="http://schemas.microsoft.com/office/drawing/2014/main" id="{12CF1765-527F-48FA-B956-DE872DCCAEEA}"/>
+                <a16:creationId xmlns:a16="http://schemas.microsoft.com/office/drawing/2014/main" xmlns="" id="{12CF1765-527F-48FA-B956-DE872DCCAEEA}"/>
               </a:ext>
             </a:extLst>
           </p:cNvPr>
@@ -2968,7 +2968,7 @@
           <p:cNvPr id="3" name="그림 개체 틀 2">
             <a:extLst>
               <a:ext uri="{FF2B5EF4-FFF2-40B4-BE49-F238E27FC236}">
-                <a16:creationId xmlns:a16="http://schemas.microsoft.com/office/drawing/2014/main" id="{413FBCB9-B2EA-4F7B-8D8B-2BDE91EEF613}"/>
+                <a16:creationId xmlns:a16="http://schemas.microsoft.com/office/drawing/2014/main" xmlns="" id="{413FBCB9-B2EA-4F7B-8D8B-2BDE91EEF613}"/>
               </a:ext>
             </a:extLst>
           </p:cNvPr>
@@ -3035,7 +3035,7 @@
           <p:cNvPr id="4" name="텍스트 개체 틀 3">
             <a:extLst>
               <a:ext uri="{FF2B5EF4-FFF2-40B4-BE49-F238E27FC236}">
-                <a16:creationId xmlns:a16="http://schemas.microsoft.com/office/drawing/2014/main" id="{14FF4D9B-ADE8-4EAE-94FD-25D67B1B2161}"/>
+                <a16:creationId xmlns:a16="http://schemas.microsoft.com/office/drawing/2014/main" xmlns="" id="{14FF4D9B-ADE8-4EAE-94FD-25D67B1B2161}"/>
               </a:ext>
             </a:extLst>
           </p:cNvPr>
@@ -3106,7 +3106,7 @@
           <p:cNvPr id="5" name="날짜 개체 틀 4">
             <a:extLst>
               <a:ext uri="{FF2B5EF4-FFF2-40B4-BE49-F238E27FC236}">
-                <a16:creationId xmlns:a16="http://schemas.microsoft.com/office/drawing/2014/main" id="{C86B8B27-A14E-4B7E-87B3-DEAEFEEF4B55}"/>
+                <a16:creationId xmlns:a16="http://schemas.microsoft.com/office/drawing/2014/main" xmlns="" id="{C86B8B27-A14E-4B7E-87B3-DEAEFEEF4B55}"/>
               </a:ext>
             </a:extLst>
           </p:cNvPr>
@@ -3124,7 +3124,7 @@
           <a:p>
             <a:fld id="{4DA87FFA-2B3E-4067-BBD9-C9938D8C383D}" type="datetimeFigureOut">
               <a:rPr lang="ko-KR" altLang="en-US" smtClean="0"/>
-              <a:t>2020-03-01</a:t>
+              <a:t>2020-03-05</a:t>
             </a:fld>
             <a:endParaRPr lang="ko-KR" altLang="en-US"/>
           </a:p>
@@ -3135,7 +3135,7 @@
           <p:cNvPr id="6" name="바닥글 개체 틀 5">
             <a:extLst>
               <a:ext uri="{FF2B5EF4-FFF2-40B4-BE49-F238E27FC236}">
-                <a16:creationId xmlns:a16="http://schemas.microsoft.com/office/drawing/2014/main" id="{BB4F226D-AF6E-42B7-9604-1582FF825BB1}"/>
+                <a16:creationId xmlns:a16="http://schemas.microsoft.com/office/drawing/2014/main" xmlns="" id="{BB4F226D-AF6E-42B7-9604-1582FF825BB1}"/>
               </a:ext>
             </a:extLst>
           </p:cNvPr>
@@ -3160,7 +3160,7 @@
           <p:cNvPr id="7" name="슬라이드 번호 개체 틀 6">
             <a:extLst>
               <a:ext uri="{FF2B5EF4-FFF2-40B4-BE49-F238E27FC236}">
-                <a16:creationId xmlns:a16="http://schemas.microsoft.com/office/drawing/2014/main" id="{9B0B8D9E-3116-40FA-B79B-39733DB43611}"/>
+                <a16:creationId xmlns:a16="http://schemas.microsoft.com/office/drawing/2014/main" xmlns="" id="{9B0B8D9E-3116-40FA-B79B-39733DB43611}"/>
               </a:ext>
             </a:extLst>
           </p:cNvPr>
@@ -3224,7 +3224,7 @@
           <p:cNvPr id="2" name="제목 개체 틀 1">
             <a:extLst>
               <a:ext uri="{FF2B5EF4-FFF2-40B4-BE49-F238E27FC236}">
-                <a16:creationId xmlns:a16="http://schemas.microsoft.com/office/drawing/2014/main" id="{C101A63D-0729-4D45-9D5A-22B6DB401160}"/>
+                <a16:creationId xmlns:a16="http://schemas.microsoft.com/office/drawing/2014/main" xmlns="" id="{C101A63D-0729-4D45-9D5A-22B6DB401160}"/>
               </a:ext>
             </a:extLst>
           </p:cNvPr>
@@ -3262,7 +3262,7 @@
           <p:cNvPr id="3" name="텍스트 개체 틀 2">
             <a:extLst>
               <a:ext uri="{FF2B5EF4-FFF2-40B4-BE49-F238E27FC236}">
-                <a16:creationId xmlns:a16="http://schemas.microsoft.com/office/drawing/2014/main" id="{0D186F70-45A7-41AB-B766-CDDD2092E961}"/>
+                <a16:creationId xmlns:a16="http://schemas.microsoft.com/office/drawing/2014/main" xmlns="" id="{0D186F70-45A7-41AB-B766-CDDD2092E961}"/>
               </a:ext>
             </a:extLst>
           </p:cNvPr>
@@ -3329,7 +3329,7 @@
           <p:cNvPr id="4" name="날짜 개체 틀 3">
             <a:extLst>
               <a:ext uri="{FF2B5EF4-FFF2-40B4-BE49-F238E27FC236}">
-                <a16:creationId xmlns:a16="http://schemas.microsoft.com/office/drawing/2014/main" id="{898E8EDB-5D20-44AE-9A1D-57309DFE2D58}"/>
+                <a16:creationId xmlns:a16="http://schemas.microsoft.com/office/drawing/2014/main" xmlns="" id="{898E8EDB-5D20-44AE-9A1D-57309DFE2D58}"/>
               </a:ext>
             </a:extLst>
           </p:cNvPr>
@@ -3365,7 +3365,7 @@
           <a:p>
             <a:fld id="{4DA87FFA-2B3E-4067-BBD9-C9938D8C383D}" type="datetimeFigureOut">
               <a:rPr lang="ko-KR" altLang="en-US" smtClean="0"/>
-              <a:t>2020-03-01</a:t>
+              <a:t>2020-03-05</a:t>
             </a:fld>
             <a:endParaRPr lang="ko-KR" altLang="en-US"/>
           </a:p>
@@ -3376,7 +3376,7 @@
           <p:cNvPr id="5" name="바닥글 개체 틀 4">
             <a:extLst>
               <a:ext uri="{FF2B5EF4-FFF2-40B4-BE49-F238E27FC236}">
-                <a16:creationId xmlns:a16="http://schemas.microsoft.com/office/drawing/2014/main" id="{8466EF01-2EE2-41D4-90FC-B6A3832DE762}"/>
+                <a16:creationId xmlns:a16="http://schemas.microsoft.com/office/drawing/2014/main" xmlns="" id="{8466EF01-2EE2-41D4-90FC-B6A3832DE762}"/>
               </a:ext>
             </a:extLst>
           </p:cNvPr>
@@ -3419,7 +3419,7 @@
           <p:cNvPr id="6" name="슬라이드 번호 개체 틀 5">
             <a:extLst>
               <a:ext uri="{FF2B5EF4-FFF2-40B4-BE49-F238E27FC236}">
-                <a16:creationId xmlns:a16="http://schemas.microsoft.com/office/drawing/2014/main" id="{9847751F-DD54-43DF-8B1A-4DC0BC280A82}"/>
+                <a16:creationId xmlns:a16="http://schemas.microsoft.com/office/drawing/2014/main" xmlns="" id="{9847751F-DD54-43DF-8B1A-4DC0BC280A82}"/>
               </a:ext>
             </a:extLst>
           </p:cNvPr>
@@ -3798,7 +3798,7 @@
         </p:blipFill>
         <p:spPr>
           <a:xfrm>
-            <a:off x="957867" y="2239066"/>
+            <a:off x="249867" y="2523325"/>
             <a:ext cx="708000" cy="1416000"/>
           </a:xfrm>
           <a:prstGeom prst="rect">
@@ -3818,7 +3818,7 @@
         </p:nvSpPr>
         <p:spPr>
           <a:xfrm>
-            <a:off x="943433" y="3692257"/>
+            <a:off x="190214" y="4006937"/>
             <a:ext cx="827305" cy="404200"/>
           </a:xfrm>
           <a:prstGeom prst="rect">
@@ -3840,48 +3840,6 @@
               <a:t>사용자</a:t>
             </a:r>
             <a:endParaRPr sz="1333" b="1" dirty="0"/>
-          </a:p>
-        </p:txBody>
-      </p:sp>
-      <p:sp>
-        <p:nvSpPr>
-          <p:cNvPr id="59" name="Google Shape;59;p13"/>
-          <p:cNvSpPr/>
-          <p:nvPr/>
-        </p:nvSpPr>
-        <p:spPr>
-          <a:xfrm>
-            <a:off x="5749600" y="4250233"/>
-            <a:ext cx="1210400" cy="796400"/>
-          </a:xfrm>
-          <a:prstGeom prst="ellipse">
-            <a:avLst/>
-          </a:prstGeom>
-          <a:solidFill>
-            <a:schemeClr val="lt2"/>
-          </a:solidFill>
-          <a:ln w="9525" cap="flat" cmpd="sng">
-            <a:solidFill>
-              <a:schemeClr val="dk2"/>
-            </a:solidFill>
-            <a:prstDash val="solid"/>
-            <a:round/>
-            <a:headEnd type="none" w="sm" len="sm"/>
-            <a:tailEnd type="none" w="sm" len="sm"/>
-          </a:ln>
-        </p:spPr>
-        <p:txBody>
-          <a:bodyPr spcFirstLastPara="1" wrap="square" lIns="0" tIns="0" rIns="0" bIns="0" anchor="ctr" anchorCtr="0">
-            <a:noAutofit/>
-          </a:bodyPr>
-          <a:lstStyle/>
-          <a:p>
-            <a:pPr algn="ctr"/>
-            <a:r>
-              <a:rPr lang="ko-KR" altLang="en-US" sz="1333" dirty="0"/>
-              <a:t>인증</a:t>
-            </a:r>
-            <a:endParaRPr sz="1333" dirty="0"/>
           </a:p>
         </p:txBody>
       </p:sp>
@@ -3949,278 +3907,6 @@
       </p:sp>
       <p:cxnSp>
         <p:nvCxnSpPr>
-          <p:cNvPr id="90" name="Google Shape;90;p13"/>
-          <p:cNvCxnSpPr>
-            <a:cxnSpLocks/>
-            <a:stCxn id="139" idx="2"/>
-            <a:endCxn id="59" idx="0"/>
-          </p:cNvCxnSpPr>
-          <p:nvPr/>
-        </p:nvCxnSpPr>
-        <p:spPr>
-          <a:xfrm>
-            <a:off x="5798835" y="3156965"/>
-            <a:ext cx="555965" cy="1093268"/>
-          </a:xfrm>
-          <a:prstGeom prst="straightConnector1">
-            <a:avLst/>
-          </a:prstGeom>
-          <a:noFill/>
-          <a:ln w="9525" cap="flat" cmpd="sng">
-            <a:solidFill>
-              <a:schemeClr val="dk2"/>
-            </a:solidFill>
-            <a:prstDash val="dash"/>
-            <a:round/>
-            <a:headEnd type="none" w="med" len="med"/>
-            <a:tailEnd type="triangle" w="med" len="med"/>
-          </a:ln>
-        </p:spPr>
-      </p:cxnSp>
-      <p:cxnSp>
-        <p:nvCxnSpPr>
-          <p:cNvPr id="91" name="Google Shape;91;p13"/>
-          <p:cNvCxnSpPr>
-            <a:cxnSpLocks/>
-            <a:stCxn id="156" idx="3"/>
-            <a:endCxn id="59" idx="2"/>
-          </p:cNvCxnSpPr>
-          <p:nvPr/>
-        </p:nvCxnSpPr>
-        <p:spPr>
-          <a:xfrm flipV="1">
-            <a:off x="4538793" y="4648433"/>
-            <a:ext cx="1210807" cy="542856"/>
-          </a:xfrm>
-          <a:prstGeom prst="straightConnector1">
-            <a:avLst/>
-          </a:prstGeom>
-          <a:noFill/>
-          <a:ln w="9525" cap="flat" cmpd="sng">
-            <a:solidFill>
-              <a:schemeClr val="dk2"/>
-            </a:solidFill>
-            <a:prstDash val="dash"/>
-            <a:round/>
-            <a:headEnd type="none" w="med" len="med"/>
-            <a:tailEnd type="triangle" w="med" len="med"/>
-          </a:ln>
-        </p:spPr>
-      </p:cxnSp>
-      <p:sp>
-        <p:nvSpPr>
-          <p:cNvPr id="92" name="Google Shape;92;p13"/>
-          <p:cNvSpPr txBox="1"/>
-          <p:nvPr/>
-        </p:nvSpPr>
-        <p:spPr>
-          <a:xfrm rot="20192460">
-            <a:off x="4590833" y="4958328"/>
-            <a:ext cx="939675" cy="326707"/>
-          </a:xfrm>
-          <a:prstGeom prst="rect">
-            <a:avLst/>
-          </a:prstGeom>
-          <a:noFill/>
-          <a:ln>
-            <a:noFill/>
-          </a:ln>
-        </p:spPr>
-        <p:txBody>
-          <a:bodyPr spcFirstLastPara="1" wrap="square" lIns="121900" tIns="121900" rIns="121900" bIns="121900" anchor="t" anchorCtr="0">
-            <a:noAutofit/>
-          </a:bodyPr>
-          <a:lstStyle/>
-          <a:p>
-            <a:r>
-              <a:rPr lang="en-US" altLang="ko" sz="1067"/>
-              <a:t>&lt;&lt;</a:t>
-            </a:r>
-            <a:r>
-              <a:rPr lang="ko" altLang="en-US" sz="1067"/>
-              <a:t>포함</a:t>
-            </a:r>
-            <a:r>
-              <a:rPr lang="en-US" altLang="ko" sz="1067"/>
-              <a:t>&gt;&gt;</a:t>
-            </a:r>
-            <a:endParaRPr sz="1067"/>
-          </a:p>
-        </p:txBody>
-      </p:sp>
-      <p:sp>
-        <p:nvSpPr>
-          <p:cNvPr id="93" name="Google Shape;93;p13"/>
-          <p:cNvSpPr txBox="1"/>
-          <p:nvPr/>
-        </p:nvSpPr>
-        <p:spPr>
-          <a:xfrm rot="2089036">
-            <a:off x="4753379" y="3729184"/>
-            <a:ext cx="911960" cy="326712"/>
-          </a:xfrm>
-          <a:prstGeom prst="rect">
-            <a:avLst/>
-          </a:prstGeom>
-          <a:noFill/>
-          <a:ln>
-            <a:noFill/>
-          </a:ln>
-        </p:spPr>
-        <p:txBody>
-          <a:bodyPr spcFirstLastPara="1" wrap="square" lIns="121900" tIns="121900" rIns="121900" bIns="121900" anchor="t" anchorCtr="0">
-            <a:noAutofit/>
-          </a:bodyPr>
-          <a:lstStyle/>
-          <a:p>
-            <a:r>
-              <a:rPr lang="en-US" altLang="ko" sz="1067" dirty="0"/>
-              <a:t>&lt;&lt;</a:t>
-            </a:r>
-            <a:r>
-              <a:rPr lang="ko" altLang="en-US" sz="1067" dirty="0"/>
-              <a:t>포함</a:t>
-            </a:r>
-            <a:r>
-              <a:rPr lang="en-US" altLang="ko" sz="1067" dirty="0"/>
-              <a:t>&gt;&gt;</a:t>
-            </a:r>
-            <a:endParaRPr sz="1067" dirty="0"/>
-          </a:p>
-        </p:txBody>
-      </p:sp>
-      <p:cxnSp>
-        <p:nvCxnSpPr>
-          <p:cNvPr id="94" name="Google Shape;94;p13"/>
-          <p:cNvCxnSpPr>
-            <a:cxnSpLocks/>
-            <a:stCxn id="140" idx="3"/>
-            <a:endCxn id="59" idx="2"/>
-          </p:cNvCxnSpPr>
-          <p:nvPr/>
-        </p:nvCxnSpPr>
-        <p:spPr>
-          <a:xfrm>
-            <a:off x="4538793" y="3553942"/>
-            <a:ext cx="1210807" cy="1094491"/>
-          </a:xfrm>
-          <a:prstGeom prst="straightConnector1">
-            <a:avLst/>
-          </a:prstGeom>
-          <a:noFill/>
-          <a:ln w="9525" cap="flat" cmpd="sng">
-            <a:solidFill>
-              <a:schemeClr val="dk2"/>
-            </a:solidFill>
-            <a:prstDash val="dash"/>
-            <a:round/>
-            <a:headEnd type="none" w="med" len="med"/>
-            <a:tailEnd type="triangle" w="med" len="med"/>
-          </a:ln>
-        </p:spPr>
-      </p:cxnSp>
-      <p:cxnSp>
-        <p:nvCxnSpPr>
-          <p:cNvPr id="95" name="Google Shape;95;p13"/>
-          <p:cNvCxnSpPr>
-            <a:stCxn id="96" idx="1"/>
-            <a:endCxn id="59" idx="7"/>
-          </p:cNvCxnSpPr>
-          <p:nvPr/>
-        </p:nvCxnSpPr>
-        <p:spPr>
-          <a:xfrm flipH="1">
-            <a:off x="6782833" y="1486133"/>
-            <a:ext cx="1540400" cy="2880800"/>
-          </a:xfrm>
-          <a:prstGeom prst="straightConnector1">
-            <a:avLst/>
-          </a:prstGeom>
-          <a:noFill/>
-          <a:ln w="9525" cap="flat" cmpd="sng">
-            <a:solidFill>
-              <a:schemeClr val="dk2"/>
-            </a:solidFill>
-            <a:prstDash val="dash"/>
-            <a:round/>
-            <a:headEnd type="none" w="med" len="med"/>
-            <a:tailEnd type="triangle" w="med" len="med"/>
-          </a:ln>
-        </p:spPr>
-      </p:cxnSp>
-      <p:cxnSp>
-        <p:nvCxnSpPr>
-          <p:cNvPr id="97" name="Google Shape;97;p13"/>
-          <p:cNvCxnSpPr>
-            <a:cxnSpLocks/>
-            <a:stCxn id="105" idx="1"/>
-            <a:endCxn id="59" idx="6"/>
-          </p:cNvCxnSpPr>
-          <p:nvPr/>
-        </p:nvCxnSpPr>
-        <p:spPr>
-          <a:xfrm flipH="1">
-            <a:off x="6960000" y="2239133"/>
-            <a:ext cx="1363233" cy="2409300"/>
-          </a:xfrm>
-          <a:prstGeom prst="straightConnector1">
-            <a:avLst/>
-          </a:prstGeom>
-          <a:noFill/>
-          <a:ln w="9525" cap="flat" cmpd="sng">
-            <a:solidFill>
-              <a:schemeClr val="dk2"/>
-            </a:solidFill>
-            <a:prstDash val="dash"/>
-            <a:round/>
-            <a:headEnd type="none" w="med" len="med"/>
-            <a:tailEnd type="triangle" w="med" len="med"/>
-          </a:ln>
-        </p:spPr>
-      </p:cxnSp>
-      <p:sp>
-        <p:nvSpPr>
-          <p:cNvPr id="99" name="Google Shape;99;p13"/>
-          <p:cNvSpPr txBox="1"/>
-          <p:nvPr/>
-        </p:nvSpPr>
-        <p:spPr>
-          <a:xfrm rot="-3692042">
-            <a:off x="6680187" y="3251552"/>
-            <a:ext cx="911387" cy="328049"/>
-          </a:xfrm>
-          <a:prstGeom prst="rect">
-            <a:avLst/>
-          </a:prstGeom>
-          <a:noFill/>
-          <a:ln>
-            <a:noFill/>
-          </a:ln>
-        </p:spPr>
-        <p:txBody>
-          <a:bodyPr spcFirstLastPara="1" wrap="square" lIns="121900" tIns="121900" rIns="121900" bIns="121900" anchor="t" anchorCtr="0">
-            <a:noAutofit/>
-          </a:bodyPr>
-          <a:lstStyle/>
-          <a:p>
-            <a:r>
-              <a:rPr lang="en-US" altLang="ko" sz="1067"/>
-              <a:t>&lt;&lt;</a:t>
-            </a:r>
-            <a:r>
-              <a:rPr lang="ko" altLang="en-US" sz="1067"/>
-              <a:t>포함</a:t>
-            </a:r>
-            <a:r>
-              <a:rPr lang="en-US" altLang="ko" sz="1067"/>
-              <a:t>&gt;&gt;</a:t>
-            </a:r>
-            <a:endParaRPr sz="1067"/>
-          </a:p>
-        </p:txBody>
-      </p:sp>
-      <p:cxnSp>
-        <p:nvCxnSpPr>
           <p:cNvPr id="101" name="Google Shape;101;p13"/>
           <p:cNvCxnSpPr>
             <a:stCxn id="60" idx="1"/>
@@ -4230,8 +3916,8 @@
         </p:nvCxnSpPr>
         <p:spPr>
           <a:xfrm flipH="1" flipV="1">
-            <a:off x="10192833" y="714845"/>
-            <a:ext cx="1055734" cy="1723822"/>
+            <a:off x="9964233" y="567781"/>
+            <a:ext cx="1284334" cy="1870886"/>
           </a:xfrm>
           <a:prstGeom prst="straightConnector1">
             <a:avLst/>
@@ -4258,9 +3944,9 @@
           <p:nvPr/>
         </p:nvCxnSpPr>
         <p:spPr>
-          <a:xfrm rot="10800000">
-            <a:off x="10192967" y="1486267"/>
-            <a:ext cx="1055600" cy="952400"/>
+          <a:xfrm flipH="1">
+            <a:off x="9964233" y="2438667"/>
+            <a:ext cx="1284334" cy="492461"/>
           </a:xfrm>
           <a:prstGeom prst="straightConnector1">
             <a:avLst/>
@@ -4287,9 +3973,9 @@
           <p:nvPr/>
         </p:nvCxnSpPr>
         <p:spPr>
-          <a:xfrm rot="10800000">
-            <a:off x="10192967" y="2239067"/>
-            <a:ext cx="1055600" cy="199600"/>
+          <a:xfrm flipH="1" flipV="1">
+            <a:off x="9903932" y="1347425"/>
+            <a:ext cx="1344635" cy="1091242"/>
           </a:xfrm>
           <a:prstGeom prst="straightConnector1">
             <a:avLst/>
@@ -4314,7 +4000,7 @@
         </p:nvSpPr>
         <p:spPr>
           <a:xfrm>
-            <a:off x="8323233" y="458845"/>
+            <a:off x="8094633" y="311781"/>
             <a:ext cx="1869600" cy="512000"/>
           </a:xfrm>
           <a:prstGeom prst="rect">
@@ -4341,10 +4027,14 @@
           <a:p>
             <a:pPr algn="ctr"/>
             <a:r>
-              <a:rPr lang="ko" altLang="en-US" sz="1333"/>
-              <a:t>메인화면 관리</a:t>
-            </a:r>
-            <a:endParaRPr sz="1333"/>
+              <a:rPr lang="ko-KR" altLang="en-US" sz="1333" dirty="0" err="1" smtClean="0"/>
+              <a:t>캐러셀</a:t>
+            </a:r>
+            <a:r>
+              <a:rPr lang="ko-KR" altLang="en-US" sz="1333" dirty="0" smtClean="0"/>
+              <a:t> 배너 관리</a:t>
+            </a:r>
+            <a:endParaRPr sz="1333" dirty="0"/>
           </a:p>
         </p:txBody>
       </p:sp>
@@ -4356,7 +4046,7 @@
         </p:nvSpPr>
         <p:spPr>
           <a:xfrm>
-            <a:off x="8323233" y="1983133"/>
+            <a:off x="8034332" y="1091425"/>
             <a:ext cx="1869600" cy="512000"/>
           </a:xfrm>
           <a:prstGeom prst="rect">
@@ -4383,10 +4073,10 @@
           <a:p>
             <a:pPr algn="ctr"/>
             <a:r>
-              <a:rPr lang="ko" altLang="en-US" sz="1333"/>
-              <a:t>공지사항 관리</a:t>
-            </a:r>
-            <a:endParaRPr sz="1333"/>
+              <a:rPr lang="ko-KR" altLang="en-US" sz="1333" dirty="0" smtClean="0"/>
+              <a:t>추천상품 관리</a:t>
+            </a:r>
+            <a:endParaRPr sz="1333" dirty="0"/>
           </a:p>
         </p:txBody>
       </p:sp>
@@ -4398,7 +4088,7 @@
         </p:nvSpPr>
         <p:spPr>
           <a:xfrm>
-            <a:off x="8323233" y="2736133"/>
+            <a:off x="8323233" y="4423868"/>
             <a:ext cx="1869600" cy="512000"/>
           </a:xfrm>
           <a:prstGeom prst="rect">
@@ -4425,12 +4115,20 @@
           <a:p>
             <a:pPr algn="ctr"/>
             <a:r>
-              <a:rPr lang="en-US" sz="1333" dirty="0"/>
+              <a:rPr lang="ko-KR" altLang="en-US" sz="1333" dirty="0" smtClean="0"/>
+              <a:t>공지사항 </a:t>
+            </a:r>
+            <a:r>
+              <a:rPr lang="en-US" sz="1333" dirty="0" smtClean="0"/>
               <a:t>FAQ </a:t>
             </a:r>
             <a:r>
+              <a:rPr lang="ko-KR" altLang="en-US" sz="1333" dirty="0" smtClean="0"/>
+              <a:t>이용정보 </a:t>
+            </a:r>
+            <a:r>
               <a:rPr lang="ko-KR" altLang="en-US" sz="1333" dirty="0"/>
-              <a:t>및 이용정보 관리</a:t>
+              <a:t>관리</a:t>
             </a:r>
             <a:endParaRPr sz="1333" dirty="0"/>
           </a:p>
@@ -4471,8 +4169,12 @@
           <a:p>
             <a:pPr algn="ctr"/>
             <a:r>
+              <a:rPr lang="ko-KR" altLang="en-US" sz="1333" dirty="0" smtClean="0"/>
+              <a:t>상품 </a:t>
+            </a:r>
+            <a:r>
               <a:rPr lang="ko-KR" altLang="en-US" sz="1333" dirty="0"/>
-              <a:t>아이템 관리</a:t>
+              <a:t>관리</a:t>
             </a:r>
             <a:endParaRPr sz="1333" dirty="0"/>
           </a:p>
@@ -4486,7 +4188,7 @@
         </p:nvSpPr>
         <p:spPr>
           <a:xfrm>
-            <a:off x="8323233" y="1230133"/>
+            <a:off x="8094633" y="2675128"/>
             <a:ext cx="1869600" cy="512000"/>
           </a:xfrm>
           <a:prstGeom prst="rect">
@@ -4531,8 +4233,8 @@
         </p:nvCxnSpPr>
         <p:spPr>
           <a:xfrm flipH="1">
-            <a:off x="10192967" y="2438667"/>
-            <a:ext cx="1055600" cy="553600"/>
+            <a:off x="10192833" y="2438667"/>
+            <a:ext cx="1055734" cy="2241201"/>
           </a:xfrm>
           <a:prstGeom prst="straightConnector1">
             <a:avLst/>
@@ -4580,51 +4282,10 @@
       </p:cxnSp>
       <p:sp>
         <p:nvSpPr>
-          <p:cNvPr id="127" name="Google Shape;127;p13"/>
-          <p:cNvSpPr txBox="1"/>
-          <p:nvPr/>
-        </p:nvSpPr>
-        <p:spPr>
-          <a:xfrm rot="3599267">
-            <a:off x="5827667" y="3454951"/>
-            <a:ext cx="911956" cy="327053"/>
-          </a:xfrm>
-          <a:prstGeom prst="rect">
-            <a:avLst/>
-          </a:prstGeom>
-          <a:noFill/>
-          <a:ln>
-            <a:noFill/>
-          </a:ln>
-        </p:spPr>
-        <p:txBody>
-          <a:bodyPr spcFirstLastPara="1" wrap="square" lIns="121900" tIns="121900" rIns="121900" bIns="121900" anchor="t" anchorCtr="0">
-            <a:noAutofit/>
-          </a:bodyPr>
-          <a:lstStyle/>
-          <a:p>
-            <a:r>
-              <a:rPr lang="en-US" altLang="ko" sz="1067" dirty="0"/>
-              <a:t>&lt;&lt;</a:t>
-            </a:r>
-            <a:r>
-              <a:rPr lang="ko" altLang="en-US" sz="1067" dirty="0"/>
-              <a:t>포함</a:t>
-            </a:r>
-            <a:r>
-              <a:rPr lang="en-US" altLang="ko" sz="1067" dirty="0"/>
-              <a:t>&gt;&gt;</a:t>
-            </a:r>
-            <a:endParaRPr sz="1067" dirty="0"/>
-          </a:p>
-        </p:txBody>
-      </p:sp>
-      <p:sp>
-        <p:nvSpPr>
           <p:cNvPr id="132" name="Google Shape;102;p13">
             <a:extLst>
               <a:ext uri="{FF2B5EF4-FFF2-40B4-BE49-F238E27FC236}">
-                <a16:creationId xmlns:a16="http://schemas.microsoft.com/office/drawing/2014/main" id="{D4EAD755-BB98-41D1-9C16-8CC51AD0D492}"/>
+                <a16:creationId xmlns:a16="http://schemas.microsoft.com/office/drawing/2014/main" xmlns="" id="{D4EAD755-BB98-41D1-9C16-8CC51AD0D492}"/>
               </a:ext>
             </a:extLst>
           </p:cNvPr>
@@ -4633,7 +4294,7 @@
         </p:nvSpPr>
         <p:spPr>
           <a:xfrm>
-            <a:off x="2669193" y="1648841"/>
+            <a:off x="1835908" y="3230064"/>
             <a:ext cx="1869600" cy="512000"/>
           </a:xfrm>
           <a:prstGeom prst="rect">
@@ -4660,8 +4321,16 @@
           <a:p>
             <a:pPr algn="ctr"/>
             <a:r>
+              <a:rPr lang="ko-KR" altLang="en-US" sz="1333" dirty="0" err="1" smtClean="0"/>
+              <a:t>렌탈</a:t>
+            </a:r>
+            <a:r>
+              <a:rPr lang="ko-KR" altLang="en-US" sz="1333" dirty="0" smtClean="0"/>
+              <a:t> 상품 </a:t>
+            </a:r>
+            <a:r>
               <a:rPr lang="ko-KR" altLang="en-US" sz="1333" dirty="0"/>
-              <a:t>아이템 조회</a:t>
+              <a:t>조회</a:t>
             </a:r>
             <a:endParaRPr sz="1333" dirty="0"/>
           </a:p>
@@ -4672,7 +4341,7 @@
           <p:cNvPr id="133" name="Google Shape;102;p13">
             <a:extLst>
               <a:ext uri="{FF2B5EF4-FFF2-40B4-BE49-F238E27FC236}">
-                <a16:creationId xmlns:a16="http://schemas.microsoft.com/office/drawing/2014/main" id="{85AB7D6F-8B57-4DEC-9E37-3F7B85052802}"/>
+                <a16:creationId xmlns:a16="http://schemas.microsoft.com/office/drawing/2014/main" xmlns="" id="{85AB7D6F-8B57-4DEC-9E37-3F7B85052802}"/>
               </a:ext>
             </a:extLst>
           </p:cNvPr>
@@ -4681,7 +4350,7 @@
         </p:nvSpPr>
         <p:spPr>
           <a:xfrm>
-            <a:off x="2669193" y="2410878"/>
+            <a:off x="1835908" y="5661597"/>
             <a:ext cx="1869600" cy="512000"/>
           </a:xfrm>
           <a:prstGeom prst="rect">
@@ -4708,8 +4377,12 @@
           <a:p>
             <a:pPr algn="ctr"/>
             <a:r>
-              <a:rPr lang="ko-KR" altLang="en-US" sz="1333" dirty="0"/>
-              <a:t>게시판 조회</a:t>
+              <a:rPr lang="en-US" sz="1333" dirty="0" smtClean="0"/>
+              <a:t>Q&amp;A </a:t>
+            </a:r>
+            <a:r>
+              <a:rPr lang="ko-KR" altLang="en-US" sz="1333" dirty="0" smtClean="0"/>
+              <a:t>등록 및 조회</a:t>
             </a:r>
             <a:endParaRPr sz="1333" dirty="0"/>
           </a:p>
@@ -4720,7 +4393,7 @@
           <p:cNvPr id="134" name="Google Shape;102;p13">
             <a:extLst>
               <a:ext uri="{FF2B5EF4-FFF2-40B4-BE49-F238E27FC236}">
-                <a16:creationId xmlns:a16="http://schemas.microsoft.com/office/drawing/2014/main" id="{D3A6E16D-F04D-438A-910E-015063641DEE}"/>
+                <a16:creationId xmlns:a16="http://schemas.microsoft.com/office/drawing/2014/main" xmlns="" id="{D3A6E16D-F04D-438A-910E-015063641DEE}"/>
               </a:ext>
             </a:extLst>
           </p:cNvPr>
@@ -4729,8 +4402,8 @@
         </p:nvSpPr>
         <p:spPr>
           <a:xfrm>
-            <a:off x="1937729" y="661942"/>
-            <a:ext cx="1055734" cy="339162"/>
+            <a:off x="4811672" y="824914"/>
+            <a:ext cx="1630408" cy="339162"/>
           </a:xfrm>
           <a:prstGeom prst="rect">
             <a:avLst/>
@@ -4757,9 +4430,13 @@
             <a:pPr algn="ctr"/>
             <a:r>
               <a:rPr lang="ko-KR" altLang="en-US" sz="1333" dirty="0"/>
-              <a:t>상세 검색</a:t>
-            </a:r>
-            <a:endParaRPr sz="1333" dirty="0"/>
+              <a:t>상세 </a:t>
+            </a:r>
+            <a:r>
+              <a:rPr lang="ko-KR" altLang="en-US" sz="1333" dirty="0" smtClean="0"/>
+              <a:t>내용 조회</a:t>
+            </a:r>
+            <a:endParaRPr lang="en-US" altLang="ko-KR" sz="1333" dirty="0" smtClean="0"/>
           </a:p>
         </p:txBody>
       </p:sp>
@@ -4768,20 +4445,20 @@
           <p:cNvPr id="13" name="직선 화살표 연결선 12">
             <a:extLst>
               <a:ext uri="{FF2B5EF4-FFF2-40B4-BE49-F238E27FC236}">
-                <a16:creationId xmlns:a16="http://schemas.microsoft.com/office/drawing/2014/main" id="{8D075E94-0CF2-4C33-9C68-54B7C926C541}"/>
+                <a16:creationId xmlns:a16="http://schemas.microsoft.com/office/drawing/2014/main" xmlns="" id="{8D075E94-0CF2-4C33-9C68-54B7C926C541}"/>
               </a:ext>
             </a:extLst>
           </p:cNvPr>
           <p:cNvCxnSpPr>
-            <a:stCxn id="134" idx="2"/>
-            <a:endCxn id="132" idx="0"/>
+            <a:stCxn id="134" idx="1"/>
+            <a:endCxn id="132" idx="3"/>
           </p:cNvCxnSpPr>
           <p:nvPr/>
         </p:nvCxnSpPr>
         <p:spPr>
-          <a:xfrm>
-            <a:off x="2465596" y="1001104"/>
-            <a:ext cx="1138397" cy="647737"/>
+          <a:xfrm flipH="1">
+            <a:off x="3705508" y="994495"/>
+            <a:ext cx="1106164" cy="2491569"/>
           </a:xfrm>
           <a:prstGeom prst="straightConnector1">
             <a:avLst/>
@@ -4810,7 +4487,7 @@
           <p:cNvPr id="135" name="Google Shape;102;p13">
             <a:extLst>
               <a:ext uri="{FF2B5EF4-FFF2-40B4-BE49-F238E27FC236}">
-                <a16:creationId xmlns:a16="http://schemas.microsoft.com/office/drawing/2014/main" id="{5101804D-D6A1-4286-8A27-033B15070974}"/>
+                <a16:creationId xmlns:a16="http://schemas.microsoft.com/office/drawing/2014/main" xmlns="" id="{5101804D-D6A1-4286-8A27-033B15070974}"/>
               </a:ext>
             </a:extLst>
           </p:cNvPr>
@@ -4819,8 +4496,8 @@
         </p:nvSpPr>
         <p:spPr>
           <a:xfrm>
-            <a:off x="3166524" y="458845"/>
-            <a:ext cx="1055734" cy="542259"/>
+            <a:off x="4811672" y="1408807"/>
+            <a:ext cx="1630408" cy="542259"/>
           </a:xfrm>
           <a:prstGeom prst="rect">
             <a:avLst/>
@@ -4846,8 +4523,12 @@
           <a:p>
             <a:pPr algn="ctr"/>
             <a:r>
-              <a:rPr lang="ko-KR" altLang="en-US" sz="1333"/>
-              <a:t>메인 화면 컨텐츠</a:t>
+              <a:rPr lang="ko-KR" altLang="en-US" sz="1333" dirty="0"/>
+              <a:t>메인 화면 </a:t>
+            </a:r>
+            <a:r>
+              <a:rPr lang="ko-KR" altLang="en-US" sz="1333" dirty="0" smtClean="0"/>
+              <a:t>추천 아이템</a:t>
             </a:r>
             <a:endParaRPr sz="1333" dirty="0"/>
           </a:p>
@@ -4858,19 +4539,21 @@
           <p:cNvPr id="21" name="직선 화살표 연결선 20">
             <a:extLst>
               <a:ext uri="{FF2B5EF4-FFF2-40B4-BE49-F238E27FC236}">
-                <a16:creationId xmlns:a16="http://schemas.microsoft.com/office/drawing/2014/main" id="{A104D6FE-FDB9-4CFD-80F0-810AB4EDD095}"/>
+                <a16:creationId xmlns:a16="http://schemas.microsoft.com/office/drawing/2014/main" xmlns="" id="{A104D6FE-FDB9-4CFD-80F0-810AB4EDD095}"/>
               </a:ext>
             </a:extLst>
           </p:cNvPr>
           <p:cNvCxnSpPr>
             <a:cxnSpLocks/>
+            <a:stCxn id="135" idx="1"/>
+            <a:endCxn id="132" idx="3"/>
           </p:cNvCxnSpPr>
           <p:nvPr/>
         </p:nvCxnSpPr>
         <p:spPr>
           <a:xfrm flipH="1">
-            <a:off x="3603993" y="1019392"/>
-            <a:ext cx="90398" cy="647737"/>
+            <a:off x="3705508" y="1679937"/>
+            <a:ext cx="1106164" cy="1806127"/>
           </a:xfrm>
           <a:prstGeom prst="straightConnector1">
             <a:avLst/>
@@ -4899,7 +4582,7 @@
           <p:cNvPr id="136" name="Google Shape;102;p13">
             <a:extLst>
               <a:ext uri="{FF2B5EF4-FFF2-40B4-BE49-F238E27FC236}">
-                <a16:creationId xmlns:a16="http://schemas.microsoft.com/office/drawing/2014/main" id="{737557CC-446E-40A6-A817-32FD75CC9000}"/>
+                <a16:creationId xmlns:a16="http://schemas.microsoft.com/office/drawing/2014/main" xmlns="" id="{737557CC-446E-40A6-A817-32FD75CC9000}"/>
               </a:ext>
             </a:extLst>
           </p:cNvPr>
@@ -4908,8 +4591,8 @@
         </p:nvSpPr>
         <p:spPr>
           <a:xfrm>
-            <a:off x="4394873" y="410749"/>
-            <a:ext cx="1055734" cy="542259"/>
+            <a:off x="4811672" y="2132869"/>
+            <a:ext cx="1630408" cy="542259"/>
           </a:xfrm>
           <a:prstGeom prst="rect">
             <a:avLst/>
@@ -4935,8 +4618,16 @@
           <a:p>
             <a:pPr algn="ctr"/>
             <a:r>
+              <a:rPr lang="ko-KR" altLang="en-US" sz="1333" dirty="0" err="1"/>
+              <a:t>카테고리별</a:t>
+            </a:r>
+            <a:r>
               <a:rPr lang="ko-KR" altLang="en-US" sz="1333" dirty="0"/>
-              <a:t>카테고리별 아이템</a:t>
+              <a:t> </a:t>
+            </a:r>
+            <a:r>
+              <a:rPr lang="ko-KR" altLang="en-US" sz="1333" dirty="0" smtClean="0"/>
+              <a:t>아이템 조회</a:t>
             </a:r>
             <a:endParaRPr sz="1333" dirty="0"/>
           </a:p>
@@ -4947,20 +4638,20 @@
           <p:cNvPr id="26" name="직선 화살표 연결선 25">
             <a:extLst>
               <a:ext uri="{FF2B5EF4-FFF2-40B4-BE49-F238E27FC236}">
-                <a16:creationId xmlns:a16="http://schemas.microsoft.com/office/drawing/2014/main" id="{EB97819E-5731-4A26-AD2A-4CA936973276}"/>
+                <a16:creationId xmlns:a16="http://schemas.microsoft.com/office/drawing/2014/main" xmlns="" id="{EB97819E-5731-4A26-AD2A-4CA936973276}"/>
               </a:ext>
             </a:extLst>
           </p:cNvPr>
           <p:cNvCxnSpPr>
-            <a:stCxn id="136" idx="2"/>
-            <a:endCxn id="132" idx="0"/>
+            <a:stCxn id="136" idx="1"/>
+            <a:endCxn id="132" idx="3"/>
           </p:cNvCxnSpPr>
           <p:nvPr/>
         </p:nvCxnSpPr>
         <p:spPr>
           <a:xfrm flipH="1">
-            <a:off x="3603993" y="953008"/>
-            <a:ext cx="1318747" cy="695833"/>
+            <a:off x="3705508" y="2403999"/>
+            <a:ext cx="1106164" cy="1082065"/>
           </a:xfrm>
           <a:prstGeom prst="straightConnector1">
             <a:avLst/>
@@ -4989,7 +4680,7 @@
           <p:cNvPr id="28" name="직선 화살표 연결선 27">
             <a:extLst>
               <a:ext uri="{FF2B5EF4-FFF2-40B4-BE49-F238E27FC236}">
-                <a16:creationId xmlns:a16="http://schemas.microsoft.com/office/drawing/2014/main" id="{772C3FB8-3FDC-4065-966D-CC2A9530C386}"/>
+                <a16:creationId xmlns:a16="http://schemas.microsoft.com/office/drawing/2014/main" xmlns="" id="{772C3FB8-3FDC-4065-966D-CC2A9530C386}"/>
               </a:ext>
             </a:extLst>
           </p:cNvPr>
@@ -5000,284 +4691,9 @@
           <p:nvPr/>
         </p:nvCxnSpPr>
         <p:spPr>
-          <a:xfrm flipV="1">
-            <a:off x="1665867" y="1904841"/>
-            <a:ext cx="1003326" cy="1042225"/>
-          </a:xfrm>
-          <a:prstGeom prst="straightConnector1">
-            <a:avLst/>
-          </a:prstGeom>
-          <a:ln>
-            <a:tailEnd type="triangle"/>
-          </a:ln>
-        </p:spPr>
-        <p:style>
-          <a:lnRef idx="1">
-            <a:schemeClr val="dk1"/>
-          </a:lnRef>
-          <a:fillRef idx="0">
-            <a:schemeClr val="dk1"/>
-          </a:fillRef>
-          <a:effectRef idx="0">
-            <a:schemeClr val="dk1"/>
-          </a:effectRef>
-          <a:fontRef idx="minor">
-            <a:schemeClr val="tx1"/>
-          </a:fontRef>
-        </p:style>
-      </p:cxnSp>
-      <p:sp>
-        <p:nvSpPr>
-          <p:cNvPr id="137" name="Google Shape;102;p13">
-            <a:extLst>
-              <a:ext uri="{FF2B5EF4-FFF2-40B4-BE49-F238E27FC236}">
-                <a16:creationId xmlns:a16="http://schemas.microsoft.com/office/drawing/2014/main" id="{3A011BBC-4175-4E9F-B200-CAB1E36D5F24}"/>
-              </a:ext>
-            </a:extLst>
-          </p:cNvPr>
-          <p:cNvSpPr/>
-          <p:nvPr/>
-        </p:nvSpPr>
-        <p:spPr>
           <a:xfrm>
-            <a:off x="5092195" y="1650466"/>
-            <a:ext cx="1055734" cy="355372"/>
-          </a:xfrm>
-          <a:prstGeom prst="rect">
-            <a:avLst/>
-          </a:prstGeom>
-          <a:solidFill>
-            <a:schemeClr val="lt2"/>
-          </a:solidFill>
-          <a:ln w="9525" cap="flat" cmpd="sng">
-            <a:solidFill>
-              <a:schemeClr val="dk2"/>
-            </a:solidFill>
-            <a:prstDash val="solid"/>
-            <a:round/>
-            <a:headEnd type="none" w="sm" len="sm"/>
-            <a:tailEnd type="none" w="sm" len="sm"/>
-          </a:ln>
-        </p:spPr>
-        <p:txBody>
-          <a:bodyPr spcFirstLastPara="1" wrap="square" lIns="121900" tIns="121900" rIns="121900" bIns="121900" anchor="ctr" anchorCtr="0">
-            <a:noAutofit/>
-          </a:bodyPr>
-          <a:lstStyle/>
-          <a:p>
-            <a:pPr algn="ctr"/>
-            <a:r>
-              <a:rPr lang="ko-KR" altLang="en-US" sz="1333" dirty="0"/>
-              <a:t>공지사항</a:t>
-            </a:r>
-            <a:endParaRPr sz="1333" dirty="0"/>
-          </a:p>
-        </p:txBody>
-      </p:sp>
-      <p:sp>
-        <p:nvSpPr>
-          <p:cNvPr id="138" name="Google Shape;102;p13">
-            <a:extLst>
-              <a:ext uri="{FF2B5EF4-FFF2-40B4-BE49-F238E27FC236}">
-                <a16:creationId xmlns:a16="http://schemas.microsoft.com/office/drawing/2014/main" id="{F9101905-F4FF-4BDB-B373-5343F97A989E}"/>
-              </a:ext>
-            </a:extLst>
-          </p:cNvPr>
-          <p:cNvSpPr/>
-          <p:nvPr/>
-        </p:nvSpPr>
-        <p:spPr>
-          <a:xfrm>
-            <a:off x="5092195" y="2202086"/>
-            <a:ext cx="1540400" cy="355372"/>
-          </a:xfrm>
-          <a:prstGeom prst="rect">
-            <a:avLst/>
-          </a:prstGeom>
-          <a:solidFill>
-            <a:schemeClr val="lt2"/>
-          </a:solidFill>
-          <a:ln w="9525" cap="flat" cmpd="sng">
-            <a:solidFill>
-              <a:schemeClr val="dk2"/>
-            </a:solidFill>
-            <a:prstDash val="solid"/>
-            <a:round/>
-            <a:headEnd type="none" w="sm" len="sm"/>
-            <a:tailEnd type="none" w="sm" len="sm"/>
-          </a:ln>
-        </p:spPr>
-        <p:txBody>
-          <a:bodyPr spcFirstLastPara="1" wrap="square" lIns="121900" tIns="121900" rIns="121900" bIns="121900" anchor="ctr" anchorCtr="0">
-            <a:noAutofit/>
-          </a:bodyPr>
-          <a:lstStyle/>
-          <a:p>
-            <a:pPr algn="ctr"/>
-            <a:r>
-              <a:rPr lang="en-US" sz="1333"/>
-              <a:t>FAQ </a:t>
-            </a:r>
-            <a:r>
-              <a:rPr lang="ko-KR" altLang="en-US" sz="1333" dirty="0"/>
-              <a:t>및 이용정보</a:t>
-            </a:r>
-            <a:endParaRPr sz="1333" dirty="0"/>
-          </a:p>
-        </p:txBody>
-      </p:sp>
-      <p:sp>
-        <p:nvSpPr>
-          <p:cNvPr id="139" name="Google Shape;102;p13">
-            <a:extLst>
-              <a:ext uri="{FF2B5EF4-FFF2-40B4-BE49-F238E27FC236}">
-                <a16:creationId xmlns:a16="http://schemas.microsoft.com/office/drawing/2014/main" id="{6F612FF1-F4B8-4AA5-A5F5-ADA9C9758D17}"/>
-              </a:ext>
-            </a:extLst>
-          </p:cNvPr>
-          <p:cNvSpPr/>
-          <p:nvPr/>
-        </p:nvSpPr>
-        <p:spPr>
-          <a:xfrm>
-            <a:off x="5085674" y="2801593"/>
-            <a:ext cx="1426322" cy="355372"/>
-          </a:xfrm>
-          <a:prstGeom prst="rect">
-            <a:avLst/>
-          </a:prstGeom>
-          <a:solidFill>
-            <a:schemeClr val="lt2"/>
-          </a:solidFill>
-          <a:ln w="9525" cap="flat" cmpd="sng">
-            <a:solidFill>
-              <a:schemeClr val="dk2"/>
-            </a:solidFill>
-            <a:prstDash val="solid"/>
-            <a:round/>
-            <a:headEnd type="none" w="sm" len="sm"/>
-            <a:tailEnd type="none" w="sm" len="sm"/>
-          </a:ln>
-        </p:spPr>
-        <p:txBody>
-          <a:bodyPr spcFirstLastPara="1" wrap="square" lIns="121900" tIns="121900" rIns="121900" bIns="121900" anchor="ctr" anchorCtr="0">
-            <a:noAutofit/>
-          </a:bodyPr>
-          <a:lstStyle/>
-          <a:p>
-            <a:pPr algn="ctr"/>
-            <a:r>
-              <a:rPr lang="en-US" sz="1333" dirty="0"/>
-              <a:t>Q&amp;A</a:t>
-            </a:r>
-            <a:endParaRPr sz="1333" dirty="0"/>
-          </a:p>
-        </p:txBody>
-      </p:sp>
-      <p:cxnSp>
-        <p:nvCxnSpPr>
-          <p:cNvPr id="31" name="직선 화살표 연결선 30">
-            <a:extLst>
-              <a:ext uri="{FF2B5EF4-FFF2-40B4-BE49-F238E27FC236}">
-                <a16:creationId xmlns:a16="http://schemas.microsoft.com/office/drawing/2014/main" id="{A04BB914-77CD-4F97-B8FE-90F0D0319669}"/>
-              </a:ext>
-            </a:extLst>
-          </p:cNvPr>
-          <p:cNvCxnSpPr>
-            <a:stCxn id="137" idx="1"/>
-            <a:endCxn id="133" idx="3"/>
-          </p:cNvCxnSpPr>
-          <p:nvPr/>
-        </p:nvCxnSpPr>
-        <p:spPr>
-          <a:xfrm flipH="1">
-            <a:off x="4538793" y="1828152"/>
-            <a:ext cx="553402" cy="838726"/>
-          </a:xfrm>
-          <a:prstGeom prst="straightConnector1">
-            <a:avLst/>
-          </a:prstGeom>
-          <a:ln>
-            <a:tailEnd type="triangle"/>
-          </a:ln>
-        </p:spPr>
-        <p:style>
-          <a:lnRef idx="1">
-            <a:schemeClr val="dk1"/>
-          </a:lnRef>
-          <a:fillRef idx="0">
-            <a:schemeClr val="dk1"/>
-          </a:fillRef>
-          <a:effectRef idx="0">
-            <a:schemeClr val="dk1"/>
-          </a:effectRef>
-          <a:fontRef idx="minor">
-            <a:schemeClr val="tx1"/>
-          </a:fontRef>
-        </p:style>
-      </p:cxnSp>
-      <p:cxnSp>
-        <p:nvCxnSpPr>
-          <p:cNvPr id="33" name="직선 화살표 연결선 32">
-            <a:extLst>
-              <a:ext uri="{FF2B5EF4-FFF2-40B4-BE49-F238E27FC236}">
-                <a16:creationId xmlns:a16="http://schemas.microsoft.com/office/drawing/2014/main" id="{A42B965E-2AAE-4001-8D0C-392260340234}"/>
-              </a:ext>
-            </a:extLst>
-          </p:cNvPr>
-          <p:cNvCxnSpPr>
-            <a:cxnSpLocks/>
-            <a:stCxn id="138" idx="1"/>
-            <a:endCxn id="133" idx="3"/>
-          </p:cNvCxnSpPr>
-          <p:nvPr/>
-        </p:nvCxnSpPr>
-        <p:spPr>
-          <a:xfrm flipH="1">
-            <a:off x="4538793" y="2379772"/>
-            <a:ext cx="553402" cy="287106"/>
-          </a:xfrm>
-          <a:prstGeom prst="straightConnector1">
-            <a:avLst/>
-          </a:prstGeom>
-          <a:ln>
-            <a:tailEnd type="triangle"/>
-          </a:ln>
-        </p:spPr>
-        <p:style>
-          <a:lnRef idx="1">
-            <a:schemeClr val="dk1"/>
-          </a:lnRef>
-          <a:fillRef idx="0">
-            <a:schemeClr val="dk1"/>
-          </a:fillRef>
-          <a:effectRef idx="0">
-            <a:schemeClr val="dk1"/>
-          </a:effectRef>
-          <a:fontRef idx="minor">
-            <a:schemeClr val="tx1"/>
-          </a:fontRef>
-        </p:style>
-      </p:cxnSp>
-      <p:cxnSp>
-        <p:nvCxnSpPr>
-          <p:cNvPr id="35" name="직선 화살표 연결선 34">
-            <a:extLst>
-              <a:ext uri="{FF2B5EF4-FFF2-40B4-BE49-F238E27FC236}">
-                <a16:creationId xmlns:a16="http://schemas.microsoft.com/office/drawing/2014/main" id="{6D12473D-13D0-42C8-A361-506BEC30BC2B}"/>
-              </a:ext>
-            </a:extLst>
-          </p:cNvPr>
-          <p:cNvCxnSpPr>
-            <a:stCxn id="139" idx="1"/>
-            <a:endCxn id="133" idx="3"/>
-          </p:cNvCxnSpPr>
-          <p:nvPr/>
-        </p:nvCxnSpPr>
-        <p:spPr>
-          <a:xfrm flipH="1" flipV="1">
-            <a:off x="4538793" y="2666878"/>
-            <a:ext cx="546881" cy="312401"/>
+            <a:off x="957867" y="3231325"/>
+            <a:ext cx="878041" cy="254739"/>
           </a:xfrm>
           <a:prstGeom prst="straightConnector1">
             <a:avLst/>
@@ -5306,7 +4722,7 @@
           <p:cNvPr id="40" name="직선 화살표 연결선 39">
             <a:extLst>
               <a:ext uri="{FF2B5EF4-FFF2-40B4-BE49-F238E27FC236}">
-                <a16:creationId xmlns:a16="http://schemas.microsoft.com/office/drawing/2014/main" id="{9BAA9AE0-8263-4AD7-8D96-4564D0DF4032}"/>
+                <a16:creationId xmlns:a16="http://schemas.microsoft.com/office/drawing/2014/main" xmlns="" id="{9BAA9AE0-8263-4AD7-8D96-4564D0DF4032}"/>
               </a:ext>
             </a:extLst>
           </p:cNvPr>
@@ -5317,9 +4733,9 @@
           <p:nvPr/>
         </p:nvCxnSpPr>
         <p:spPr>
-          <a:xfrm flipV="1">
-            <a:off x="1665867" y="2666878"/>
-            <a:ext cx="1003326" cy="280188"/>
+          <a:xfrm>
+            <a:off x="957867" y="3231325"/>
+            <a:ext cx="878041" cy="2686272"/>
           </a:xfrm>
           <a:prstGeom prst="straightConnector1">
             <a:avLst/>
@@ -5348,7 +4764,7 @@
           <p:cNvPr id="140" name="Google Shape;102;p13">
             <a:extLst>
               <a:ext uri="{FF2B5EF4-FFF2-40B4-BE49-F238E27FC236}">
-                <a16:creationId xmlns:a16="http://schemas.microsoft.com/office/drawing/2014/main" id="{66D0C005-DEF3-48FD-A074-0C0ABD142A2A}"/>
+                <a16:creationId xmlns:a16="http://schemas.microsoft.com/office/drawing/2014/main" xmlns="" id="{66D0C005-DEF3-48FD-A074-0C0ABD142A2A}"/>
               </a:ext>
             </a:extLst>
           </p:cNvPr>
@@ -5357,7 +4773,7 @@
         </p:nvSpPr>
         <p:spPr>
           <a:xfrm>
-            <a:off x="2669193" y="3297942"/>
+            <a:off x="1835908" y="3880554"/>
             <a:ext cx="1869600" cy="512000"/>
           </a:xfrm>
           <a:prstGeom prst="rect">
@@ -5384,8 +4800,12 @@
           <a:p>
             <a:pPr algn="ctr"/>
             <a:r>
-              <a:rPr lang="ko-KR" altLang="en-US" sz="1333" dirty="0"/>
-              <a:t>아이템 거래</a:t>
+              <a:rPr lang="ko-KR" altLang="en-US" sz="1333" dirty="0" smtClean="0"/>
+              <a:t>상품 </a:t>
+            </a:r>
+            <a:r>
+              <a:rPr lang="ko-KR" altLang="en-US" sz="1333" dirty="0" err="1" smtClean="0"/>
+              <a:t>렌탈</a:t>
             </a:r>
             <a:endParaRPr sz="1333" dirty="0"/>
           </a:p>
@@ -5393,10 +4813,10 @@
       </p:sp>
       <p:sp>
         <p:nvSpPr>
-          <p:cNvPr id="141" name="Google Shape;102;p13">
-            <a:extLst>
-              <a:ext uri="{FF2B5EF4-FFF2-40B4-BE49-F238E27FC236}">
-                <a16:creationId xmlns:a16="http://schemas.microsoft.com/office/drawing/2014/main" id="{96559424-3549-49E8-9DE5-F678EF87ADFF}"/>
+          <p:cNvPr id="142" name="Google Shape;102;p13">
+            <a:extLst>
+              <a:ext uri="{FF2B5EF4-FFF2-40B4-BE49-F238E27FC236}">
+                <a16:creationId xmlns:a16="http://schemas.microsoft.com/office/drawing/2014/main" xmlns="" id="{FD360B97-08F3-48C9-BA9A-3E33688CFEA6}"/>
               </a:ext>
             </a:extLst>
           </p:cNvPr>
@@ -5405,8 +4825,8 @@
         </p:nvSpPr>
         <p:spPr>
           <a:xfrm>
-            <a:off x="2134696" y="4250233"/>
-            <a:ext cx="1100196" cy="353851"/>
+            <a:off x="4811672" y="2885506"/>
+            <a:ext cx="1054029" cy="353851"/>
           </a:xfrm>
           <a:prstGeom prst="rect">
             <a:avLst/>
@@ -5432,8 +4852,8 @@
           <a:p>
             <a:pPr algn="ctr"/>
             <a:r>
-              <a:rPr lang="ko-KR" altLang="en-US" sz="1333" dirty="0"/>
-              <a:t>세부 거래</a:t>
+              <a:rPr lang="ko-KR" altLang="en-US" sz="1333" dirty="0" smtClean="0"/>
+              <a:t> 상품 문의</a:t>
             </a:r>
             <a:endParaRPr sz="1333" dirty="0"/>
           </a:p>
@@ -5441,10 +4861,10 @@
       </p:sp>
       <p:sp>
         <p:nvSpPr>
-          <p:cNvPr id="142" name="Google Shape;102;p13">
-            <a:extLst>
-              <a:ext uri="{FF2B5EF4-FFF2-40B4-BE49-F238E27FC236}">
-                <a16:creationId xmlns:a16="http://schemas.microsoft.com/office/drawing/2014/main" id="{FD360B97-08F3-48C9-BA9A-3E33688CFEA6}"/>
+          <p:cNvPr id="143" name="Google Shape;102;p13">
+            <a:extLst>
+              <a:ext uri="{FF2B5EF4-FFF2-40B4-BE49-F238E27FC236}">
+                <a16:creationId xmlns:a16="http://schemas.microsoft.com/office/drawing/2014/main" xmlns="" id="{BD2B7044-AE64-4FDD-A94F-3B6D34A54012}"/>
               </a:ext>
             </a:extLst>
           </p:cNvPr>
@@ -5453,8 +4873,8 @@
         </p:nvSpPr>
         <p:spPr>
           <a:xfrm>
-            <a:off x="3505560" y="4238403"/>
-            <a:ext cx="682513" cy="353851"/>
+            <a:off x="5330805" y="4287897"/>
+            <a:ext cx="1054029" cy="353851"/>
           </a:xfrm>
           <a:prstGeom prst="rect">
             <a:avLst/>
@@ -5480,54 +4900,6 @@
           <a:p>
             <a:pPr algn="ctr"/>
             <a:r>
-              <a:rPr lang="ko-KR" altLang="en-US" sz="1333"/>
-              <a:t>문의</a:t>
-            </a:r>
-            <a:endParaRPr sz="1333" dirty="0"/>
-          </a:p>
-        </p:txBody>
-      </p:sp>
-      <p:sp>
-        <p:nvSpPr>
-          <p:cNvPr id="143" name="Google Shape;102;p13">
-            <a:extLst>
-              <a:ext uri="{FF2B5EF4-FFF2-40B4-BE49-F238E27FC236}">
-                <a16:creationId xmlns:a16="http://schemas.microsoft.com/office/drawing/2014/main" id="{BD2B7044-AE64-4FDD-A94F-3B6D34A54012}"/>
-              </a:ext>
-            </a:extLst>
-          </p:cNvPr>
-          <p:cNvSpPr/>
-          <p:nvPr/>
-        </p:nvSpPr>
-        <p:spPr>
-          <a:xfrm>
-            <a:off x="4364172" y="4258822"/>
-            <a:ext cx="682513" cy="353851"/>
-          </a:xfrm>
-          <a:prstGeom prst="rect">
-            <a:avLst/>
-          </a:prstGeom>
-          <a:solidFill>
-            <a:schemeClr val="lt2"/>
-          </a:solidFill>
-          <a:ln w="9525" cap="flat" cmpd="sng">
-            <a:solidFill>
-              <a:schemeClr val="dk2"/>
-            </a:solidFill>
-            <a:prstDash val="solid"/>
-            <a:round/>
-            <a:headEnd type="none" w="sm" len="sm"/>
-            <a:tailEnd type="none" w="sm" len="sm"/>
-          </a:ln>
-        </p:spPr>
-        <p:txBody>
-          <a:bodyPr spcFirstLastPara="1" wrap="square" lIns="121900" tIns="121900" rIns="121900" bIns="121900" anchor="ctr" anchorCtr="0">
-            <a:noAutofit/>
-          </a:bodyPr>
-          <a:lstStyle/>
-          <a:p>
-            <a:pPr algn="ctr"/>
-            <a:r>
               <a:rPr lang="ko-KR" altLang="en-US" sz="1333" dirty="0"/>
               <a:t>평점</a:t>
             </a:r>
@@ -5537,65 +4909,23 @@
       </p:sp>
       <p:cxnSp>
         <p:nvCxnSpPr>
-          <p:cNvPr id="53" name="직선 화살표 연결선 52">
-            <a:extLst>
-              <a:ext uri="{FF2B5EF4-FFF2-40B4-BE49-F238E27FC236}">
-                <a16:creationId xmlns:a16="http://schemas.microsoft.com/office/drawing/2014/main" id="{BB826039-904C-410A-B7DE-6D4D15791785}"/>
+          <p:cNvPr id="145" name="직선 화살표 연결선 144">
+            <a:extLst>
+              <a:ext uri="{FF2B5EF4-FFF2-40B4-BE49-F238E27FC236}">
+                <a16:creationId xmlns:a16="http://schemas.microsoft.com/office/drawing/2014/main" xmlns="" id="{36BE17A4-D36C-4B3A-A5DF-EECDF148F3CC}"/>
               </a:ext>
             </a:extLst>
           </p:cNvPr>
           <p:cNvCxnSpPr>
-            <a:stCxn id="141" idx="0"/>
-            <a:endCxn id="140" idx="2"/>
+            <a:stCxn id="142" idx="1"/>
+            <a:endCxn id="132" idx="3"/>
           </p:cNvCxnSpPr>
           <p:nvPr/>
         </p:nvCxnSpPr>
         <p:spPr>
-          <a:xfrm flipV="1">
-            <a:off x="2684794" y="3809942"/>
-            <a:ext cx="919199" cy="440291"/>
-          </a:xfrm>
-          <a:prstGeom prst="straightConnector1">
-            <a:avLst/>
-          </a:prstGeom>
-          <a:ln>
-            <a:tailEnd type="triangle"/>
-          </a:ln>
-        </p:spPr>
-        <p:style>
-          <a:lnRef idx="1">
-            <a:schemeClr val="dk1"/>
-          </a:lnRef>
-          <a:fillRef idx="0">
-            <a:schemeClr val="dk1"/>
-          </a:fillRef>
-          <a:effectRef idx="0">
-            <a:schemeClr val="dk1"/>
-          </a:effectRef>
-          <a:fontRef idx="minor">
-            <a:schemeClr val="tx1"/>
-          </a:fontRef>
-        </p:style>
-      </p:cxnSp>
-      <p:cxnSp>
-        <p:nvCxnSpPr>
-          <p:cNvPr id="145" name="직선 화살표 연결선 144">
-            <a:extLst>
-              <a:ext uri="{FF2B5EF4-FFF2-40B4-BE49-F238E27FC236}">
-                <a16:creationId xmlns:a16="http://schemas.microsoft.com/office/drawing/2014/main" id="{36BE17A4-D36C-4B3A-A5DF-EECDF148F3CC}"/>
-              </a:ext>
-            </a:extLst>
-          </p:cNvPr>
-          <p:cNvCxnSpPr>
-            <a:stCxn id="142" idx="0"/>
-            <a:endCxn id="140" idx="2"/>
-          </p:cNvCxnSpPr>
-          <p:nvPr/>
-        </p:nvCxnSpPr>
-        <p:spPr>
-          <a:xfrm flipH="1" flipV="1">
-            <a:off x="3603993" y="3809942"/>
-            <a:ext cx="242824" cy="428461"/>
+          <a:xfrm flipH="1">
+            <a:off x="3705508" y="3062432"/>
+            <a:ext cx="1106164" cy="423632"/>
           </a:xfrm>
           <a:prstGeom prst="straightConnector1">
             <a:avLst/>
@@ -5624,20 +4954,20 @@
           <p:cNvPr id="147" name="직선 화살표 연결선 146">
             <a:extLst>
               <a:ext uri="{FF2B5EF4-FFF2-40B4-BE49-F238E27FC236}">
-                <a16:creationId xmlns:a16="http://schemas.microsoft.com/office/drawing/2014/main" id="{89986B8B-B851-49EA-BE61-F97E9FD46851}"/>
+                <a16:creationId xmlns:a16="http://schemas.microsoft.com/office/drawing/2014/main" xmlns="" id="{89986B8B-B851-49EA-BE61-F97E9FD46851}"/>
               </a:ext>
             </a:extLst>
           </p:cNvPr>
           <p:cNvCxnSpPr>
-            <a:stCxn id="143" idx="0"/>
-            <a:endCxn id="140" idx="2"/>
+            <a:stCxn id="143" idx="1"/>
+            <a:endCxn id="256" idx="3"/>
           </p:cNvCxnSpPr>
           <p:nvPr/>
         </p:nvCxnSpPr>
         <p:spPr>
           <a:xfrm flipH="1" flipV="1">
-            <a:off x="3603993" y="3809942"/>
-            <a:ext cx="1101436" cy="448880"/>
+            <a:off x="3775696" y="4432066"/>
+            <a:ext cx="1555109" cy="32757"/>
           </a:xfrm>
           <a:prstGeom prst="straightConnector1">
             <a:avLst/>
@@ -5666,7 +4996,7 @@
           <p:cNvPr id="156" name="Google Shape;102;p13">
             <a:extLst>
               <a:ext uri="{FF2B5EF4-FFF2-40B4-BE49-F238E27FC236}">
-                <a16:creationId xmlns:a16="http://schemas.microsoft.com/office/drawing/2014/main" id="{C704DD7E-8B1F-4B5A-832E-6B178666BEB8}"/>
+                <a16:creationId xmlns:a16="http://schemas.microsoft.com/office/drawing/2014/main" xmlns="" id="{C704DD7E-8B1F-4B5A-832E-6B178666BEB8}"/>
               </a:ext>
             </a:extLst>
           </p:cNvPr>
@@ -5675,7 +5005,7 @@
         </p:nvSpPr>
         <p:spPr>
           <a:xfrm>
-            <a:off x="2669193" y="4935289"/>
+            <a:off x="1835908" y="2575356"/>
             <a:ext cx="1869600" cy="512000"/>
           </a:xfrm>
           <a:prstGeom prst="rect">
@@ -5702,8 +5032,16 @@
           <a:p>
             <a:pPr algn="ctr"/>
             <a:r>
+              <a:rPr lang="ko-KR" altLang="en-US" sz="1333" dirty="0" err="1" smtClean="0"/>
+              <a:t>렌탈</a:t>
+            </a:r>
+            <a:r>
+              <a:rPr lang="ko-KR" altLang="en-US" sz="1333" dirty="0" smtClean="0"/>
+              <a:t> 상품 </a:t>
+            </a:r>
+            <a:r>
               <a:rPr lang="ko-KR" altLang="en-US" sz="1333" dirty="0"/>
-              <a:t>아이템 등록</a:t>
+              <a:t>등록</a:t>
             </a:r>
             <a:endParaRPr sz="1333" dirty="0"/>
           </a:p>
@@ -5711,10 +5049,10 @@
       </p:sp>
       <p:sp>
         <p:nvSpPr>
-          <p:cNvPr id="160" name="Google Shape;102;p13">
-            <a:extLst>
-              <a:ext uri="{FF2B5EF4-FFF2-40B4-BE49-F238E27FC236}">
-                <a16:creationId xmlns:a16="http://schemas.microsoft.com/office/drawing/2014/main" id="{AE8D7644-3112-4C6F-A6F7-88445CB3BB43}"/>
+          <p:cNvPr id="61" name="Google Shape;102;p13">
+            <a:extLst>
+              <a:ext uri="{FF2B5EF4-FFF2-40B4-BE49-F238E27FC236}">
+                <a16:creationId xmlns:a16="http://schemas.microsoft.com/office/drawing/2014/main" xmlns="" id="{6AB88040-6CCB-4E2E-A198-3B518EE2CAAB}"/>
               </a:ext>
             </a:extLst>
           </p:cNvPr>
@@ -5723,8 +5061,8 @@
         </p:nvSpPr>
         <p:spPr>
           <a:xfrm>
-            <a:off x="2134696" y="5827207"/>
-            <a:ext cx="1100196" cy="571948"/>
+            <a:off x="4811672" y="3402557"/>
+            <a:ext cx="1699072" cy="353851"/>
           </a:xfrm>
           <a:prstGeom prst="rect">
             <a:avLst/>
@@ -5750,60 +5088,8 @@
           <a:p>
             <a:pPr algn="ctr"/>
             <a:r>
-              <a:rPr lang="ko-KR" altLang="en-US" sz="1333"/>
-              <a:t>대여하기 등록</a:t>
-            </a:r>
-            <a:endParaRPr sz="1333" dirty="0"/>
-          </a:p>
-        </p:txBody>
-      </p:sp>
-      <p:sp>
-        <p:nvSpPr>
-          <p:cNvPr id="161" name="Google Shape;102;p13">
-            <a:extLst>
-              <a:ext uri="{FF2B5EF4-FFF2-40B4-BE49-F238E27FC236}">
-                <a16:creationId xmlns:a16="http://schemas.microsoft.com/office/drawing/2014/main" id="{3BCFCF95-6D80-42B2-8EE8-F764A8922511}"/>
-              </a:ext>
-            </a:extLst>
-          </p:cNvPr>
-          <p:cNvSpPr/>
-          <p:nvPr/>
-        </p:nvSpPr>
-        <p:spPr>
-          <a:xfrm>
-            <a:off x="3438597" y="5827206"/>
-            <a:ext cx="1100196" cy="571948"/>
-          </a:xfrm>
-          <a:prstGeom prst="rect">
-            <a:avLst/>
-          </a:prstGeom>
-          <a:solidFill>
-            <a:schemeClr val="lt2"/>
-          </a:solidFill>
-          <a:ln w="9525" cap="flat" cmpd="sng">
-            <a:solidFill>
-              <a:schemeClr val="dk2"/>
-            </a:solidFill>
-            <a:prstDash val="solid"/>
-            <a:round/>
-            <a:headEnd type="none" w="sm" len="sm"/>
-            <a:tailEnd type="none" w="sm" len="sm"/>
-          </a:ln>
-        </p:spPr>
-        <p:txBody>
-          <a:bodyPr spcFirstLastPara="1" wrap="square" lIns="121900" tIns="121900" rIns="121900" bIns="121900" anchor="ctr" anchorCtr="0">
-            <a:noAutofit/>
-          </a:bodyPr>
-          <a:lstStyle/>
-          <a:p>
-            <a:pPr algn="ctr"/>
-            <a:r>
-              <a:rPr lang="ko-KR" altLang="en-US" sz="1333"/>
-              <a:t>대여해주기 </a:t>
-            </a:r>
-            <a:r>
               <a:rPr lang="ko-KR" altLang="en-US" sz="1333" dirty="0"/>
-              <a:t>등록</a:t>
+              <a:t>신고</a:t>
             </a:r>
             <a:endParaRPr sz="1333" dirty="0"/>
           </a:p>
@@ -5811,265 +5097,24 @@
       </p:sp>
       <p:cxnSp>
         <p:nvCxnSpPr>
-          <p:cNvPr id="163" name="직선 화살표 연결선 162">
-            <a:extLst>
-              <a:ext uri="{FF2B5EF4-FFF2-40B4-BE49-F238E27FC236}">
-                <a16:creationId xmlns:a16="http://schemas.microsoft.com/office/drawing/2014/main" id="{DDF7FBD7-D3C5-4644-A912-80DB5E005320}"/>
+          <p:cNvPr id="62" name="직선 화살표 연결선 61">
+            <a:extLst>
+              <a:ext uri="{FF2B5EF4-FFF2-40B4-BE49-F238E27FC236}">
+                <a16:creationId xmlns:a16="http://schemas.microsoft.com/office/drawing/2014/main" xmlns="" id="{0FE7E1A2-AFBD-447F-934C-59A4FF4A4A31}"/>
               </a:ext>
             </a:extLst>
           </p:cNvPr>
           <p:cNvCxnSpPr>
             <a:cxnSpLocks/>
-            <a:stCxn id="160" idx="0"/>
-            <a:endCxn id="156" idx="2"/>
+            <a:stCxn id="61" idx="1"/>
+            <a:endCxn id="132" idx="3"/>
           </p:cNvCxnSpPr>
           <p:nvPr/>
         </p:nvCxnSpPr>
         <p:spPr>
-          <a:xfrm flipV="1">
-            <a:off x="2684794" y="5447289"/>
-            <a:ext cx="919199" cy="379918"/>
-          </a:xfrm>
-          <a:prstGeom prst="straightConnector1">
-            <a:avLst/>
-          </a:prstGeom>
-          <a:ln>
-            <a:tailEnd type="triangle"/>
-          </a:ln>
-        </p:spPr>
-        <p:style>
-          <a:lnRef idx="1">
-            <a:schemeClr val="dk1"/>
-          </a:lnRef>
-          <a:fillRef idx="0">
-            <a:schemeClr val="dk1"/>
-          </a:fillRef>
-          <a:effectRef idx="0">
-            <a:schemeClr val="dk1"/>
-          </a:effectRef>
-          <a:fontRef idx="minor">
-            <a:schemeClr val="tx1"/>
-          </a:fontRef>
-        </p:style>
-      </p:cxnSp>
-      <p:cxnSp>
-        <p:nvCxnSpPr>
-          <p:cNvPr id="168" name="직선 화살표 연결선 167">
-            <a:extLst>
-              <a:ext uri="{FF2B5EF4-FFF2-40B4-BE49-F238E27FC236}">
-                <a16:creationId xmlns:a16="http://schemas.microsoft.com/office/drawing/2014/main" id="{0D3AF5A1-86B4-4824-A611-8C2084418038}"/>
-              </a:ext>
-            </a:extLst>
-          </p:cNvPr>
-          <p:cNvCxnSpPr>
-            <a:stCxn id="161" idx="0"/>
-            <a:endCxn id="156" idx="2"/>
-          </p:cNvCxnSpPr>
-          <p:nvPr/>
-        </p:nvCxnSpPr>
-        <p:spPr>
           <a:xfrm flipH="1" flipV="1">
-            <a:off x="3603993" y="5447289"/>
-            <a:ext cx="384702" cy="379917"/>
-          </a:xfrm>
-          <a:prstGeom prst="straightConnector1">
-            <a:avLst/>
-          </a:prstGeom>
-          <a:ln>
-            <a:tailEnd type="triangle"/>
-          </a:ln>
-        </p:spPr>
-        <p:style>
-          <a:lnRef idx="1">
-            <a:schemeClr val="dk1"/>
-          </a:lnRef>
-          <a:fillRef idx="0">
-            <a:schemeClr val="dk1"/>
-          </a:fillRef>
-          <a:effectRef idx="0">
-            <a:schemeClr val="dk1"/>
-          </a:effectRef>
-          <a:fontRef idx="minor">
-            <a:schemeClr val="tx1"/>
-          </a:fontRef>
-        </p:style>
-      </p:cxnSp>
-      <p:cxnSp>
-        <p:nvCxnSpPr>
-          <p:cNvPr id="179" name="Google Shape;97;p13">
-            <a:extLst>
-              <a:ext uri="{FF2B5EF4-FFF2-40B4-BE49-F238E27FC236}">
-                <a16:creationId xmlns:a16="http://schemas.microsoft.com/office/drawing/2014/main" id="{6E8682AA-9AFF-4A2E-BBF4-D8F1D88BCAF1}"/>
-              </a:ext>
-            </a:extLst>
-          </p:cNvPr>
-          <p:cNvCxnSpPr>
-            <a:cxnSpLocks/>
-            <a:stCxn id="114" idx="1"/>
-            <a:endCxn id="59" idx="6"/>
-          </p:cNvCxnSpPr>
-          <p:nvPr/>
-        </p:nvCxnSpPr>
-        <p:spPr>
-          <a:xfrm flipH="1">
-            <a:off x="6960000" y="3745133"/>
-            <a:ext cx="1363233" cy="903300"/>
-          </a:xfrm>
-          <a:prstGeom prst="straightConnector1">
-            <a:avLst/>
-          </a:prstGeom>
-          <a:noFill/>
-          <a:ln w="9525" cap="flat" cmpd="sng">
-            <a:solidFill>
-              <a:schemeClr val="dk2"/>
-            </a:solidFill>
-            <a:prstDash val="dash"/>
-            <a:round/>
-            <a:headEnd type="none" w="med" len="med"/>
-            <a:tailEnd type="triangle" w="med" len="med"/>
-          </a:ln>
-        </p:spPr>
-      </p:cxnSp>
-      <p:cxnSp>
-        <p:nvCxnSpPr>
-          <p:cNvPr id="184" name="Google Shape;97;p13">
-            <a:extLst>
-              <a:ext uri="{FF2B5EF4-FFF2-40B4-BE49-F238E27FC236}">
-                <a16:creationId xmlns:a16="http://schemas.microsoft.com/office/drawing/2014/main" id="{3BF3FFFE-FBBF-415B-BCA5-31EEF1E0E46E}"/>
-              </a:ext>
-            </a:extLst>
-          </p:cNvPr>
-          <p:cNvCxnSpPr>
-            <a:cxnSpLocks/>
-            <a:stCxn id="113" idx="1"/>
-            <a:endCxn id="59" idx="6"/>
-          </p:cNvCxnSpPr>
-          <p:nvPr/>
-        </p:nvCxnSpPr>
-        <p:spPr>
-          <a:xfrm flipH="1">
-            <a:off x="6960000" y="2992133"/>
-            <a:ext cx="1363233" cy="1656300"/>
-          </a:xfrm>
-          <a:prstGeom prst="straightConnector1">
-            <a:avLst/>
-          </a:prstGeom>
-          <a:noFill/>
-          <a:ln w="9525" cap="flat" cmpd="sng">
-            <a:solidFill>
-              <a:schemeClr val="dk2"/>
-            </a:solidFill>
-            <a:prstDash val="dash"/>
-            <a:round/>
-            <a:headEnd type="none" w="med" len="med"/>
-            <a:tailEnd type="triangle" w="med" len="med"/>
-          </a:ln>
-        </p:spPr>
-      </p:cxnSp>
-      <p:cxnSp>
-        <p:nvCxnSpPr>
-          <p:cNvPr id="188" name="Google Shape;95;p13">
-            <a:extLst>
-              <a:ext uri="{FF2B5EF4-FFF2-40B4-BE49-F238E27FC236}">
-                <a16:creationId xmlns:a16="http://schemas.microsoft.com/office/drawing/2014/main" id="{ED715B2F-F77B-4E86-8B36-477778B14E84}"/>
-              </a:ext>
-            </a:extLst>
-          </p:cNvPr>
-          <p:cNvCxnSpPr>
-            <a:cxnSpLocks/>
-            <a:stCxn id="102" idx="1"/>
-            <a:endCxn id="59" idx="7"/>
-          </p:cNvCxnSpPr>
-          <p:nvPr/>
-        </p:nvCxnSpPr>
-        <p:spPr>
-          <a:xfrm flipH="1">
-            <a:off x="6782741" y="714845"/>
-            <a:ext cx="1540492" cy="3652018"/>
-          </a:xfrm>
-          <a:prstGeom prst="straightConnector1">
-            <a:avLst/>
-          </a:prstGeom>
-          <a:noFill/>
-          <a:ln w="9525" cap="flat" cmpd="sng">
-            <a:solidFill>
-              <a:schemeClr val="dk2"/>
-            </a:solidFill>
-            <a:prstDash val="dash"/>
-            <a:round/>
-            <a:headEnd type="none" w="med" len="med"/>
-            <a:tailEnd type="triangle" w="med" len="med"/>
-          </a:ln>
-        </p:spPr>
-      </p:cxnSp>
-      <p:sp>
-        <p:nvSpPr>
-          <p:cNvPr id="61" name="Google Shape;102;p13">
-            <a:extLst>
-              <a:ext uri="{FF2B5EF4-FFF2-40B4-BE49-F238E27FC236}">
-                <a16:creationId xmlns:a16="http://schemas.microsoft.com/office/drawing/2014/main" id="{6AB88040-6CCB-4E2E-A198-3B518EE2CAAB}"/>
-              </a:ext>
-            </a:extLst>
-          </p:cNvPr>
-          <p:cNvSpPr/>
-          <p:nvPr/>
-        </p:nvSpPr>
-        <p:spPr>
-          <a:xfrm>
-            <a:off x="859140" y="4258822"/>
-            <a:ext cx="1100196" cy="353851"/>
-          </a:xfrm>
-          <a:prstGeom prst="rect">
-            <a:avLst/>
-          </a:prstGeom>
-          <a:solidFill>
-            <a:schemeClr val="lt2"/>
-          </a:solidFill>
-          <a:ln w="9525" cap="flat" cmpd="sng">
-            <a:solidFill>
-              <a:schemeClr val="dk2"/>
-            </a:solidFill>
-            <a:prstDash val="solid"/>
-            <a:round/>
-            <a:headEnd type="none" w="sm" len="sm"/>
-            <a:tailEnd type="none" w="sm" len="sm"/>
-          </a:ln>
-        </p:spPr>
-        <p:txBody>
-          <a:bodyPr spcFirstLastPara="1" wrap="square" lIns="121900" tIns="121900" rIns="121900" bIns="121900" anchor="ctr" anchorCtr="0">
-            <a:noAutofit/>
-          </a:bodyPr>
-          <a:lstStyle/>
-          <a:p>
-            <a:pPr algn="ctr"/>
-            <a:r>
-              <a:rPr lang="ko-KR" altLang="en-US" sz="1333" dirty="0"/>
-              <a:t>신고</a:t>
-            </a:r>
-            <a:endParaRPr sz="1333" dirty="0"/>
-          </a:p>
-        </p:txBody>
-      </p:sp>
-      <p:cxnSp>
-        <p:nvCxnSpPr>
-          <p:cNvPr id="62" name="직선 화살표 연결선 61">
-            <a:extLst>
-              <a:ext uri="{FF2B5EF4-FFF2-40B4-BE49-F238E27FC236}">
-                <a16:creationId xmlns:a16="http://schemas.microsoft.com/office/drawing/2014/main" id="{0FE7E1A2-AFBD-447F-934C-59A4FF4A4A31}"/>
-              </a:ext>
-            </a:extLst>
-          </p:cNvPr>
-          <p:cNvCxnSpPr>
-            <a:cxnSpLocks/>
-            <a:stCxn id="61" idx="0"/>
-            <a:endCxn id="140" idx="2"/>
-          </p:cNvCxnSpPr>
-          <p:nvPr/>
-        </p:nvCxnSpPr>
-        <p:spPr>
-          <a:xfrm flipV="1">
-            <a:off x="1409238" y="3809942"/>
-            <a:ext cx="2194755" cy="448880"/>
+            <a:off x="3705508" y="3486064"/>
+            <a:ext cx="1106164" cy="93419"/>
           </a:xfrm>
           <a:prstGeom prst="straightConnector1">
             <a:avLst/>
@@ -6098,7 +5143,7 @@
           <p:cNvPr id="64" name="직선 화살표 연결선 63">
             <a:extLst>
               <a:ext uri="{FF2B5EF4-FFF2-40B4-BE49-F238E27FC236}">
-                <a16:creationId xmlns:a16="http://schemas.microsoft.com/office/drawing/2014/main" id="{CE2FE515-B154-4255-AE81-D1963396C1ED}"/>
+                <a16:creationId xmlns:a16="http://schemas.microsoft.com/office/drawing/2014/main" xmlns="" id="{CE2FE515-B154-4255-AE81-D1963396C1ED}"/>
               </a:ext>
             </a:extLst>
           </p:cNvPr>
@@ -6111,8 +5156,8 @@
         </p:nvCxnSpPr>
         <p:spPr>
           <a:xfrm>
-            <a:off x="1665867" y="2947066"/>
-            <a:ext cx="1003326" cy="606876"/>
+            <a:off x="957867" y="3231325"/>
+            <a:ext cx="878041" cy="905229"/>
           </a:xfrm>
           <a:prstGeom prst="straightConnector1">
             <a:avLst/>
@@ -6141,7 +5186,7 @@
           <p:cNvPr id="67" name="직선 화살표 연결선 66">
             <a:extLst>
               <a:ext uri="{FF2B5EF4-FFF2-40B4-BE49-F238E27FC236}">
-                <a16:creationId xmlns:a16="http://schemas.microsoft.com/office/drawing/2014/main" id="{035063CF-0BE5-4174-A7B5-34F632784F0C}"/>
+                <a16:creationId xmlns:a16="http://schemas.microsoft.com/office/drawing/2014/main" xmlns="" id="{035063CF-0BE5-4174-A7B5-34F632784F0C}"/>
               </a:ext>
             </a:extLst>
           </p:cNvPr>
@@ -6153,9 +5198,9 @@
           <p:nvPr/>
         </p:nvCxnSpPr>
         <p:spPr>
-          <a:xfrm>
-            <a:off x="1665867" y="2947066"/>
-            <a:ext cx="1003326" cy="2244223"/>
+          <a:xfrm flipV="1">
+            <a:off x="957867" y="2831356"/>
+            <a:ext cx="878041" cy="399969"/>
           </a:xfrm>
           <a:prstGeom prst="straightConnector1">
             <a:avLst/>
@@ -6179,6 +5224,592 @@
           </a:fontRef>
         </p:style>
       </p:cxnSp>
+      <p:sp>
+        <p:nvSpPr>
+          <p:cNvPr id="144" name="Google Shape;102;p13">
+            <a:extLst>
+              <a:ext uri="{FF2B5EF4-FFF2-40B4-BE49-F238E27FC236}">
+                <a16:creationId xmlns:a16="http://schemas.microsoft.com/office/drawing/2014/main" xmlns="" id="{C704DD7E-8B1F-4B5A-832E-6B178666BEB8}"/>
+              </a:ext>
+            </a:extLst>
+          </p:cNvPr>
+          <p:cNvSpPr/>
+          <p:nvPr/>
+        </p:nvSpPr>
+        <p:spPr>
+          <a:xfrm>
+            <a:off x="1835908" y="219531"/>
+            <a:ext cx="1869600" cy="512000"/>
+          </a:xfrm>
+          <a:prstGeom prst="rect">
+            <a:avLst/>
+          </a:prstGeom>
+          <a:solidFill>
+            <a:schemeClr val="lt2"/>
+          </a:solidFill>
+          <a:ln w="9525" cap="flat" cmpd="sng">
+            <a:solidFill>
+              <a:schemeClr val="dk2"/>
+            </a:solidFill>
+            <a:prstDash val="solid"/>
+            <a:round/>
+            <a:headEnd type="none" w="sm" len="sm"/>
+            <a:tailEnd type="none" w="sm" len="sm"/>
+          </a:ln>
+        </p:spPr>
+        <p:txBody>
+          <a:bodyPr spcFirstLastPara="1" wrap="square" lIns="121900" tIns="121900" rIns="121900" bIns="121900" anchor="ctr" anchorCtr="0">
+            <a:noAutofit/>
+          </a:bodyPr>
+          <a:lstStyle/>
+          <a:p>
+            <a:pPr algn="ctr"/>
+            <a:r>
+              <a:rPr lang="ko-KR" altLang="en-US" sz="1333" dirty="0" smtClean="0"/>
+              <a:t>로그인 </a:t>
+            </a:r>
+            <a:r>
+              <a:rPr lang="en-US" altLang="ko-KR" sz="1333" dirty="0" smtClean="0"/>
+              <a:t>/ </a:t>
+            </a:r>
+            <a:r>
+              <a:rPr lang="ko-KR" altLang="en-US" sz="1333" dirty="0" smtClean="0"/>
+              <a:t>회원가입</a:t>
+            </a:r>
+            <a:endParaRPr sz="1333" dirty="0"/>
+          </a:p>
+        </p:txBody>
+      </p:sp>
+      <p:sp>
+        <p:nvSpPr>
+          <p:cNvPr id="146" name="Google Shape;102;p13">
+            <a:extLst>
+              <a:ext uri="{FF2B5EF4-FFF2-40B4-BE49-F238E27FC236}">
+                <a16:creationId xmlns:a16="http://schemas.microsoft.com/office/drawing/2014/main" xmlns="" id="{C704DD7E-8B1F-4B5A-832E-6B178666BEB8}"/>
+              </a:ext>
+            </a:extLst>
+          </p:cNvPr>
+          <p:cNvSpPr/>
+          <p:nvPr/>
+        </p:nvSpPr>
+        <p:spPr>
+          <a:xfrm>
+            <a:off x="1835908" y="774793"/>
+            <a:ext cx="1869600" cy="512000"/>
+          </a:xfrm>
+          <a:prstGeom prst="rect">
+            <a:avLst/>
+          </a:prstGeom>
+          <a:solidFill>
+            <a:schemeClr val="lt2"/>
+          </a:solidFill>
+          <a:ln w="9525" cap="flat" cmpd="sng">
+            <a:solidFill>
+              <a:schemeClr val="dk2"/>
+            </a:solidFill>
+            <a:prstDash val="solid"/>
+            <a:round/>
+            <a:headEnd type="none" w="sm" len="sm"/>
+            <a:tailEnd type="none" w="sm" len="sm"/>
+          </a:ln>
+        </p:spPr>
+        <p:txBody>
+          <a:bodyPr spcFirstLastPara="1" wrap="square" lIns="121900" tIns="121900" rIns="121900" bIns="121900" anchor="ctr" anchorCtr="0">
+            <a:noAutofit/>
+          </a:bodyPr>
+          <a:lstStyle/>
+          <a:p>
+            <a:pPr algn="ctr"/>
+            <a:r>
+              <a:rPr lang="ko-KR" altLang="en-US" sz="1333" dirty="0" smtClean="0"/>
+              <a:t>등급</a:t>
+            </a:r>
+            <a:r>
+              <a:rPr lang="en-US" altLang="ko-KR" sz="1333" dirty="0" smtClean="0"/>
+              <a:t>, </a:t>
+            </a:r>
+            <a:r>
+              <a:rPr lang="ko-KR" altLang="en-US" sz="1333" dirty="0" smtClean="0"/>
+              <a:t>포인트</a:t>
+            </a:r>
+            <a:r>
+              <a:rPr lang="en-US" altLang="ko-KR" sz="1333" dirty="0" smtClean="0"/>
+              <a:t>, </a:t>
+            </a:r>
+            <a:r>
+              <a:rPr lang="ko-KR" altLang="en-US" sz="1333" dirty="0" smtClean="0"/>
+              <a:t>쿠폰 제도</a:t>
+            </a:r>
+            <a:endParaRPr sz="1333" dirty="0"/>
+          </a:p>
+        </p:txBody>
+      </p:sp>
+      <p:sp>
+        <p:nvSpPr>
+          <p:cNvPr id="214" name="Google Shape;102;p13">
+            <a:extLst>
+              <a:ext uri="{FF2B5EF4-FFF2-40B4-BE49-F238E27FC236}">
+                <a16:creationId xmlns:a16="http://schemas.microsoft.com/office/drawing/2014/main" xmlns="" id="{85AB7D6F-8B57-4DEC-9E37-3F7B85052802}"/>
+              </a:ext>
+            </a:extLst>
+          </p:cNvPr>
+          <p:cNvSpPr/>
+          <p:nvPr/>
+        </p:nvSpPr>
+        <p:spPr>
+          <a:xfrm>
+            <a:off x="1835908" y="6310390"/>
+            <a:ext cx="1869600" cy="512000"/>
+          </a:xfrm>
+          <a:prstGeom prst="rect">
+            <a:avLst/>
+          </a:prstGeom>
+          <a:solidFill>
+            <a:schemeClr val="lt2"/>
+          </a:solidFill>
+          <a:ln w="9525" cap="flat" cmpd="sng">
+            <a:solidFill>
+              <a:schemeClr val="dk2"/>
+            </a:solidFill>
+            <a:prstDash val="solid"/>
+            <a:round/>
+            <a:headEnd type="none" w="sm" len="sm"/>
+            <a:tailEnd type="none" w="sm" len="sm"/>
+          </a:ln>
+        </p:spPr>
+        <p:txBody>
+          <a:bodyPr spcFirstLastPara="1" wrap="square" lIns="121900" tIns="121900" rIns="121900" bIns="121900" anchor="ctr" anchorCtr="0">
+            <a:noAutofit/>
+          </a:bodyPr>
+          <a:lstStyle/>
+          <a:p>
+            <a:pPr algn="ctr"/>
+            <a:r>
+              <a:rPr lang="ko-KR" altLang="en-US" sz="1333" dirty="0" smtClean="0"/>
+              <a:t>공지사항 </a:t>
+            </a:r>
+            <a:r>
+              <a:rPr lang="en-US" altLang="ko-KR" sz="1333" dirty="0" smtClean="0"/>
+              <a:t>FAQ </a:t>
+            </a:r>
+            <a:r>
+              <a:rPr lang="ko-KR" altLang="en-US" sz="1333" dirty="0" smtClean="0"/>
+              <a:t>이용가이드 게시판</a:t>
+            </a:r>
+            <a:endParaRPr sz="1333" dirty="0"/>
+          </a:p>
+        </p:txBody>
+      </p:sp>
+      <p:sp>
+        <p:nvSpPr>
+          <p:cNvPr id="217" name="Google Shape;102;p13">
+            <a:extLst>
+              <a:ext uri="{FF2B5EF4-FFF2-40B4-BE49-F238E27FC236}">
+                <a16:creationId xmlns:a16="http://schemas.microsoft.com/office/drawing/2014/main" xmlns="" id="{66D0C005-DEF3-48FD-A074-0C0ABD142A2A}"/>
+              </a:ext>
+            </a:extLst>
+          </p:cNvPr>
+          <p:cNvSpPr/>
+          <p:nvPr/>
+        </p:nvSpPr>
+        <p:spPr>
+          <a:xfrm>
+            <a:off x="1835908" y="4713489"/>
+            <a:ext cx="1869600" cy="512000"/>
+          </a:xfrm>
+          <a:prstGeom prst="rect">
+            <a:avLst/>
+          </a:prstGeom>
+          <a:solidFill>
+            <a:schemeClr val="lt2"/>
+          </a:solidFill>
+          <a:ln w="9525" cap="flat" cmpd="sng">
+            <a:solidFill>
+              <a:schemeClr val="dk2"/>
+            </a:solidFill>
+            <a:prstDash val="solid"/>
+            <a:round/>
+            <a:headEnd type="none" w="sm" len="sm"/>
+            <a:tailEnd type="none" w="sm" len="sm"/>
+          </a:ln>
+        </p:spPr>
+        <p:txBody>
+          <a:bodyPr spcFirstLastPara="1" wrap="square" lIns="121900" tIns="121900" rIns="121900" bIns="121900" anchor="ctr" anchorCtr="0">
+            <a:noAutofit/>
+          </a:bodyPr>
+          <a:lstStyle/>
+          <a:p>
+            <a:pPr algn="ctr"/>
+            <a:r>
+              <a:rPr lang="ko-KR" altLang="en-US" sz="1333" dirty="0" smtClean="0"/>
+              <a:t>상품 </a:t>
+            </a:r>
+            <a:r>
+              <a:rPr lang="ko-KR" altLang="en-US" sz="1333" dirty="0" err="1" smtClean="0"/>
+              <a:t>렌탈</a:t>
+            </a:r>
+            <a:r>
+              <a:rPr lang="ko-KR" altLang="en-US" sz="1333" dirty="0" smtClean="0"/>
+              <a:t> 요청</a:t>
+            </a:r>
+            <a:endParaRPr sz="1333" dirty="0"/>
+          </a:p>
+        </p:txBody>
+      </p:sp>
+      <p:sp>
+        <p:nvSpPr>
+          <p:cNvPr id="230" name="Google Shape;102;p13">
+            <a:extLst>
+              <a:ext uri="{FF2B5EF4-FFF2-40B4-BE49-F238E27FC236}">
+                <a16:creationId xmlns:a16="http://schemas.microsoft.com/office/drawing/2014/main" xmlns="" id="{C704DD7E-8B1F-4B5A-832E-6B178666BEB8}"/>
+              </a:ext>
+            </a:extLst>
+          </p:cNvPr>
+          <p:cNvSpPr/>
+          <p:nvPr/>
+        </p:nvSpPr>
+        <p:spPr>
+          <a:xfrm>
+            <a:off x="1835908" y="1928600"/>
+            <a:ext cx="1869600" cy="512000"/>
+          </a:xfrm>
+          <a:prstGeom prst="rect">
+            <a:avLst/>
+          </a:prstGeom>
+          <a:solidFill>
+            <a:schemeClr val="lt2"/>
+          </a:solidFill>
+          <a:ln w="9525" cap="flat" cmpd="sng">
+            <a:solidFill>
+              <a:schemeClr val="dk2"/>
+            </a:solidFill>
+            <a:prstDash val="solid"/>
+            <a:round/>
+            <a:headEnd type="none" w="sm" len="sm"/>
+            <a:tailEnd type="none" w="sm" len="sm"/>
+          </a:ln>
+        </p:spPr>
+        <p:txBody>
+          <a:bodyPr spcFirstLastPara="1" wrap="square" lIns="121900" tIns="121900" rIns="121900" bIns="121900" anchor="ctr" anchorCtr="0">
+            <a:noAutofit/>
+          </a:bodyPr>
+          <a:lstStyle/>
+          <a:p>
+            <a:pPr algn="ctr"/>
+            <a:r>
+              <a:rPr lang="en-US" altLang="ko-KR" sz="1333" dirty="0" smtClean="0"/>
+              <a:t>E</a:t>
+            </a:r>
+            <a:r>
+              <a:rPr lang="ko-KR" altLang="en-US" sz="1333" dirty="0" smtClean="0"/>
+              <a:t>머니 충전 </a:t>
+            </a:r>
+            <a:r>
+              <a:rPr lang="en-US" altLang="ko-KR" sz="1333" dirty="0" smtClean="0"/>
+              <a:t>/ </a:t>
+            </a:r>
+            <a:r>
+              <a:rPr lang="ko-KR" altLang="en-US" sz="1333" dirty="0" smtClean="0"/>
+              <a:t>출금</a:t>
+            </a:r>
+            <a:endParaRPr sz="1333" dirty="0"/>
+          </a:p>
+        </p:txBody>
+      </p:sp>
+      <p:sp>
+        <p:nvSpPr>
+          <p:cNvPr id="232" name="Google Shape;102;p13">
+            <a:extLst>
+              <a:ext uri="{FF2B5EF4-FFF2-40B4-BE49-F238E27FC236}">
+                <a16:creationId xmlns:a16="http://schemas.microsoft.com/office/drawing/2014/main" xmlns="" id="{66D0C005-DEF3-48FD-A074-0C0ABD142A2A}"/>
+              </a:ext>
+            </a:extLst>
+          </p:cNvPr>
+          <p:cNvSpPr/>
+          <p:nvPr/>
+        </p:nvSpPr>
+        <p:spPr>
+          <a:xfrm>
+            <a:off x="1906096" y="5093554"/>
+            <a:ext cx="1869600" cy="512000"/>
+          </a:xfrm>
+          <a:prstGeom prst="rect">
+            <a:avLst/>
+          </a:prstGeom>
+          <a:solidFill>
+            <a:schemeClr val="lt2"/>
+          </a:solidFill>
+          <a:ln w="9525" cap="flat" cmpd="sng">
+            <a:solidFill>
+              <a:schemeClr val="dk2"/>
+            </a:solidFill>
+            <a:prstDash val="solid"/>
+            <a:round/>
+            <a:headEnd type="none" w="sm" len="sm"/>
+            <a:tailEnd type="none" w="sm" len="sm"/>
+          </a:ln>
+        </p:spPr>
+        <p:txBody>
+          <a:bodyPr spcFirstLastPara="1" wrap="square" lIns="121900" tIns="121900" rIns="121900" bIns="121900" anchor="ctr" anchorCtr="0">
+            <a:noAutofit/>
+          </a:bodyPr>
+          <a:lstStyle/>
+          <a:p>
+            <a:pPr algn="ctr"/>
+            <a:r>
+              <a:rPr lang="ko-KR" altLang="en-US" sz="1333" dirty="0" smtClean="0"/>
+              <a:t>상품 </a:t>
+            </a:r>
+            <a:r>
+              <a:rPr lang="ko-KR" altLang="en-US" sz="1333" dirty="0" err="1" smtClean="0"/>
+              <a:t>찜하기</a:t>
+            </a:r>
+            <a:r>
+              <a:rPr lang="ko-KR" altLang="en-US" sz="1333" dirty="0" smtClean="0"/>
+              <a:t> </a:t>
+            </a:r>
+            <a:r>
+              <a:rPr lang="en-US" altLang="ko-KR" sz="1333" dirty="0" smtClean="0"/>
+              <a:t>/ </a:t>
+            </a:r>
+            <a:r>
+              <a:rPr lang="ko-KR" altLang="en-US" sz="1333" dirty="0" smtClean="0"/>
+              <a:t>회원 </a:t>
+            </a:r>
+            <a:r>
+              <a:rPr lang="ko-KR" altLang="en-US" sz="1333" dirty="0" err="1" smtClean="0"/>
+              <a:t>팔로우</a:t>
+            </a:r>
+            <a:endParaRPr sz="1333" dirty="0"/>
+          </a:p>
+        </p:txBody>
+      </p:sp>
+      <p:sp>
+        <p:nvSpPr>
+          <p:cNvPr id="246" name="Google Shape;102;p13">
+            <a:extLst>
+              <a:ext uri="{FF2B5EF4-FFF2-40B4-BE49-F238E27FC236}">
+                <a16:creationId xmlns:a16="http://schemas.microsoft.com/office/drawing/2014/main" xmlns="" id="{C704DD7E-8B1F-4B5A-832E-6B178666BEB8}"/>
+              </a:ext>
+            </a:extLst>
+          </p:cNvPr>
+          <p:cNvSpPr/>
+          <p:nvPr/>
+        </p:nvSpPr>
+        <p:spPr>
+          <a:xfrm>
+            <a:off x="1835908" y="1385666"/>
+            <a:ext cx="1869600" cy="512000"/>
+          </a:xfrm>
+          <a:prstGeom prst="rect">
+            <a:avLst/>
+          </a:prstGeom>
+          <a:solidFill>
+            <a:schemeClr val="lt2"/>
+          </a:solidFill>
+          <a:ln w="9525" cap="flat" cmpd="sng">
+            <a:solidFill>
+              <a:schemeClr val="dk2"/>
+            </a:solidFill>
+            <a:prstDash val="solid"/>
+            <a:round/>
+            <a:headEnd type="none" w="sm" len="sm"/>
+            <a:tailEnd type="none" w="sm" len="sm"/>
+          </a:ln>
+        </p:spPr>
+        <p:txBody>
+          <a:bodyPr spcFirstLastPara="1" wrap="square" lIns="121900" tIns="121900" rIns="121900" bIns="121900" anchor="ctr" anchorCtr="0">
+            <a:noAutofit/>
+          </a:bodyPr>
+          <a:lstStyle/>
+          <a:p>
+            <a:pPr algn="ctr"/>
+            <a:r>
+              <a:rPr lang="en-US" sz="1333" dirty="0" smtClean="0"/>
+              <a:t>Q&amp;A, </a:t>
+            </a:r>
+            <a:r>
+              <a:rPr lang="ko-KR" altLang="en-US" sz="1333" dirty="0" err="1" smtClean="0"/>
+              <a:t>상품렌탈</a:t>
+            </a:r>
+            <a:r>
+              <a:rPr lang="en-US" altLang="ko-KR" sz="1333" dirty="0" smtClean="0"/>
+              <a:t>, </a:t>
+            </a:r>
+            <a:r>
+              <a:rPr lang="ko-KR" altLang="en-US" sz="1333" dirty="0" err="1" smtClean="0"/>
+              <a:t>렌탈요청</a:t>
+            </a:r>
+            <a:r>
+              <a:rPr lang="en-US" altLang="ko-KR" sz="1333" dirty="0" smtClean="0"/>
+              <a:t>, </a:t>
+            </a:r>
+            <a:r>
+              <a:rPr lang="ko-KR" altLang="en-US" sz="1333" dirty="0" smtClean="0"/>
+              <a:t>상품 문의</a:t>
+            </a:r>
+            <a:r>
+              <a:rPr lang="en-US" altLang="ko-KR" sz="1333" dirty="0" smtClean="0"/>
+              <a:t>, </a:t>
+            </a:r>
+            <a:r>
+              <a:rPr lang="ko-KR" altLang="en-US" sz="1333" dirty="0" smtClean="0"/>
+              <a:t>상품 신고 알림</a:t>
+            </a:r>
+            <a:endParaRPr sz="1333" dirty="0"/>
+          </a:p>
+        </p:txBody>
+      </p:sp>
+      <p:sp>
+        <p:nvSpPr>
+          <p:cNvPr id="256" name="Google Shape;102;p13">
+            <a:extLst>
+              <a:ext uri="{FF2B5EF4-FFF2-40B4-BE49-F238E27FC236}">
+                <a16:creationId xmlns:a16="http://schemas.microsoft.com/office/drawing/2014/main" xmlns="" id="{66D0C005-DEF3-48FD-A074-0C0ABD142A2A}"/>
+              </a:ext>
+            </a:extLst>
+          </p:cNvPr>
+          <p:cNvSpPr/>
+          <p:nvPr/>
+        </p:nvSpPr>
+        <p:spPr>
+          <a:xfrm>
+            <a:off x="1906096" y="4176066"/>
+            <a:ext cx="1869600" cy="512000"/>
+          </a:xfrm>
+          <a:prstGeom prst="rect">
+            <a:avLst/>
+          </a:prstGeom>
+          <a:solidFill>
+            <a:schemeClr val="lt2"/>
+          </a:solidFill>
+          <a:ln w="9525" cap="flat" cmpd="sng">
+            <a:solidFill>
+              <a:schemeClr val="dk2"/>
+            </a:solidFill>
+            <a:prstDash val="solid"/>
+            <a:round/>
+            <a:headEnd type="none" w="sm" len="sm"/>
+            <a:tailEnd type="none" w="sm" len="sm"/>
+          </a:ln>
+        </p:spPr>
+        <p:txBody>
+          <a:bodyPr spcFirstLastPara="1" wrap="square" lIns="121900" tIns="121900" rIns="121900" bIns="121900" anchor="ctr" anchorCtr="0">
+            <a:noAutofit/>
+          </a:bodyPr>
+          <a:lstStyle/>
+          <a:p>
+            <a:pPr algn="ctr"/>
+            <a:r>
+              <a:rPr lang="ko-KR" altLang="en-US" sz="1333" dirty="0" err="1" smtClean="0"/>
+              <a:t>렌탈</a:t>
+            </a:r>
+            <a:r>
+              <a:rPr lang="ko-KR" altLang="en-US" sz="1333" dirty="0" smtClean="0"/>
+              <a:t> 상품 </a:t>
+            </a:r>
+            <a:r>
+              <a:rPr lang="ko-KR" altLang="en-US" sz="1333" dirty="0" smtClean="0"/>
+              <a:t>반</a:t>
+            </a:r>
+            <a:r>
+              <a:rPr lang="ko-KR" altLang="en-US" sz="1333" dirty="0"/>
+              <a:t>납</a:t>
+            </a:r>
+            <a:endParaRPr sz="1333" dirty="0"/>
+          </a:p>
+        </p:txBody>
+      </p:sp>
+      <p:sp>
+        <p:nvSpPr>
+          <p:cNvPr id="287" name="Google Shape;105;p13"/>
+          <p:cNvSpPr/>
+          <p:nvPr/>
+        </p:nvSpPr>
+        <p:spPr>
+          <a:xfrm>
+            <a:off x="8034332" y="1929203"/>
+            <a:ext cx="1869600" cy="512000"/>
+          </a:xfrm>
+          <a:prstGeom prst="rect">
+            <a:avLst/>
+          </a:prstGeom>
+          <a:solidFill>
+            <a:schemeClr val="lt2"/>
+          </a:solidFill>
+          <a:ln w="9525" cap="flat" cmpd="sng">
+            <a:solidFill>
+              <a:schemeClr val="dk2"/>
+            </a:solidFill>
+            <a:prstDash val="solid"/>
+            <a:round/>
+            <a:headEnd type="none" w="sm" len="sm"/>
+            <a:tailEnd type="none" w="sm" len="sm"/>
+          </a:ln>
+        </p:spPr>
+        <p:txBody>
+          <a:bodyPr spcFirstLastPara="1" wrap="square" lIns="121900" tIns="121900" rIns="121900" bIns="121900" anchor="ctr" anchorCtr="0">
+            <a:noAutofit/>
+          </a:bodyPr>
+          <a:lstStyle/>
+          <a:p>
+            <a:pPr algn="ctr"/>
+            <a:r>
+              <a:rPr lang="ko-KR" altLang="en-US" sz="1333" dirty="0" smtClean="0"/>
+              <a:t>카테고리 관리</a:t>
+            </a:r>
+            <a:endParaRPr sz="1333" dirty="0"/>
+          </a:p>
+        </p:txBody>
+      </p:sp>
+      <p:sp>
+        <p:nvSpPr>
+          <p:cNvPr id="293" name="Google Shape;102;p13">
+            <a:extLst>
+              <a:ext uri="{FF2B5EF4-FFF2-40B4-BE49-F238E27FC236}">
+                <a16:creationId xmlns:a16="http://schemas.microsoft.com/office/drawing/2014/main" xmlns="" id="{BD2B7044-AE64-4FDD-A94F-3B6D34A54012}"/>
+              </a:ext>
+            </a:extLst>
+          </p:cNvPr>
+          <p:cNvSpPr/>
+          <p:nvPr/>
+        </p:nvSpPr>
+        <p:spPr>
+          <a:xfrm>
+            <a:off x="5330804" y="4843794"/>
+            <a:ext cx="1054029" cy="353851"/>
+          </a:xfrm>
+          <a:prstGeom prst="rect">
+            <a:avLst/>
+          </a:prstGeom>
+          <a:solidFill>
+            <a:schemeClr val="lt2"/>
+          </a:solidFill>
+          <a:ln w="9525" cap="flat" cmpd="sng">
+            <a:solidFill>
+              <a:schemeClr val="dk2"/>
+            </a:solidFill>
+            <a:prstDash val="solid"/>
+            <a:round/>
+            <a:headEnd type="none" w="sm" len="sm"/>
+            <a:tailEnd type="none" w="sm" len="sm"/>
+          </a:ln>
+        </p:spPr>
+        <p:txBody>
+          <a:bodyPr spcFirstLastPara="1" wrap="square" lIns="121900" tIns="121900" rIns="121900" bIns="121900" anchor="ctr" anchorCtr="0">
+            <a:noAutofit/>
+          </a:bodyPr>
+          <a:lstStyle/>
+          <a:p>
+            <a:pPr algn="ctr"/>
+            <a:r>
+              <a:rPr lang="ko-KR" altLang="en-US" sz="1333" dirty="0" smtClean="0"/>
+              <a:t>후기</a:t>
+            </a:r>
+            <a:endParaRPr lang="en-US" altLang="ko-KR" sz="1333" dirty="0" smtClean="0"/>
+          </a:p>
+        </p:txBody>
+      </p:sp>
     </p:spTree>
   </p:cSld>
   <p:clrMapOvr>
@@ -6230,7 +5861,7 @@
     </a:clrScheme>
     <a:fontScheme name="Office">
       <a:majorFont>
-        <a:latin typeface="맑은 고딕" panose="020F0302020204030204"/>
+        <a:latin typeface="맑은 고딕"/>
         <a:ea typeface=""/>
         <a:cs typeface=""/>
         <a:font script="Jpan" typeface="游ゴシック Light"/>
@@ -6282,7 +5913,7 @@
         <a:font script="Tfng" typeface="Ebrima"/>
       </a:majorFont>
       <a:minorFont>
-        <a:latin typeface="맑은 고딕" panose="020F0502020204030204"/>
+        <a:latin typeface="맑은 고딕"/>
         <a:ea typeface=""/>
         <a:cs typeface=""/>
         <a:font script="Jpan" typeface="游ゴシック"/>
@@ -6476,7 +6107,7 @@
   <a:extraClrSchemeLst/>
   <a:extLst>
     <a:ext uri="{05A4C25C-085E-4340-85A3-A5531E510DB2}">
-      <thm15:themeFamily xmlns:thm15="http://schemas.microsoft.com/office/thememl/2012/main" name="Office Theme" id="{62F939B6-93AF-4DB8-9C6B-D6C7DFDC589F}" vid="{4A3C46E8-61CC-4603-A589-7422A47A8E4A}"/>
+      <thm15:themeFamily xmlns:thm15="http://schemas.microsoft.com/office/thememl/2012/main" xmlns="" name="Office Theme" id="{62F939B6-93AF-4DB8-9C6B-D6C7DFDC589F}" vid="{4A3C46E8-61CC-4603-A589-7422A47A8E4A}"/>
     </a:ext>
   </a:extLst>
 </a:theme>
@@ -6525,7 +6156,7 @@
     </a:clrScheme>
     <a:fontScheme name="Office">
       <a:majorFont>
-        <a:latin typeface="맑은 고딕" panose="020F0302020204030204"/>
+        <a:latin typeface="맑은 고딕"/>
         <a:ea typeface=""/>
         <a:cs typeface=""/>
         <a:font script="Jpan" typeface="游ゴシック Light"/>
@@ -6577,7 +6208,7 @@
         <a:font script="Tfng" typeface="Ebrima"/>
       </a:majorFont>
       <a:minorFont>
-        <a:latin typeface="맑은 고딕" panose="020F0502020204030204"/>
+        <a:latin typeface="맑은 고딕"/>
         <a:ea typeface=""/>
         <a:cs typeface=""/>
         <a:font script="Jpan" typeface="游ゴシック"/>
@@ -6771,7 +6402,7 @@
   <a:extraClrSchemeLst/>
   <a:extLst>
     <a:ext uri="{05A4C25C-085E-4340-85A3-A5531E510DB2}">
-      <thm15:themeFamily xmlns:thm15="http://schemas.microsoft.com/office/thememl/2012/main" name="Office Theme" id="{62F939B6-93AF-4DB8-9C6B-D6C7DFDC589F}" vid="{4A3C46E8-61CC-4603-A589-7422A47A8E4A}"/>
+      <thm15:themeFamily xmlns:thm15="http://schemas.microsoft.com/office/thememl/2012/main" xmlns="" name="Office Theme" id="{62F939B6-93AF-4DB8-9C6B-D6C7DFDC589F}" vid="{4A3C46E8-61CC-4603-A589-7422A47A8E4A}"/>
     </a:ext>
   </a:extLst>
 </a:theme>

--- a/2 기능 정의 취합, 요구사항 정의서, USE FLOW/ucd.pptx
+++ b/2 기능 정의 취합, 요구사항 정의서, USE FLOW/ucd.pptx
@@ -109,7 +109,7 @@
   </p:defaultTextStyle>
   <p:extLst>
     <p:ext uri="{EFAFB233-063F-42B5-8137-9DF3F51BA10A}">
-      <p15:sldGuideLst xmlns:p15="http://schemas.microsoft.com/office/powerpoint/2012/main" xmlns=""/>
+      <p15:sldGuideLst xmlns="" xmlns:p15="http://schemas.microsoft.com/office/powerpoint/2012/main"/>
     </p:ext>
   </p:extLst>
 </p:presentation>
@@ -590,7 +590,7 @@
           <p:cNvPr id="2" name="제목 1">
             <a:extLst>
               <a:ext uri="{FF2B5EF4-FFF2-40B4-BE49-F238E27FC236}">
-                <a16:creationId xmlns:a16="http://schemas.microsoft.com/office/drawing/2014/main" xmlns="" id="{D33E8F1F-7A61-4CC3-9980-D2EF2A5E4732}"/>
+                <a16:creationId xmlns="" xmlns:a16="http://schemas.microsoft.com/office/drawing/2014/main" id="{D33E8F1F-7A61-4CC3-9980-D2EF2A5E4732}"/>
               </a:ext>
             </a:extLst>
           </p:cNvPr>
@@ -627,7 +627,7 @@
           <p:cNvPr id="3" name="부제목 2">
             <a:extLst>
               <a:ext uri="{FF2B5EF4-FFF2-40B4-BE49-F238E27FC236}">
-                <a16:creationId xmlns:a16="http://schemas.microsoft.com/office/drawing/2014/main" xmlns="" id="{4B3E18A4-1F34-4E43-AD47-D7126F78EF1D}"/>
+                <a16:creationId xmlns="" xmlns:a16="http://schemas.microsoft.com/office/drawing/2014/main" id="{4B3E18A4-1F34-4E43-AD47-D7126F78EF1D}"/>
               </a:ext>
             </a:extLst>
           </p:cNvPr>
@@ -697,7 +697,7 @@
           <p:cNvPr id="4" name="날짜 개체 틀 3">
             <a:extLst>
               <a:ext uri="{FF2B5EF4-FFF2-40B4-BE49-F238E27FC236}">
-                <a16:creationId xmlns:a16="http://schemas.microsoft.com/office/drawing/2014/main" xmlns="" id="{1EB01FCD-46FD-4715-8859-291C9235FBCD}"/>
+                <a16:creationId xmlns="" xmlns:a16="http://schemas.microsoft.com/office/drawing/2014/main" id="{1EB01FCD-46FD-4715-8859-291C9235FBCD}"/>
               </a:ext>
             </a:extLst>
           </p:cNvPr>
@@ -726,7 +726,7 @@
           <p:cNvPr id="5" name="바닥글 개체 틀 4">
             <a:extLst>
               <a:ext uri="{FF2B5EF4-FFF2-40B4-BE49-F238E27FC236}">
-                <a16:creationId xmlns:a16="http://schemas.microsoft.com/office/drawing/2014/main" xmlns="" id="{C551FB88-9BD9-4095-897C-6B6CAC5783E6}"/>
+                <a16:creationId xmlns="" xmlns:a16="http://schemas.microsoft.com/office/drawing/2014/main" id="{C551FB88-9BD9-4095-897C-6B6CAC5783E6}"/>
               </a:ext>
             </a:extLst>
           </p:cNvPr>
@@ -751,7 +751,7 @@
           <p:cNvPr id="6" name="슬라이드 번호 개체 틀 5">
             <a:extLst>
               <a:ext uri="{FF2B5EF4-FFF2-40B4-BE49-F238E27FC236}">
-                <a16:creationId xmlns:a16="http://schemas.microsoft.com/office/drawing/2014/main" xmlns="" id="{7582DC6B-0F33-4565-B8C5-56F7331C725F}"/>
+                <a16:creationId xmlns="" xmlns:a16="http://schemas.microsoft.com/office/drawing/2014/main" id="{7582DC6B-0F33-4565-B8C5-56F7331C725F}"/>
               </a:ext>
             </a:extLst>
           </p:cNvPr>
@@ -810,7 +810,7 @@
           <p:cNvPr id="2" name="제목 1">
             <a:extLst>
               <a:ext uri="{FF2B5EF4-FFF2-40B4-BE49-F238E27FC236}">
-                <a16:creationId xmlns:a16="http://schemas.microsoft.com/office/drawing/2014/main" xmlns="" id="{192B0D75-7CA3-4DF5-BAEB-E3A24D16BF9F}"/>
+                <a16:creationId xmlns="" xmlns:a16="http://schemas.microsoft.com/office/drawing/2014/main" id="{192B0D75-7CA3-4DF5-BAEB-E3A24D16BF9F}"/>
               </a:ext>
             </a:extLst>
           </p:cNvPr>
@@ -838,7 +838,7 @@
           <p:cNvPr id="3" name="세로 텍스트 개체 틀 2">
             <a:extLst>
               <a:ext uri="{FF2B5EF4-FFF2-40B4-BE49-F238E27FC236}">
-                <a16:creationId xmlns:a16="http://schemas.microsoft.com/office/drawing/2014/main" xmlns="" id="{27DD338F-F6D6-4A38-B308-4745EDC1512C}"/>
+                <a16:creationId xmlns="" xmlns:a16="http://schemas.microsoft.com/office/drawing/2014/main" id="{27DD338F-F6D6-4A38-B308-4745EDC1512C}"/>
               </a:ext>
             </a:extLst>
           </p:cNvPr>
@@ -895,7 +895,7 @@
           <p:cNvPr id="4" name="날짜 개체 틀 3">
             <a:extLst>
               <a:ext uri="{FF2B5EF4-FFF2-40B4-BE49-F238E27FC236}">
-                <a16:creationId xmlns:a16="http://schemas.microsoft.com/office/drawing/2014/main" xmlns="" id="{169AF468-6DEC-4F29-B5E0-48D84D11B9DE}"/>
+                <a16:creationId xmlns="" xmlns:a16="http://schemas.microsoft.com/office/drawing/2014/main" id="{169AF468-6DEC-4F29-B5E0-48D84D11B9DE}"/>
               </a:ext>
             </a:extLst>
           </p:cNvPr>
@@ -924,7 +924,7 @@
           <p:cNvPr id="5" name="바닥글 개체 틀 4">
             <a:extLst>
               <a:ext uri="{FF2B5EF4-FFF2-40B4-BE49-F238E27FC236}">
-                <a16:creationId xmlns:a16="http://schemas.microsoft.com/office/drawing/2014/main" xmlns="" id="{EE75C87B-7B6E-4A43-9F8C-77F43DFC7277}"/>
+                <a16:creationId xmlns="" xmlns:a16="http://schemas.microsoft.com/office/drawing/2014/main" id="{EE75C87B-7B6E-4A43-9F8C-77F43DFC7277}"/>
               </a:ext>
             </a:extLst>
           </p:cNvPr>
@@ -949,7 +949,7 @@
           <p:cNvPr id="6" name="슬라이드 번호 개체 틀 5">
             <a:extLst>
               <a:ext uri="{FF2B5EF4-FFF2-40B4-BE49-F238E27FC236}">
-                <a16:creationId xmlns:a16="http://schemas.microsoft.com/office/drawing/2014/main" xmlns="" id="{355D8E24-A8BA-4B0F-B4EC-BDDE6D005874}"/>
+                <a16:creationId xmlns="" xmlns:a16="http://schemas.microsoft.com/office/drawing/2014/main" id="{355D8E24-A8BA-4B0F-B4EC-BDDE6D005874}"/>
               </a:ext>
             </a:extLst>
           </p:cNvPr>
@@ -1008,7 +1008,7 @@
           <p:cNvPr id="2" name="세로 제목 1">
             <a:extLst>
               <a:ext uri="{FF2B5EF4-FFF2-40B4-BE49-F238E27FC236}">
-                <a16:creationId xmlns:a16="http://schemas.microsoft.com/office/drawing/2014/main" xmlns="" id="{82FCF687-3144-4232-AAD0-89FA13954FE1}"/>
+                <a16:creationId xmlns="" xmlns:a16="http://schemas.microsoft.com/office/drawing/2014/main" id="{82FCF687-3144-4232-AAD0-89FA13954FE1}"/>
               </a:ext>
             </a:extLst>
           </p:cNvPr>
@@ -1041,7 +1041,7 @@
           <p:cNvPr id="3" name="세로 텍스트 개체 틀 2">
             <a:extLst>
               <a:ext uri="{FF2B5EF4-FFF2-40B4-BE49-F238E27FC236}">
-                <a16:creationId xmlns:a16="http://schemas.microsoft.com/office/drawing/2014/main" xmlns="" id="{CEC2192F-0BB5-4E02-9E9B-6AB875C3E678}"/>
+                <a16:creationId xmlns="" xmlns:a16="http://schemas.microsoft.com/office/drawing/2014/main" id="{CEC2192F-0BB5-4E02-9E9B-6AB875C3E678}"/>
               </a:ext>
             </a:extLst>
           </p:cNvPr>
@@ -1103,7 +1103,7 @@
           <p:cNvPr id="4" name="날짜 개체 틀 3">
             <a:extLst>
               <a:ext uri="{FF2B5EF4-FFF2-40B4-BE49-F238E27FC236}">
-                <a16:creationId xmlns:a16="http://schemas.microsoft.com/office/drawing/2014/main" xmlns="" id="{4A82E7D5-AD3B-44D3-9373-066BE35EF724}"/>
+                <a16:creationId xmlns="" xmlns:a16="http://schemas.microsoft.com/office/drawing/2014/main" id="{4A82E7D5-AD3B-44D3-9373-066BE35EF724}"/>
               </a:ext>
             </a:extLst>
           </p:cNvPr>
@@ -1132,7 +1132,7 @@
           <p:cNvPr id="5" name="바닥글 개체 틀 4">
             <a:extLst>
               <a:ext uri="{FF2B5EF4-FFF2-40B4-BE49-F238E27FC236}">
-                <a16:creationId xmlns:a16="http://schemas.microsoft.com/office/drawing/2014/main" xmlns="" id="{96F04E1E-A44B-47BD-8656-31C6D58EBF3B}"/>
+                <a16:creationId xmlns="" xmlns:a16="http://schemas.microsoft.com/office/drawing/2014/main" id="{96F04E1E-A44B-47BD-8656-31C6D58EBF3B}"/>
               </a:ext>
             </a:extLst>
           </p:cNvPr>
@@ -1157,7 +1157,7 @@
           <p:cNvPr id="6" name="슬라이드 번호 개체 틀 5">
             <a:extLst>
               <a:ext uri="{FF2B5EF4-FFF2-40B4-BE49-F238E27FC236}">
-                <a16:creationId xmlns:a16="http://schemas.microsoft.com/office/drawing/2014/main" xmlns="" id="{13850518-5448-427B-A72B-26AE0A45DA15}"/>
+                <a16:creationId xmlns="" xmlns:a16="http://schemas.microsoft.com/office/drawing/2014/main" id="{13850518-5448-427B-A72B-26AE0A45DA15}"/>
               </a:ext>
             </a:extLst>
           </p:cNvPr>
@@ -1216,7 +1216,7 @@
           <p:cNvPr id="2" name="제목 1">
             <a:extLst>
               <a:ext uri="{FF2B5EF4-FFF2-40B4-BE49-F238E27FC236}">
-                <a16:creationId xmlns:a16="http://schemas.microsoft.com/office/drawing/2014/main" xmlns="" id="{CAC28302-1AE3-4CC4-94ED-EF4C90EDAEDB}"/>
+                <a16:creationId xmlns="" xmlns:a16="http://schemas.microsoft.com/office/drawing/2014/main" id="{CAC28302-1AE3-4CC4-94ED-EF4C90EDAEDB}"/>
               </a:ext>
             </a:extLst>
           </p:cNvPr>
@@ -1244,7 +1244,7 @@
           <p:cNvPr id="3" name="내용 개체 틀 2">
             <a:extLst>
               <a:ext uri="{FF2B5EF4-FFF2-40B4-BE49-F238E27FC236}">
-                <a16:creationId xmlns:a16="http://schemas.microsoft.com/office/drawing/2014/main" xmlns="" id="{94D78527-C61A-4C99-92A7-6092F8BF2FDF}"/>
+                <a16:creationId xmlns="" xmlns:a16="http://schemas.microsoft.com/office/drawing/2014/main" id="{94D78527-C61A-4C99-92A7-6092F8BF2FDF}"/>
               </a:ext>
             </a:extLst>
           </p:cNvPr>
@@ -1301,7 +1301,7 @@
           <p:cNvPr id="4" name="날짜 개체 틀 3">
             <a:extLst>
               <a:ext uri="{FF2B5EF4-FFF2-40B4-BE49-F238E27FC236}">
-                <a16:creationId xmlns:a16="http://schemas.microsoft.com/office/drawing/2014/main" xmlns="" id="{5A5414CE-B052-41C3-8762-A099FC09AC9E}"/>
+                <a16:creationId xmlns="" xmlns:a16="http://schemas.microsoft.com/office/drawing/2014/main" id="{5A5414CE-B052-41C3-8762-A099FC09AC9E}"/>
               </a:ext>
             </a:extLst>
           </p:cNvPr>
@@ -1330,7 +1330,7 @@
           <p:cNvPr id="5" name="바닥글 개체 틀 4">
             <a:extLst>
               <a:ext uri="{FF2B5EF4-FFF2-40B4-BE49-F238E27FC236}">
-                <a16:creationId xmlns:a16="http://schemas.microsoft.com/office/drawing/2014/main" xmlns="" id="{04D15CB5-8106-497E-B7BD-5D864E2A4805}"/>
+                <a16:creationId xmlns="" xmlns:a16="http://schemas.microsoft.com/office/drawing/2014/main" id="{04D15CB5-8106-497E-B7BD-5D864E2A4805}"/>
               </a:ext>
             </a:extLst>
           </p:cNvPr>
@@ -1355,7 +1355,7 @@
           <p:cNvPr id="6" name="슬라이드 번호 개체 틀 5">
             <a:extLst>
               <a:ext uri="{FF2B5EF4-FFF2-40B4-BE49-F238E27FC236}">
-                <a16:creationId xmlns:a16="http://schemas.microsoft.com/office/drawing/2014/main" xmlns="" id="{CC69AA7D-38FD-49F0-B2F3-13B85E6A7860}"/>
+                <a16:creationId xmlns="" xmlns:a16="http://schemas.microsoft.com/office/drawing/2014/main" id="{CC69AA7D-38FD-49F0-B2F3-13B85E6A7860}"/>
               </a:ext>
             </a:extLst>
           </p:cNvPr>
@@ -1414,7 +1414,7 @@
           <p:cNvPr id="2" name="제목 1">
             <a:extLst>
               <a:ext uri="{FF2B5EF4-FFF2-40B4-BE49-F238E27FC236}">
-                <a16:creationId xmlns:a16="http://schemas.microsoft.com/office/drawing/2014/main" xmlns="" id="{CDCCB98B-8F42-47B7-AAE9-E9D62DB687C9}"/>
+                <a16:creationId xmlns="" xmlns:a16="http://schemas.microsoft.com/office/drawing/2014/main" id="{CDCCB98B-8F42-47B7-AAE9-E9D62DB687C9}"/>
               </a:ext>
             </a:extLst>
           </p:cNvPr>
@@ -1451,7 +1451,7 @@
           <p:cNvPr id="3" name="텍스트 개체 틀 2">
             <a:extLst>
               <a:ext uri="{FF2B5EF4-FFF2-40B4-BE49-F238E27FC236}">
-                <a16:creationId xmlns:a16="http://schemas.microsoft.com/office/drawing/2014/main" xmlns="" id="{D206F9BD-A80D-4E87-8425-00DD8D11728B}"/>
+                <a16:creationId xmlns="" xmlns:a16="http://schemas.microsoft.com/office/drawing/2014/main" id="{D206F9BD-A80D-4E87-8425-00DD8D11728B}"/>
               </a:ext>
             </a:extLst>
           </p:cNvPr>
@@ -1576,7 +1576,7 @@
           <p:cNvPr id="4" name="날짜 개체 틀 3">
             <a:extLst>
               <a:ext uri="{FF2B5EF4-FFF2-40B4-BE49-F238E27FC236}">
-                <a16:creationId xmlns:a16="http://schemas.microsoft.com/office/drawing/2014/main" xmlns="" id="{786F17E6-D6FB-40B5-9B88-A91E7AAC824F}"/>
+                <a16:creationId xmlns="" xmlns:a16="http://schemas.microsoft.com/office/drawing/2014/main" id="{786F17E6-D6FB-40B5-9B88-A91E7AAC824F}"/>
               </a:ext>
             </a:extLst>
           </p:cNvPr>
@@ -1605,7 +1605,7 @@
           <p:cNvPr id="5" name="바닥글 개체 틀 4">
             <a:extLst>
               <a:ext uri="{FF2B5EF4-FFF2-40B4-BE49-F238E27FC236}">
-                <a16:creationId xmlns:a16="http://schemas.microsoft.com/office/drawing/2014/main" xmlns="" id="{77DC2E84-D711-47E2-9C53-763D835FA0D0}"/>
+                <a16:creationId xmlns="" xmlns:a16="http://schemas.microsoft.com/office/drawing/2014/main" id="{77DC2E84-D711-47E2-9C53-763D835FA0D0}"/>
               </a:ext>
             </a:extLst>
           </p:cNvPr>
@@ -1630,7 +1630,7 @@
           <p:cNvPr id="6" name="슬라이드 번호 개체 틀 5">
             <a:extLst>
               <a:ext uri="{FF2B5EF4-FFF2-40B4-BE49-F238E27FC236}">
-                <a16:creationId xmlns:a16="http://schemas.microsoft.com/office/drawing/2014/main" xmlns="" id="{1B67E5BF-113A-4066-BFEE-E0246A97C0DD}"/>
+                <a16:creationId xmlns="" xmlns:a16="http://schemas.microsoft.com/office/drawing/2014/main" id="{1B67E5BF-113A-4066-BFEE-E0246A97C0DD}"/>
               </a:ext>
             </a:extLst>
           </p:cNvPr>
@@ -1689,7 +1689,7 @@
           <p:cNvPr id="2" name="제목 1">
             <a:extLst>
               <a:ext uri="{FF2B5EF4-FFF2-40B4-BE49-F238E27FC236}">
-                <a16:creationId xmlns:a16="http://schemas.microsoft.com/office/drawing/2014/main" xmlns="" id="{19B13494-718A-41BA-896B-860C4FAB0E83}"/>
+                <a16:creationId xmlns="" xmlns:a16="http://schemas.microsoft.com/office/drawing/2014/main" id="{19B13494-718A-41BA-896B-860C4FAB0E83}"/>
               </a:ext>
             </a:extLst>
           </p:cNvPr>
@@ -1717,7 +1717,7 @@
           <p:cNvPr id="3" name="내용 개체 틀 2">
             <a:extLst>
               <a:ext uri="{FF2B5EF4-FFF2-40B4-BE49-F238E27FC236}">
-                <a16:creationId xmlns:a16="http://schemas.microsoft.com/office/drawing/2014/main" xmlns="" id="{164DA2B2-0C82-4DDA-8962-58B444D5ED78}"/>
+                <a16:creationId xmlns="" xmlns:a16="http://schemas.microsoft.com/office/drawing/2014/main" id="{164DA2B2-0C82-4DDA-8962-58B444D5ED78}"/>
               </a:ext>
             </a:extLst>
           </p:cNvPr>
@@ -1779,7 +1779,7 @@
           <p:cNvPr id="4" name="내용 개체 틀 3">
             <a:extLst>
               <a:ext uri="{FF2B5EF4-FFF2-40B4-BE49-F238E27FC236}">
-                <a16:creationId xmlns:a16="http://schemas.microsoft.com/office/drawing/2014/main" xmlns="" id="{9816D12F-4487-481B-A893-0589CF8D7CAA}"/>
+                <a16:creationId xmlns="" xmlns:a16="http://schemas.microsoft.com/office/drawing/2014/main" id="{9816D12F-4487-481B-A893-0589CF8D7CAA}"/>
               </a:ext>
             </a:extLst>
           </p:cNvPr>
@@ -1841,7 +1841,7 @@
           <p:cNvPr id="5" name="날짜 개체 틀 4">
             <a:extLst>
               <a:ext uri="{FF2B5EF4-FFF2-40B4-BE49-F238E27FC236}">
-                <a16:creationId xmlns:a16="http://schemas.microsoft.com/office/drawing/2014/main" xmlns="" id="{8B196A0C-A7F7-444A-B7D8-86ABE17E064C}"/>
+                <a16:creationId xmlns="" xmlns:a16="http://schemas.microsoft.com/office/drawing/2014/main" id="{8B196A0C-A7F7-444A-B7D8-86ABE17E064C}"/>
               </a:ext>
             </a:extLst>
           </p:cNvPr>
@@ -1870,7 +1870,7 @@
           <p:cNvPr id="6" name="바닥글 개체 틀 5">
             <a:extLst>
               <a:ext uri="{FF2B5EF4-FFF2-40B4-BE49-F238E27FC236}">
-                <a16:creationId xmlns:a16="http://schemas.microsoft.com/office/drawing/2014/main" xmlns="" id="{7BF4E3B1-A69E-498B-B588-79DE70345A27}"/>
+                <a16:creationId xmlns="" xmlns:a16="http://schemas.microsoft.com/office/drawing/2014/main" id="{7BF4E3B1-A69E-498B-B588-79DE70345A27}"/>
               </a:ext>
             </a:extLst>
           </p:cNvPr>
@@ -1895,7 +1895,7 @@
           <p:cNvPr id="7" name="슬라이드 번호 개체 틀 6">
             <a:extLst>
               <a:ext uri="{FF2B5EF4-FFF2-40B4-BE49-F238E27FC236}">
-                <a16:creationId xmlns:a16="http://schemas.microsoft.com/office/drawing/2014/main" xmlns="" id="{153B2D4A-B58E-4F67-90E3-8606FC0BF575}"/>
+                <a16:creationId xmlns="" xmlns:a16="http://schemas.microsoft.com/office/drawing/2014/main" id="{153B2D4A-B58E-4F67-90E3-8606FC0BF575}"/>
               </a:ext>
             </a:extLst>
           </p:cNvPr>
@@ -1954,7 +1954,7 @@
           <p:cNvPr id="2" name="제목 1">
             <a:extLst>
               <a:ext uri="{FF2B5EF4-FFF2-40B4-BE49-F238E27FC236}">
-                <a16:creationId xmlns:a16="http://schemas.microsoft.com/office/drawing/2014/main" xmlns="" id="{93538C37-DD97-470D-974A-8F6E2646847B}"/>
+                <a16:creationId xmlns="" xmlns:a16="http://schemas.microsoft.com/office/drawing/2014/main" id="{93538C37-DD97-470D-974A-8F6E2646847B}"/>
               </a:ext>
             </a:extLst>
           </p:cNvPr>
@@ -1987,7 +1987,7 @@
           <p:cNvPr id="3" name="텍스트 개체 틀 2">
             <a:extLst>
               <a:ext uri="{FF2B5EF4-FFF2-40B4-BE49-F238E27FC236}">
-                <a16:creationId xmlns:a16="http://schemas.microsoft.com/office/drawing/2014/main" xmlns="" id="{4D817F81-074E-4263-9838-0D2507D4848C}"/>
+                <a16:creationId xmlns="" xmlns:a16="http://schemas.microsoft.com/office/drawing/2014/main" id="{4D817F81-074E-4263-9838-0D2507D4848C}"/>
               </a:ext>
             </a:extLst>
           </p:cNvPr>
@@ -2058,7 +2058,7 @@
           <p:cNvPr id="4" name="내용 개체 틀 3">
             <a:extLst>
               <a:ext uri="{FF2B5EF4-FFF2-40B4-BE49-F238E27FC236}">
-                <a16:creationId xmlns:a16="http://schemas.microsoft.com/office/drawing/2014/main" xmlns="" id="{CB7DB7DE-8DFF-4416-91B9-78A7C5DB121E}"/>
+                <a16:creationId xmlns="" xmlns:a16="http://schemas.microsoft.com/office/drawing/2014/main" id="{CB7DB7DE-8DFF-4416-91B9-78A7C5DB121E}"/>
               </a:ext>
             </a:extLst>
           </p:cNvPr>
@@ -2120,7 +2120,7 @@
           <p:cNvPr id="5" name="텍스트 개체 틀 4">
             <a:extLst>
               <a:ext uri="{FF2B5EF4-FFF2-40B4-BE49-F238E27FC236}">
-                <a16:creationId xmlns:a16="http://schemas.microsoft.com/office/drawing/2014/main" xmlns="" id="{B69B2BF4-F87A-42EF-B8D1-DF60A8B875C5}"/>
+                <a16:creationId xmlns="" xmlns:a16="http://schemas.microsoft.com/office/drawing/2014/main" id="{B69B2BF4-F87A-42EF-B8D1-DF60A8B875C5}"/>
               </a:ext>
             </a:extLst>
           </p:cNvPr>
@@ -2191,7 +2191,7 @@
           <p:cNvPr id="6" name="내용 개체 틀 5">
             <a:extLst>
               <a:ext uri="{FF2B5EF4-FFF2-40B4-BE49-F238E27FC236}">
-                <a16:creationId xmlns:a16="http://schemas.microsoft.com/office/drawing/2014/main" xmlns="" id="{4C11257B-855C-4027-B257-B1AA46D15D4B}"/>
+                <a16:creationId xmlns="" xmlns:a16="http://schemas.microsoft.com/office/drawing/2014/main" id="{4C11257B-855C-4027-B257-B1AA46D15D4B}"/>
               </a:ext>
             </a:extLst>
           </p:cNvPr>
@@ -2253,7 +2253,7 @@
           <p:cNvPr id="7" name="날짜 개체 틀 6">
             <a:extLst>
               <a:ext uri="{FF2B5EF4-FFF2-40B4-BE49-F238E27FC236}">
-                <a16:creationId xmlns:a16="http://schemas.microsoft.com/office/drawing/2014/main" xmlns="" id="{728AAFC6-55BE-4626-AF96-C7CCDAC0F2B0}"/>
+                <a16:creationId xmlns="" xmlns:a16="http://schemas.microsoft.com/office/drawing/2014/main" id="{728AAFC6-55BE-4626-AF96-C7CCDAC0F2B0}"/>
               </a:ext>
             </a:extLst>
           </p:cNvPr>
@@ -2282,7 +2282,7 @@
           <p:cNvPr id="8" name="바닥글 개체 틀 7">
             <a:extLst>
               <a:ext uri="{FF2B5EF4-FFF2-40B4-BE49-F238E27FC236}">
-                <a16:creationId xmlns:a16="http://schemas.microsoft.com/office/drawing/2014/main" xmlns="" id="{3EB61947-78EC-4DFE-AE18-BADFE946FCA1}"/>
+                <a16:creationId xmlns="" xmlns:a16="http://schemas.microsoft.com/office/drawing/2014/main" id="{3EB61947-78EC-4DFE-AE18-BADFE946FCA1}"/>
               </a:ext>
             </a:extLst>
           </p:cNvPr>
@@ -2307,7 +2307,7 @@
           <p:cNvPr id="9" name="슬라이드 번호 개체 틀 8">
             <a:extLst>
               <a:ext uri="{FF2B5EF4-FFF2-40B4-BE49-F238E27FC236}">
-                <a16:creationId xmlns:a16="http://schemas.microsoft.com/office/drawing/2014/main" xmlns="" id="{685261F2-9FFB-4E37-862F-6B9846E4C0CE}"/>
+                <a16:creationId xmlns="" xmlns:a16="http://schemas.microsoft.com/office/drawing/2014/main" id="{685261F2-9FFB-4E37-862F-6B9846E4C0CE}"/>
               </a:ext>
             </a:extLst>
           </p:cNvPr>
@@ -2366,7 +2366,7 @@
           <p:cNvPr id="2" name="제목 1">
             <a:extLst>
               <a:ext uri="{FF2B5EF4-FFF2-40B4-BE49-F238E27FC236}">
-                <a16:creationId xmlns:a16="http://schemas.microsoft.com/office/drawing/2014/main" xmlns="" id="{DBF0FBFD-50F2-4BA4-AF91-A95726D349E9}"/>
+                <a16:creationId xmlns="" xmlns:a16="http://schemas.microsoft.com/office/drawing/2014/main" id="{DBF0FBFD-50F2-4BA4-AF91-A95726D349E9}"/>
               </a:ext>
             </a:extLst>
           </p:cNvPr>
@@ -2394,7 +2394,7 @@
           <p:cNvPr id="3" name="날짜 개체 틀 2">
             <a:extLst>
               <a:ext uri="{FF2B5EF4-FFF2-40B4-BE49-F238E27FC236}">
-                <a16:creationId xmlns:a16="http://schemas.microsoft.com/office/drawing/2014/main" xmlns="" id="{E7D649F4-6054-4AAB-996F-0AB3C119A62C}"/>
+                <a16:creationId xmlns="" xmlns:a16="http://schemas.microsoft.com/office/drawing/2014/main" id="{E7D649F4-6054-4AAB-996F-0AB3C119A62C}"/>
               </a:ext>
             </a:extLst>
           </p:cNvPr>
@@ -2423,7 +2423,7 @@
           <p:cNvPr id="4" name="바닥글 개체 틀 3">
             <a:extLst>
               <a:ext uri="{FF2B5EF4-FFF2-40B4-BE49-F238E27FC236}">
-                <a16:creationId xmlns:a16="http://schemas.microsoft.com/office/drawing/2014/main" xmlns="" id="{811F19C3-44C7-45D0-81E8-9171D98B92DE}"/>
+                <a16:creationId xmlns="" xmlns:a16="http://schemas.microsoft.com/office/drawing/2014/main" id="{811F19C3-44C7-45D0-81E8-9171D98B92DE}"/>
               </a:ext>
             </a:extLst>
           </p:cNvPr>
@@ -2448,7 +2448,7 @@
           <p:cNvPr id="5" name="슬라이드 번호 개체 틀 4">
             <a:extLst>
               <a:ext uri="{FF2B5EF4-FFF2-40B4-BE49-F238E27FC236}">
-                <a16:creationId xmlns:a16="http://schemas.microsoft.com/office/drawing/2014/main" xmlns="" id="{A373D321-1F04-4E02-B67E-1D9488A7116C}"/>
+                <a16:creationId xmlns="" xmlns:a16="http://schemas.microsoft.com/office/drawing/2014/main" id="{A373D321-1F04-4E02-B67E-1D9488A7116C}"/>
               </a:ext>
             </a:extLst>
           </p:cNvPr>
@@ -2507,7 +2507,7 @@
           <p:cNvPr id="2" name="날짜 개체 틀 1">
             <a:extLst>
               <a:ext uri="{FF2B5EF4-FFF2-40B4-BE49-F238E27FC236}">
-                <a16:creationId xmlns:a16="http://schemas.microsoft.com/office/drawing/2014/main" xmlns="" id="{32F18568-ADFE-4891-B7FF-CA4C4751DAE6}"/>
+                <a16:creationId xmlns="" xmlns:a16="http://schemas.microsoft.com/office/drawing/2014/main" id="{32F18568-ADFE-4891-B7FF-CA4C4751DAE6}"/>
               </a:ext>
             </a:extLst>
           </p:cNvPr>
@@ -2536,7 +2536,7 @@
           <p:cNvPr id="3" name="바닥글 개체 틀 2">
             <a:extLst>
               <a:ext uri="{FF2B5EF4-FFF2-40B4-BE49-F238E27FC236}">
-                <a16:creationId xmlns:a16="http://schemas.microsoft.com/office/drawing/2014/main" xmlns="" id="{8CD4EBBE-ABDC-4556-A9E0-9FA9D374FF3A}"/>
+                <a16:creationId xmlns="" xmlns:a16="http://schemas.microsoft.com/office/drawing/2014/main" id="{8CD4EBBE-ABDC-4556-A9E0-9FA9D374FF3A}"/>
               </a:ext>
             </a:extLst>
           </p:cNvPr>
@@ -2561,7 +2561,7 @@
           <p:cNvPr id="4" name="슬라이드 번호 개체 틀 3">
             <a:extLst>
               <a:ext uri="{FF2B5EF4-FFF2-40B4-BE49-F238E27FC236}">
-                <a16:creationId xmlns:a16="http://schemas.microsoft.com/office/drawing/2014/main" xmlns="" id="{BC693806-1B50-490D-927B-39FA5BF532A4}"/>
+                <a16:creationId xmlns="" xmlns:a16="http://schemas.microsoft.com/office/drawing/2014/main" id="{BC693806-1B50-490D-927B-39FA5BF532A4}"/>
               </a:ext>
             </a:extLst>
           </p:cNvPr>
@@ -2620,7 +2620,7 @@
           <p:cNvPr id="2" name="제목 1">
             <a:extLst>
               <a:ext uri="{FF2B5EF4-FFF2-40B4-BE49-F238E27FC236}">
-                <a16:creationId xmlns:a16="http://schemas.microsoft.com/office/drawing/2014/main" xmlns="" id="{44AA0496-6910-4F73-AECB-399703A12EC6}"/>
+                <a16:creationId xmlns="" xmlns:a16="http://schemas.microsoft.com/office/drawing/2014/main" id="{44AA0496-6910-4F73-AECB-399703A12EC6}"/>
               </a:ext>
             </a:extLst>
           </p:cNvPr>
@@ -2657,7 +2657,7 @@
           <p:cNvPr id="3" name="내용 개체 틀 2">
             <a:extLst>
               <a:ext uri="{FF2B5EF4-FFF2-40B4-BE49-F238E27FC236}">
-                <a16:creationId xmlns:a16="http://schemas.microsoft.com/office/drawing/2014/main" xmlns="" id="{5F63F752-8AB8-406F-9820-D625F6D77465}"/>
+                <a16:creationId xmlns="" xmlns:a16="http://schemas.microsoft.com/office/drawing/2014/main" id="{5F63F752-8AB8-406F-9820-D625F6D77465}"/>
               </a:ext>
             </a:extLst>
           </p:cNvPr>
@@ -2747,7 +2747,7 @@
           <p:cNvPr id="4" name="텍스트 개체 틀 3">
             <a:extLst>
               <a:ext uri="{FF2B5EF4-FFF2-40B4-BE49-F238E27FC236}">
-                <a16:creationId xmlns:a16="http://schemas.microsoft.com/office/drawing/2014/main" xmlns="" id="{320E7E21-BCC1-4E46-A0E9-7427A7F1015A}"/>
+                <a16:creationId xmlns="" xmlns:a16="http://schemas.microsoft.com/office/drawing/2014/main" id="{320E7E21-BCC1-4E46-A0E9-7427A7F1015A}"/>
               </a:ext>
             </a:extLst>
           </p:cNvPr>
@@ -2818,7 +2818,7 @@
           <p:cNvPr id="5" name="날짜 개체 틀 4">
             <a:extLst>
               <a:ext uri="{FF2B5EF4-FFF2-40B4-BE49-F238E27FC236}">
-                <a16:creationId xmlns:a16="http://schemas.microsoft.com/office/drawing/2014/main" xmlns="" id="{A85CFFBA-C37C-4D62-9CEA-34B8E7B3AA5A}"/>
+                <a16:creationId xmlns="" xmlns:a16="http://schemas.microsoft.com/office/drawing/2014/main" id="{A85CFFBA-C37C-4D62-9CEA-34B8E7B3AA5A}"/>
               </a:ext>
             </a:extLst>
           </p:cNvPr>
@@ -2847,7 +2847,7 @@
           <p:cNvPr id="6" name="바닥글 개체 틀 5">
             <a:extLst>
               <a:ext uri="{FF2B5EF4-FFF2-40B4-BE49-F238E27FC236}">
-                <a16:creationId xmlns:a16="http://schemas.microsoft.com/office/drawing/2014/main" xmlns="" id="{762DB06D-E2F3-4C24-B585-E1582E8DF577}"/>
+                <a16:creationId xmlns="" xmlns:a16="http://schemas.microsoft.com/office/drawing/2014/main" id="{762DB06D-E2F3-4C24-B585-E1582E8DF577}"/>
               </a:ext>
             </a:extLst>
           </p:cNvPr>
@@ -2872,7 +2872,7 @@
           <p:cNvPr id="7" name="슬라이드 번호 개체 틀 6">
             <a:extLst>
               <a:ext uri="{FF2B5EF4-FFF2-40B4-BE49-F238E27FC236}">
-                <a16:creationId xmlns:a16="http://schemas.microsoft.com/office/drawing/2014/main" xmlns="" id="{DF237AD2-DD7B-447F-A38A-D4E5E769E31B}"/>
+                <a16:creationId xmlns="" xmlns:a16="http://schemas.microsoft.com/office/drawing/2014/main" id="{DF237AD2-DD7B-447F-A38A-D4E5E769E31B}"/>
               </a:ext>
             </a:extLst>
           </p:cNvPr>
@@ -2931,7 +2931,7 @@
           <p:cNvPr id="2" name="제목 1">
             <a:extLst>
               <a:ext uri="{FF2B5EF4-FFF2-40B4-BE49-F238E27FC236}">
-                <a16:creationId xmlns:a16="http://schemas.microsoft.com/office/drawing/2014/main" xmlns="" id="{12CF1765-527F-48FA-B956-DE872DCCAEEA}"/>
+                <a16:creationId xmlns="" xmlns:a16="http://schemas.microsoft.com/office/drawing/2014/main" id="{12CF1765-527F-48FA-B956-DE872DCCAEEA}"/>
               </a:ext>
             </a:extLst>
           </p:cNvPr>
@@ -2968,7 +2968,7 @@
           <p:cNvPr id="3" name="그림 개체 틀 2">
             <a:extLst>
               <a:ext uri="{FF2B5EF4-FFF2-40B4-BE49-F238E27FC236}">
-                <a16:creationId xmlns:a16="http://schemas.microsoft.com/office/drawing/2014/main" xmlns="" id="{413FBCB9-B2EA-4F7B-8D8B-2BDE91EEF613}"/>
+                <a16:creationId xmlns="" xmlns:a16="http://schemas.microsoft.com/office/drawing/2014/main" id="{413FBCB9-B2EA-4F7B-8D8B-2BDE91EEF613}"/>
               </a:ext>
             </a:extLst>
           </p:cNvPr>
@@ -3035,7 +3035,7 @@
           <p:cNvPr id="4" name="텍스트 개체 틀 3">
             <a:extLst>
               <a:ext uri="{FF2B5EF4-FFF2-40B4-BE49-F238E27FC236}">
-                <a16:creationId xmlns:a16="http://schemas.microsoft.com/office/drawing/2014/main" xmlns="" id="{14FF4D9B-ADE8-4EAE-94FD-25D67B1B2161}"/>
+                <a16:creationId xmlns="" xmlns:a16="http://schemas.microsoft.com/office/drawing/2014/main" id="{14FF4D9B-ADE8-4EAE-94FD-25D67B1B2161}"/>
               </a:ext>
             </a:extLst>
           </p:cNvPr>
@@ -3106,7 +3106,7 @@
           <p:cNvPr id="5" name="날짜 개체 틀 4">
             <a:extLst>
               <a:ext uri="{FF2B5EF4-FFF2-40B4-BE49-F238E27FC236}">
-                <a16:creationId xmlns:a16="http://schemas.microsoft.com/office/drawing/2014/main" xmlns="" id="{C86B8B27-A14E-4B7E-87B3-DEAEFEEF4B55}"/>
+                <a16:creationId xmlns="" xmlns:a16="http://schemas.microsoft.com/office/drawing/2014/main" id="{C86B8B27-A14E-4B7E-87B3-DEAEFEEF4B55}"/>
               </a:ext>
             </a:extLst>
           </p:cNvPr>
@@ -3135,7 +3135,7 @@
           <p:cNvPr id="6" name="바닥글 개체 틀 5">
             <a:extLst>
               <a:ext uri="{FF2B5EF4-FFF2-40B4-BE49-F238E27FC236}">
-                <a16:creationId xmlns:a16="http://schemas.microsoft.com/office/drawing/2014/main" xmlns="" id="{BB4F226D-AF6E-42B7-9604-1582FF825BB1}"/>
+                <a16:creationId xmlns="" xmlns:a16="http://schemas.microsoft.com/office/drawing/2014/main" id="{BB4F226D-AF6E-42B7-9604-1582FF825BB1}"/>
               </a:ext>
             </a:extLst>
           </p:cNvPr>
@@ -3160,7 +3160,7 @@
           <p:cNvPr id="7" name="슬라이드 번호 개체 틀 6">
             <a:extLst>
               <a:ext uri="{FF2B5EF4-FFF2-40B4-BE49-F238E27FC236}">
-                <a16:creationId xmlns:a16="http://schemas.microsoft.com/office/drawing/2014/main" xmlns="" id="{9B0B8D9E-3116-40FA-B79B-39733DB43611}"/>
+                <a16:creationId xmlns="" xmlns:a16="http://schemas.microsoft.com/office/drawing/2014/main" id="{9B0B8D9E-3116-40FA-B79B-39733DB43611}"/>
               </a:ext>
             </a:extLst>
           </p:cNvPr>
@@ -3224,7 +3224,7 @@
           <p:cNvPr id="2" name="제목 개체 틀 1">
             <a:extLst>
               <a:ext uri="{FF2B5EF4-FFF2-40B4-BE49-F238E27FC236}">
-                <a16:creationId xmlns:a16="http://schemas.microsoft.com/office/drawing/2014/main" xmlns="" id="{C101A63D-0729-4D45-9D5A-22B6DB401160}"/>
+                <a16:creationId xmlns="" xmlns:a16="http://schemas.microsoft.com/office/drawing/2014/main" id="{C101A63D-0729-4D45-9D5A-22B6DB401160}"/>
               </a:ext>
             </a:extLst>
           </p:cNvPr>
@@ -3262,7 +3262,7 @@
           <p:cNvPr id="3" name="텍스트 개체 틀 2">
             <a:extLst>
               <a:ext uri="{FF2B5EF4-FFF2-40B4-BE49-F238E27FC236}">
-                <a16:creationId xmlns:a16="http://schemas.microsoft.com/office/drawing/2014/main" xmlns="" id="{0D186F70-45A7-41AB-B766-CDDD2092E961}"/>
+                <a16:creationId xmlns="" xmlns:a16="http://schemas.microsoft.com/office/drawing/2014/main" id="{0D186F70-45A7-41AB-B766-CDDD2092E961}"/>
               </a:ext>
             </a:extLst>
           </p:cNvPr>
@@ -3329,7 +3329,7 @@
           <p:cNvPr id="4" name="날짜 개체 틀 3">
             <a:extLst>
               <a:ext uri="{FF2B5EF4-FFF2-40B4-BE49-F238E27FC236}">
-                <a16:creationId xmlns:a16="http://schemas.microsoft.com/office/drawing/2014/main" xmlns="" id="{898E8EDB-5D20-44AE-9A1D-57309DFE2D58}"/>
+                <a16:creationId xmlns="" xmlns:a16="http://schemas.microsoft.com/office/drawing/2014/main" id="{898E8EDB-5D20-44AE-9A1D-57309DFE2D58}"/>
               </a:ext>
             </a:extLst>
           </p:cNvPr>
@@ -3376,7 +3376,7 @@
           <p:cNvPr id="5" name="바닥글 개체 틀 4">
             <a:extLst>
               <a:ext uri="{FF2B5EF4-FFF2-40B4-BE49-F238E27FC236}">
-                <a16:creationId xmlns:a16="http://schemas.microsoft.com/office/drawing/2014/main" xmlns="" id="{8466EF01-2EE2-41D4-90FC-B6A3832DE762}"/>
+                <a16:creationId xmlns="" xmlns:a16="http://schemas.microsoft.com/office/drawing/2014/main" id="{8466EF01-2EE2-41D4-90FC-B6A3832DE762}"/>
               </a:ext>
             </a:extLst>
           </p:cNvPr>
@@ -3419,7 +3419,7 @@
           <p:cNvPr id="6" name="슬라이드 번호 개체 틀 5">
             <a:extLst>
               <a:ext uri="{FF2B5EF4-FFF2-40B4-BE49-F238E27FC236}">
-                <a16:creationId xmlns:a16="http://schemas.microsoft.com/office/drawing/2014/main" xmlns="" id="{9847751F-DD54-43DF-8B1A-4DC0BC280A82}"/>
+                <a16:creationId xmlns="" xmlns:a16="http://schemas.microsoft.com/office/drawing/2014/main" id="{9847751F-DD54-43DF-8B1A-4DC0BC280A82}"/>
               </a:ext>
             </a:extLst>
           </p:cNvPr>
@@ -3916,8 +3916,8 @@
         </p:nvCxnSpPr>
         <p:spPr>
           <a:xfrm flipH="1" flipV="1">
-            <a:off x="9964233" y="567781"/>
-            <a:ext cx="1284334" cy="1870886"/>
+            <a:off x="9793861" y="1327661"/>
+            <a:ext cx="1454706" cy="1111006"/>
           </a:xfrm>
           <a:prstGeom prst="straightConnector1">
             <a:avLst/>
@@ -3944,9 +3944,9 @@
           <p:nvPr/>
         </p:nvCxnSpPr>
         <p:spPr>
-          <a:xfrm flipH="1">
-            <a:off x="9964233" y="2438667"/>
-            <a:ext cx="1284334" cy="492461"/>
+          <a:xfrm flipH="1" flipV="1">
+            <a:off x="9793861" y="375674"/>
+            <a:ext cx="1454706" cy="2062993"/>
           </a:xfrm>
           <a:prstGeom prst="straightConnector1">
             <a:avLst/>
@@ -3974,8 +3974,8 @@
         </p:nvCxnSpPr>
         <p:spPr>
           <a:xfrm flipH="1" flipV="1">
-            <a:off x="9903932" y="1347425"/>
-            <a:ext cx="1344635" cy="1091242"/>
+            <a:off x="9793861" y="2279648"/>
+            <a:ext cx="1454706" cy="159019"/>
           </a:xfrm>
           <a:prstGeom prst="straightConnector1">
             <a:avLst/>
@@ -4000,7 +4000,7 @@
         </p:nvSpPr>
         <p:spPr>
           <a:xfrm>
-            <a:off x="8094633" y="311781"/>
+            <a:off x="7924261" y="1071661"/>
             <a:ext cx="1869600" cy="512000"/>
           </a:xfrm>
           <a:prstGeom prst="rect">
@@ -4046,7 +4046,7 @@
         </p:nvSpPr>
         <p:spPr>
           <a:xfrm>
-            <a:off x="8034332" y="1091425"/>
+            <a:off x="7924261" y="2023648"/>
             <a:ext cx="1869600" cy="512000"/>
           </a:xfrm>
           <a:prstGeom prst="rect">
@@ -4074,7 +4074,19 @@
             <a:pPr algn="ctr"/>
             <a:r>
               <a:rPr lang="ko-KR" altLang="en-US" sz="1333" dirty="0" smtClean="0"/>
-              <a:t>추천상품 관리</a:t>
+              <a:t>메인 화면</a:t>
+            </a:r>
+            <a:endParaRPr lang="en-US" altLang="ko-KR" sz="1333" dirty="0" smtClean="0"/>
+          </a:p>
+          <a:p>
+            <a:pPr algn="ctr"/>
+            <a:r>
+              <a:rPr lang="ko-KR" altLang="en-US" sz="1333" dirty="0" smtClean="0"/>
+              <a:t>추천상품 </a:t>
+            </a:r>
+            <a:r>
+              <a:rPr lang="ko-KR" altLang="en-US" sz="1333" dirty="0" smtClean="0"/>
+              <a:t>관리</a:t>
             </a:r>
             <a:endParaRPr sz="1333" dirty="0"/>
           </a:p>
@@ -4088,7 +4100,7 @@
         </p:nvSpPr>
         <p:spPr>
           <a:xfrm>
-            <a:off x="8323233" y="4423868"/>
+            <a:off x="7924261" y="5831594"/>
             <a:ext cx="1869600" cy="512000"/>
           </a:xfrm>
           <a:prstGeom prst="rect">
@@ -4130,7 +4142,7 @@
               <a:rPr lang="ko-KR" altLang="en-US" sz="1333" dirty="0"/>
               <a:t>관리</a:t>
             </a:r>
-            <a:endParaRPr sz="1333" dirty="0"/>
+            <a:endParaRPr sz="1333" b="1" dirty="0"/>
           </a:p>
         </p:txBody>
       </p:sp>
@@ -4142,7 +4154,7 @@
         </p:nvSpPr>
         <p:spPr>
           <a:xfrm>
-            <a:off x="8323233" y="3489133"/>
+            <a:off x="7924261" y="3927622"/>
             <a:ext cx="1869600" cy="512000"/>
           </a:xfrm>
           <a:prstGeom prst="rect">
@@ -4188,7 +4200,7 @@
         </p:nvSpPr>
         <p:spPr>
           <a:xfrm>
-            <a:off x="8094633" y="2675128"/>
+            <a:off x="7924261" y="119674"/>
             <a:ext cx="1869600" cy="512000"/>
           </a:xfrm>
           <a:prstGeom prst="rect">
@@ -4233,8 +4245,8 @@
         </p:nvCxnSpPr>
         <p:spPr>
           <a:xfrm flipH="1">
-            <a:off x="10192833" y="2438667"/>
-            <a:ext cx="1055734" cy="2241201"/>
+            <a:off x="9793861" y="2438667"/>
+            <a:ext cx="1454706" cy="3648927"/>
           </a:xfrm>
           <a:prstGeom prst="straightConnector1">
             <a:avLst/>
@@ -4262,8 +4274,8 @@
         </p:nvCxnSpPr>
         <p:spPr>
           <a:xfrm flipH="1">
-            <a:off x="10192967" y="2438667"/>
-            <a:ext cx="1055600" cy="1306400"/>
+            <a:off x="9793861" y="2438667"/>
+            <a:ext cx="1454706" cy="1744955"/>
           </a:xfrm>
           <a:prstGeom prst="straightConnector1">
             <a:avLst/>
@@ -4285,7 +4297,7 @@
           <p:cNvPr id="132" name="Google Shape;102;p13">
             <a:extLst>
               <a:ext uri="{FF2B5EF4-FFF2-40B4-BE49-F238E27FC236}">
-                <a16:creationId xmlns:a16="http://schemas.microsoft.com/office/drawing/2014/main" xmlns="" id="{D4EAD755-BB98-41D1-9C16-8CC51AD0D492}"/>
+                <a16:creationId xmlns="" xmlns:a16="http://schemas.microsoft.com/office/drawing/2014/main" id="{D4EAD755-BB98-41D1-9C16-8CC51AD0D492}"/>
               </a:ext>
             </a:extLst>
           </p:cNvPr>
@@ -4294,8 +4306,8 @@
         </p:nvSpPr>
         <p:spPr>
           <a:xfrm>
-            <a:off x="1835908" y="3230064"/>
-            <a:ext cx="1869600" cy="512000"/>
+            <a:off x="1835907" y="2988101"/>
+            <a:ext cx="2219626" cy="412143"/>
           </a:xfrm>
           <a:prstGeom prst="rect">
             <a:avLst/>
@@ -4341,7 +4353,7 @@
           <p:cNvPr id="133" name="Google Shape;102;p13">
             <a:extLst>
               <a:ext uri="{FF2B5EF4-FFF2-40B4-BE49-F238E27FC236}">
-                <a16:creationId xmlns:a16="http://schemas.microsoft.com/office/drawing/2014/main" xmlns="" id="{85AB7D6F-8B57-4DEC-9E37-3F7B85052802}"/>
+                <a16:creationId xmlns="" xmlns:a16="http://schemas.microsoft.com/office/drawing/2014/main" id="{85AB7D6F-8B57-4DEC-9E37-3F7B85052802}"/>
               </a:ext>
             </a:extLst>
           </p:cNvPr>
@@ -4350,8 +4362,8 @@
         </p:nvSpPr>
         <p:spPr>
           <a:xfrm>
-            <a:off x="1835908" y="5661597"/>
-            <a:ext cx="1869600" cy="512000"/>
+            <a:off x="1835907" y="5756671"/>
+            <a:ext cx="2219626" cy="412143"/>
           </a:xfrm>
           <a:prstGeom prst="rect">
             <a:avLst/>
@@ -4393,7 +4405,7 @@
           <p:cNvPr id="134" name="Google Shape;102;p13">
             <a:extLst>
               <a:ext uri="{FF2B5EF4-FFF2-40B4-BE49-F238E27FC236}">
-                <a16:creationId xmlns:a16="http://schemas.microsoft.com/office/drawing/2014/main" xmlns="" id="{D3A6E16D-F04D-438A-910E-015063641DEE}"/>
+                <a16:creationId xmlns="" xmlns:a16="http://schemas.microsoft.com/office/drawing/2014/main" id="{D3A6E16D-F04D-438A-910E-015063641DEE}"/>
               </a:ext>
             </a:extLst>
           </p:cNvPr>
@@ -4402,8 +4414,8 @@
         </p:nvSpPr>
         <p:spPr>
           <a:xfrm>
-            <a:off x="4811672" y="824914"/>
-            <a:ext cx="1630408" cy="339162"/>
+            <a:off x="4811672" y="961608"/>
+            <a:ext cx="1699072" cy="339162"/>
           </a:xfrm>
           <a:prstGeom prst="rect">
             <a:avLst/>
@@ -4445,7 +4457,7 @@
           <p:cNvPr id="13" name="직선 화살표 연결선 12">
             <a:extLst>
               <a:ext uri="{FF2B5EF4-FFF2-40B4-BE49-F238E27FC236}">
-                <a16:creationId xmlns:a16="http://schemas.microsoft.com/office/drawing/2014/main" xmlns="" id="{8D075E94-0CF2-4C33-9C68-54B7C926C541}"/>
+                <a16:creationId xmlns="" xmlns:a16="http://schemas.microsoft.com/office/drawing/2014/main" id="{8D075E94-0CF2-4C33-9C68-54B7C926C541}"/>
               </a:ext>
             </a:extLst>
           </p:cNvPr>
@@ -4457,8 +4469,8 @@
         </p:nvCxnSpPr>
         <p:spPr>
           <a:xfrm flipH="1">
-            <a:off x="3705508" y="994495"/>
-            <a:ext cx="1106164" cy="2491569"/>
+            <a:off x="4055533" y="1131189"/>
+            <a:ext cx="756139" cy="2062984"/>
           </a:xfrm>
           <a:prstGeom prst="straightConnector1">
             <a:avLst/>
@@ -4487,7 +4499,7 @@
           <p:cNvPr id="135" name="Google Shape;102;p13">
             <a:extLst>
               <a:ext uri="{FF2B5EF4-FFF2-40B4-BE49-F238E27FC236}">
-                <a16:creationId xmlns:a16="http://schemas.microsoft.com/office/drawing/2014/main" xmlns="" id="{5101804D-D6A1-4286-8A27-033B15070974}"/>
+                <a16:creationId xmlns="" xmlns:a16="http://schemas.microsoft.com/office/drawing/2014/main" id="{5101804D-D6A1-4286-8A27-033B15070974}"/>
               </a:ext>
             </a:extLst>
           </p:cNvPr>
@@ -4496,8 +4508,8 @@
         </p:nvSpPr>
         <p:spPr>
           <a:xfrm>
-            <a:off x="4811672" y="1408807"/>
-            <a:ext cx="1630408" cy="542259"/>
+            <a:off x="4811672" y="1444155"/>
+            <a:ext cx="1699072" cy="542259"/>
           </a:xfrm>
           <a:prstGeom prst="rect">
             <a:avLst/>
@@ -4524,11 +4536,19 @@
             <a:pPr algn="ctr"/>
             <a:r>
               <a:rPr lang="ko-KR" altLang="en-US" sz="1333" dirty="0"/>
-              <a:t>메인 화면 </a:t>
+              <a:t>메인 </a:t>
             </a:r>
             <a:r>
               <a:rPr lang="ko-KR" altLang="en-US" sz="1333" dirty="0" smtClean="0"/>
-              <a:t>추천 아이템</a:t>
+              <a:t>화면</a:t>
+            </a:r>
+            <a:endParaRPr lang="en-US" altLang="ko-KR" sz="1333" dirty="0" smtClean="0"/>
+          </a:p>
+          <a:p>
+            <a:pPr algn="ctr"/>
+            <a:r>
+              <a:rPr lang="ko-KR" altLang="en-US" sz="1333" dirty="0" smtClean="0"/>
+              <a:t>추천 상품 조회</a:t>
             </a:r>
             <a:endParaRPr sz="1333" dirty="0"/>
           </a:p>
@@ -4539,7 +4559,7 @@
           <p:cNvPr id="21" name="직선 화살표 연결선 20">
             <a:extLst>
               <a:ext uri="{FF2B5EF4-FFF2-40B4-BE49-F238E27FC236}">
-                <a16:creationId xmlns:a16="http://schemas.microsoft.com/office/drawing/2014/main" xmlns="" id="{A104D6FE-FDB9-4CFD-80F0-810AB4EDD095}"/>
+                <a16:creationId xmlns="" xmlns:a16="http://schemas.microsoft.com/office/drawing/2014/main" id="{A104D6FE-FDB9-4CFD-80F0-810AB4EDD095}"/>
               </a:ext>
             </a:extLst>
           </p:cNvPr>
@@ -4552,8 +4572,8 @@
         </p:nvCxnSpPr>
         <p:spPr>
           <a:xfrm flipH="1">
-            <a:off x="3705508" y="1679937"/>
-            <a:ext cx="1106164" cy="1806127"/>
+            <a:off x="4055533" y="1715285"/>
+            <a:ext cx="756139" cy="1478888"/>
           </a:xfrm>
           <a:prstGeom prst="straightConnector1">
             <a:avLst/>
@@ -4582,7 +4602,7 @@
           <p:cNvPr id="136" name="Google Shape;102;p13">
             <a:extLst>
               <a:ext uri="{FF2B5EF4-FFF2-40B4-BE49-F238E27FC236}">
-                <a16:creationId xmlns:a16="http://schemas.microsoft.com/office/drawing/2014/main" xmlns="" id="{737557CC-446E-40A6-A817-32FD75CC9000}"/>
+                <a16:creationId xmlns="" xmlns:a16="http://schemas.microsoft.com/office/drawing/2014/main" id="{737557CC-446E-40A6-A817-32FD75CC9000}"/>
               </a:ext>
             </a:extLst>
           </p:cNvPr>
@@ -4591,8 +4611,8 @@
         </p:nvSpPr>
         <p:spPr>
           <a:xfrm>
-            <a:off x="4811672" y="2132869"/>
-            <a:ext cx="1630408" cy="542259"/>
+            <a:off x="4811672" y="2129799"/>
+            <a:ext cx="1699072" cy="542259"/>
           </a:xfrm>
           <a:prstGeom prst="rect">
             <a:avLst/>
@@ -4618,16 +4638,20 @@
           <a:p>
             <a:pPr algn="ctr"/>
             <a:r>
-              <a:rPr lang="ko-KR" altLang="en-US" sz="1333" dirty="0" err="1"/>
+              <a:rPr lang="ko-KR" altLang="en-US" sz="1333" dirty="0" err="1" smtClean="0"/>
               <a:t>카테고리별</a:t>
             </a:r>
-            <a:r>
-              <a:rPr lang="ko-KR" altLang="en-US" sz="1333" dirty="0"/>
-              <a:t> </a:t>
-            </a:r>
+            <a:endParaRPr lang="en-US" altLang="ko-KR" sz="1333" dirty="0" smtClean="0"/>
+          </a:p>
+          <a:p>
+            <a:pPr algn="ctr"/>
             <a:r>
               <a:rPr lang="ko-KR" altLang="en-US" sz="1333" dirty="0" smtClean="0"/>
-              <a:t>아이템 조회</a:t>
+              <a:t>아이템 </a:t>
+            </a:r>
+            <a:r>
+              <a:rPr lang="ko-KR" altLang="en-US" sz="1333" dirty="0" smtClean="0"/>
+              <a:t>조회</a:t>
             </a:r>
             <a:endParaRPr sz="1333" dirty="0"/>
           </a:p>
@@ -4638,7 +4662,7 @@
           <p:cNvPr id="26" name="직선 화살표 연결선 25">
             <a:extLst>
               <a:ext uri="{FF2B5EF4-FFF2-40B4-BE49-F238E27FC236}">
-                <a16:creationId xmlns:a16="http://schemas.microsoft.com/office/drawing/2014/main" xmlns="" id="{EB97819E-5731-4A26-AD2A-4CA936973276}"/>
+                <a16:creationId xmlns="" xmlns:a16="http://schemas.microsoft.com/office/drawing/2014/main" id="{EB97819E-5731-4A26-AD2A-4CA936973276}"/>
               </a:ext>
             </a:extLst>
           </p:cNvPr>
@@ -4650,8 +4674,8 @@
         </p:nvCxnSpPr>
         <p:spPr>
           <a:xfrm flipH="1">
-            <a:off x="3705508" y="2403999"/>
-            <a:ext cx="1106164" cy="1082065"/>
+            <a:off x="4055533" y="2400929"/>
+            <a:ext cx="756139" cy="793244"/>
           </a:xfrm>
           <a:prstGeom prst="straightConnector1">
             <a:avLst/>
@@ -4680,7 +4704,7 @@
           <p:cNvPr id="28" name="직선 화살표 연결선 27">
             <a:extLst>
               <a:ext uri="{FF2B5EF4-FFF2-40B4-BE49-F238E27FC236}">
-                <a16:creationId xmlns:a16="http://schemas.microsoft.com/office/drawing/2014/main" xmlns="" id="{772C3FB8-3FDC-4065-966D-CC2A9530C386}"/>
+                <a16:creationId xmlns="" xmlns:a16="http://schemas.microsoft.com/office/drawing/2014/main" id="{772C3FB8-3FDC-4065-966D-CC2A9530C386}"/>
               </a:ext>
             </a:extLst>
           </p:cNvPr>
@@ -4691,9 +4715,9 @@
           <p:nvPr/>
         </p:nvCxnSpPr>
         <p:spPr>
-          <a:xfrm>
-            <a:off x="957867" y="3231325"/>
-            <a:ext cx="878041" cy="254739"/>
+          <a:xfrm flipV="1">
+            <a:off x="957867" y="3194173"/>
+            <a:ext cx="878040" cy="37152"/>
           </a:xfrm>
           <a:prstGeom prst="straightConnector1">
             <a:avLst/>
@@ -4722,7 +4746,7 @@
           <p:cNvPr id="40" name="직선 화살표 연결선 39">
             <a:extLst>
               <a:ext uri="{FF2B5EF4-FFF2-40B4-BE49-F238E27FC236}">
-                <a16:creationId xmlns:a16="http://schemas.microsoft.com/office/drawing/2014/main" xmlns="" id="{9BAA9AE0-8263-4AD7-8D96-4564D0DF4032}"/>
+                <a16:creationId xmlns="" xmlns:a16="http://schemas.microsoft.com/office/drawing/2014/main" id="{9BAA9AE0-8263-4AD7-8D96-4564D0DF4032}"/>
               </a:ext>
             </a:extLst>
           </p:cNvPr>
@@ -4735,7 +4759,7 @@
         <p:spPr>
           <a:xfrm>
             <a:off x="957867" y="3231325"/>
-            <a:ext cx="878041" cy="2686272"/>
+            <a:ext cx="878040" cy="2731418"/>
           </a:xfrm>
           <a:prstGeom prst="straightConnector1">
             <a:avLst/>
@@ -4764,7 +4788,7 @@
           <p:cNvPr id="140" name="Google Shape;102;p13">
             <a:extLst>
               <a:ext uri="{FF2B5EF4-FFF2-40B4-BE49-F238E27FC236}">
-                <a16:creationId xmlns:a16="http://schemas.microsoft.com/office/drawing/2014/main" xmlns="" id="{66D0C005-DEF3-48FD-A074-0C0ABD142A2A}"/>
+                <a16:creationId xmlns="" xmlns:a16="http://schemas.microsoft.com/office/drawing/2014/main" id="{66D0C005-DEF3-48FD-A074-0C0ABD142A2A}"/>
               </a:ext>
             </a:extLst>
           </p:cNvPr>
@@ -4773,8 +4797,8 @@
         </p:nvSpPr>
         <p:spPr>
           <a:xfrm>
-            <a:off x="1835908" y="3880554"/>
-            <a:ext cx="1869600" cy="512000"/>
+            <a:off x="1835907" y="3541815"/>
+            <a:ext cx="2219626" cy="412143"/>
           </a:xfrm>
           <a:prstGeom prst="rect">
             <a:avLst/>
@@ -4816,7 +4840,7 @@
           <p:cNvPr id="142" name="Google Shape;102;p13">
             <a:extLst>
               <a:ext uri="{FF2B5EF4-FFF2-40B4-BE49-F238E27FC236}">
-                <a16:creationId xmlns:a16="http://schemas.microsoft.com/office/drawing/2014/main" xmlns="" id="{FD360B97-08F3-48C9-BA9A-3E33688CFEA6}"/>
+                <a16:creationId xmlns="" xmlns:a16="http://schemas.microsoft.com/office/drawing/2014/main" id="{FD360B97-08F3-48C9-BA9A-3E33688CFEA6}"/>
               </a:ext>
             </a:extLst>
           </p:cNvPr>
@@ -4825,8 +4849,8 @@
         </p:nvSpPr>
         <p:spPr>
           <a:xfrm>
-            <a:off x="4811672" y="2885506"/>
-            <a:ext cx="1054029" cy="353851"/>
+            <a:off x="4811672" y="2815443"/>
+            <a:ext cx="1699072" cy="353851"/>
           </a:xfrm>
           <a:prstGeom prst="rect">
             <a:avLst/>
@@ -4864,7 +4888,7 @@
           <p:cNvPr id="143" name="Google Shape;102;p13">
             <a:extLst>
               <a:ext uri="{FF2B5EF4-FFF2-40B4-BE49-F238E27FC236}">
-                <a16:creationId xmlns:a16="http://schemas.microsoft.com/office/drawing/2014/main" xmlns="" id="{BD2B7044-AE64-4FDD-A94F-3B6D34A54012}"/>
+                <a16:creationId xmlns="" xmlns:a16="http://schemas.microsoft.com/office/drawing/2014/main" id="{BD2B7044-AE64-4FDD-A94F-3B6D34A54012}"/>
               </a:ext>
             </a:extLst>
           </p:cNvPr>
@@ -4873,8 +4897,8 @@
         </p:nvSpPr>
         <p:spPr>
           <a:xfrm>
-            <a:off x="5330805" y="4287897"/>
-            <a:ext cx="1054029" cy="353851"/>
+            <a:off x="4811673" y="4110102"/>
+            <a:ext cx="1699072" cy="353851"/>
           </a:xfrm>
           <a:prstGeom prst="rect">
             <a:avLst/>
@@ -4900,8 +4924,8 @@
           <a:p>
             <a:pPr algn="ctr"/>
             <a:r>
-              <a:rPr lang="ko-KR" altLang="en-US" sz="1333" dirty="0"/>
-              <a:t>평점</a:t>
+              <a:rPr lang="ko-KR" altLang="en-US" sz="1333" dirty="0" smtClean="0"/>
+              <a:t>평점 등록</a:t>
             </a:r>
             <a:endParaRPr sz="1333" dirty="0"/>
           </a:p>
@@ -4912,7 +4936,7 @@
           <p:cNvPr id="145" name="직선 화살표 연결선 144">
             <a:extLst>
               <a:ext uri="{FF2B5EF4-FFF2-40B4-BE49-F238E27FC236}">
-                <a16:creationId xmlns:a16="http://schemas.microsoft.com/office/drawing/2014/main" xmlns="" id="{36BE17A4-D36C-4B3A-A5DF-EECDF148F3CC}"/>
+                <a16:creationId xmlns="" xmlns:a16="http://schemas.microsoft.com/office/drawing/2014/main" id="{36BE17A4-D36C-4B3A-A5DF-EECDF148F3CC}"/>
               </a:ext>
             </a:extLst>
           </p:cNvPr>
@@ -4924,8 +4948,8 @@
         </p:nvCxnSpPr>
         <p:spPr>
           <a:xfrm flipH="1">
-            <a:off x="3705508" y="3062432"/>
-            <a:ext cx="1106164" cy="423632"/>
+            <a:off x="4055533" y="2992369"/>
+            <a:ext cx="756139" cy="201804"/>
           </a:xfrm>
           <a:prstGeom prst="straightConnector1">
             <a:avLst/>
@@ -4954,7 +4978,7 @@
           <p:cNvPr id="147" name="직선 화살표 연결선 146">
             <a:extLst>
               <a:ext uri="{FF2B5EF4-FFF2-40B4-BE49-F238E27FC236}">
-                <a16:creationId xmlns:a16="http://schemas.microsoft.com/office/drawing/2014/main" xmlns="" id="{89986B8B-B851-49EA-BE61-F97E9FD46851}"/>
+                <a16:creationId xmlns="" xmlns:a16="http://schemas.microsoft.com/office/drawing/2014/main" id="{89986B8B-B851-49EA-BE61-F97E9FD46851}"/>
               </a:ext>
             </a:extLst>
           </p:cNvPr>
@@ -4965,9 +4989,9 @@
           <p:nvPr/>
         </p:nvCxnSpPr>
         <p:spPr>
-          <a:xfrm flipH="1" flipV="1">
-            <a:off x="3775696" y="4432066"/>
-            <a:ext cx="1555109" cy="32757"/>
+          <a:xfrm flipH="1">
+            <a:off x="4055533" y="4287028"/>
+            <a:ext cx="756140" cy="14573"/>
           </a:xfrm>
           <a:prstGeom prst="straightConnector1">
             <a:avLst/>
@@ -4996,7 +5020,7 @@
           <p:cNvPr id="156" name="Google Shape;102;p13">
             <a:extLst>
               <a:ext uri="{FF2B5EF4-FFF2-40B4-BE49-F238E27FC236}">
-                <a16:creationId xmlns:a16="http://schemas.microsoft.com/office/drawing/2014/main" xmlns="" id="{C704DD7E-8B1F-4B5A-832E-6B178666BEB8}"/>
+                <a16:creationId xmlns="" xmlns:a16="http://schemas.microsoft.com/office/drawing/2014/main" id="{C704DD7E-8B1F-4B5A-832E-6B178666BEB8}"/>
               </a:ext>
             </a:extLst>
           </p:cNvPr>
@@ -5005,8 +5029,8 @@
         </p:nvSpPr>
         <p:spPr>
           <a:xfrm>
-            <a:off x="1835908" y="2575356"/>
-            <a:ext cx="1869600" cy="512000"/>
+            <a:off x="1835907" y="2434387"/>
+            <a:ext cx="2219626" cy="412143"/>
           </a:xfrm>
           <a:prstGeom prst="rect">
             <a:avLst/>
@@ -5052,7 +5076,7 @@
           <p:cNvPr id="61" name="Google Shape;102;p13">
             <a:extLst>
               <a:ext uri="{FF2B5EF4-FFF2-40B4-BE49-F238E27FC236}">
-                <a16:creationId xmlns:a16="http://schemas.microsoft.com/office/drawing/2014/main" xmlns="" id="{6AB88040-6CCB-4E2E-A198-3B518EE2CAAB}"/>
+                <a16:creationId xmlns="" xmlns:a16="http://schemas.microsoft.com/office/drawing/2014/main" id="{6AB88040-6CCB-4E2E-A198-3B518EE2CAAB}"/>
               </a:ext>
             </a:extLst>
           </p:cNvPr>
@@ -5061,7 +5085,7 @@
         </p:nvSpPr>
         <p:spPr>
           <a:xfrm>
-            <a:off x="4811672" y="3402557"/>
+            <a:off x="4811672" y="3312680"/>
             <a:ext cx="1699072" cy="353851"/>
           </a:xfrm>
           <a:prstGeom prst="rect">
@@ -5100,7 +5124,7 @@
           <p:cNvPr id="62" name="직선 화살표 연결선 61">
             <a:extLst>
               <a:ext uri="{FF2B5EF4-FFF2-40B4-BE49-F238E27FC236}">
-                <a16:creationId xmlns:a16="http://schemas.microsoft.com/office/drawing/2014/main" xmlns="" id="{0FE7E1A2-AFBD-447F-934C-59A4FF4A4A31}"/>
+                <a16:creationId xmlns="" xmlns:a16="http://schemas.microsoft.com/office/drawing/2014/main" id="{0FE7E1A2-AFBD-447F-934C-59A4FF4A4A31}"/>
               </a:ext>
             </a:extLst>
           </p:cNvPr>
@@ -5113,8 +5137,8 @@
         </p:nvCxnSpPr>
         <p:spPr>
           <a:xfrm flipH="1" flipV="1">
-            <a:off x="3705508" y="3486064"/>
-            <a:ext cx="1106164" cy="93419"/>
+            <a:off x="4055533" y="3194173"/>
+            <a:ext cx="756139" cy="295433"/>
           </a:xfrm>
           <a:prstGeom prst="straightConnector1">
             <a:avLst/>
@@ -5143,7 +5167,7 @@
           <p:cNvPr id="64" name="직선 화살표 연결선 63">
             <a:extLst>
               <a:ext uri="{FF2B5EF4-FFF2-40B4-BE49-F238E27FC236}">
-                <a16:creationId xmlns:a16="http://schemas.microsoft.com/office/drawing/2014/main" xmlns="" id="{CE2FE515-B154-4255-AE81-D1963396C1ED}"/>
+                <a16:creationId xmlns="" xmlns:a16="http://schemas.microsoft.com/office/drawing/2014/main" id="{CE2FE515-B154-4255-AE81-D1963396C1ED}"/>
               </a:ext>
             </a:extLst>
           </p:cNvPr>
@@ -5157,7 +5181,7 @@
         <p:spPr>
           <a:xfrm>
             <a:off x="957867" y="3231325"/>
-            <a:ext cx="878041" cy="905229"/>
+            <a:ext cx="878040" cy="516562"/>
           </a:xfrm>
           <a:prstGeom prst="straightConnector1">
             <a:avLst/>
@@ -5186,7 +5210,7 @@
           <p:cNvPr id="67" name="직선 화살표 연결선 66">
             <a:extLst>
               <a:ext uri="{FF2B5EF4-FFF2-40B4-BE49-F238E27FC236}">
-                <a16:creationId xmlns:a16="http://schemas.microsoft.com/office/drawing/2014/main" xmlns="" id="{035063CF-0BE5-4174-A7B5-34F632784F0C}"/>
+                <a16:creationId xmlns="" xmlns:a16="http://schemas.microsoft.com/office/drawing/2014/main" id="{035063CF-0BE5-4174-A7B5-34F632784F0C}"/>
               </a:ext>
             </a:extLst>
           </p:cNvPr>
@@ -5199,8 +5223,8 @@
         </p:nvCxnSpPr>
         <p:spPr>
           <a:xfrm flipV="1">
-            <a:off x="957867" y="2831356"/>
-            <a:ext cx="878041" cy="399969"/>
+            <a:off x="957867" y="2640459"/>
+            <a:ext cx="878040" cy="590866"/>
           </a:xfrm>
           <a:prstGeom prst="straightConnector1">
             <a:avLst/>
@@ -5229,7 +5253,7 @@
           <p:cNvPr id="144" name="Google Shape;102;p13">
             <a:extLst>
               <a:ext uri="{FF2B5EF4-FFF2-40B4-BE49-F238E27FC236}">
-                <a16:creationId xmlns:a16="http://schemas.microsoft.com/office/drawing/2014/main" xmlns="" id="{C704DD7E-8B1F-4B5A-832E-6B178666BEB8}"/>
+                <a16:creationId xmlns="" xmlns:a16="http://schemas.microsoft.com/office/drawing/2014/main" id="{C704DD7E-8B1F-4B5A-832E-6B178666BEB8}"/>
               </a:ext>
             </a:extLst>
           </p:cNvPr>
@@ -5238,8 +5262,8 @@
         </p:nvSpPr>
         <p:spPr>
           <a:xfrm>
-            <a:off x="1835908" y="219531"/>
-            <a:ext cx="1869600" cy="512000"/>
+            <a:off x="1835907" y="219531"/>
+            <a:ext cx="2219626" cy="412143"/>
           </a:xfrm>
           <a:prstGeom prst="rect">
             <a:avLst/>
@@ -5285,7 +5309,7 @@
           <p:cNvPr id="146" name="Google Shape;102;p13">
             <a:extLst>
               <a:ext uri="{FF2B5EF4-FFF2-40B4-BE49-F238E27FC236}">
-                <a16:creationId xmlns:a16="http://schemas.microsoft.com/office/drawing/2014/main" xmlns="" id="{C704DD7E-8B1F-4B5A-832E-6B178666BEB8}"/>
+                <a16:creationId xmlns="" xmlns:a16="http://schemas.microsoft.com/office/drawing/2014/main" id="{C704DD7E-8B1F-4B5A-832E-6B178666BEB8}"/>
               </a:ext>
             </a:extLst>
           </p:cNvPr>
@@ -5294,8 +5318,8 @@
         </p:nvSpPr>
         <p:spPr>
           <a:xfrm>
-            <a:off x="1835908" y="774793"/>
-            <a:ext cx="1869600" cy="512000"/>
+            <a:off x="1835907" y="773245"/>
+            <a:ext cx="2219626" cy="412143"/>
           </a:xfrm>
           <a:prstGeom prst="rect">
             <a:avLst/>
@@ -5349,7 +5373,7 @@
           <p:cNvPr id="214" name="Google Shape;102;p13">
             <a:extLst>
               <a:ext uri="{FF2B5EF4-FFF2-40B4-BE49-F238E27FC236}">
-                <a16:creationId xmlns:a16="http://schemas.microsoft.com/office/drawing/2014/main" xmlns="" id="{85AB7D6F-8B57-4DEC-9E37-3F7B85052802}"/>
+                <a16:creationId xmlns="" xmlns:a16="http://schemas.microsoft.com/office/drawing/2014/main" id="{85AB7D6F-8B57-4DEC-9E37-3F7B85052802}"/>
               </a:ext>
             </a:extLst>
           </p:cNvPr>
@@ -5358,8 +5382,8 @@
         </p:nvSpPr>
         <p:spPr>
           <a:xfrm>
-            <a:off x="1835908" y="6310390"/>
-            <a:ext cx="1869600" cy="512000"/>
+            <a:off x="1835907" y="6310390"/>
+            <a:ext cx="2219626" cy="412143"/>
           </a:xfrm>
           <a:prstGeom prst="rect">
             <a:avLst/>
@@ -5405,7 +5429,7 @@
           <p:cNvPr id="217" name="Google Shape;102;p13">
             <a:extLst>
               <a:ext uri="{FF2B5EF4-FFF2-40B4-BE49-F238E27FC236}">
-                <a16:creationId xmlns:a16="http://schemas.microsoft.com/office/drawing/2014/main" xmlns="" id="{66D0C005-DEF3-48FD-A074-0C0ABD142A2A}"/>
+                <a16:creationId xmlns="" xmlns:a16="http://schemas.microsoft.com/office/drawing/2014/main" id="{66D0C005-DEF3-48FD-A074-0C0ABD142A2A}"/>
               </a:ext>
             </a:extLst>
           </p:cNvPr>
@@ -5414,8 +5438,8 @@
         </p:nvSpPr>
         <p:spPr>
           <a:xfrm>
-            <a:off x="1835908" y="4713489"/>
-            <a:ext cx="1869600" cy="512000"/>
+            <a:off x="1835907" y="4649243"/>
+            <a:ext cx="2219626" cy="412143"/>
           </a:xfrm>
           <a:prstGeom prst="rect">
             <a:avLst/>
@@ -5461,7 +5485,7 @@
           <p:cNvPr id="230" name="Google Shape;102;p13">
             <a:extLst>
               <a:ext uri="{FF2B5EF4-FFF2-40B4-BE49-F238E27FC236}">
-                <a16:creationId xmlns:a16="http://schemas.microsoft.com/office/drawing/2014/main" xmlns="" id="{C704DD7E-8B1F-4B5A-832E-6B178666BEB8}"/>
+                <a16:creationId xmlns="" xmlns:a16="http://schemas.microsoft.com/office/drawing/2014/main" id="{C704DD7E-8B1F-4B5A-832E-6B178666BEB8}"/>
               </a:ext>
             </a:extLst>
           </p:cNvPr>
@@ -5470,8 +5494,8 @@
         </p:nvSpPr>
         <p:spPr>
           <a:xfrm>
-            <a:off x="1835908" y="1928600"/>
-            <a:ext cx="1869600" cy="512000"/>
+            <a:off x="1835907" y="1880673"/>
+            <a:ext cx="2219626" cy="412143"/>
           </a:xfrm>
           <a:prstGeom prst="rect">
             <a:avLst/>
@@ -5521,7 +5545,7 @@
           <p:cNvPr id="232" name="Google Shape;102;p13">
             <a:extLst>
               <a:ext uri="{FF2B5EF4-FFF2-40B4-BE49-F238E27FC236}">
-                <a16:creationId xmlns:a16="http://schemas.microsoft.com/office/drawing/2014/main" xmlns="" id="{66D0C005-DEF3-48FD-A074-0C0ABD142A2A}"/>
+                <a16:creationId xmlns="" xmlns:a16="http://schemas.microsoft.com/office/drawing/2014/main" id="{66D0C005-DEF3-48FD-A074-0C0ABD142A2A}"/>
               </a:ext>
             </a:extLst>
           </p:cNvPr>
@@ -5530,8 +5554,8 @@
         </p:nvSpPr>
         <p:spPr>
           <a:xfrm>
-            <a:off x="1906096" y="5093554"/>
-            <a:ext cx="1869600" cy="512000"/>
+            <a:off x="1835907" y="5202957"/>
+            <a:ext cx="2219626" cy="412143"/>
           </a:xfrm>
           <a:prstGeom prst="rect">
             <a:avLst/>
@@ -5589,7 +5613,7 @@
           <p:cNvPr id="246" name="Google Shape;102;p13">
             <a:extLst>
               <a:ext uri="{FF2B5EF4-FFF2-40B4-BE49-F238E27FC236}">
-                <a16:creationId xmlns:a16="http://schemas.microsoft.com/office/drawing/2014/main" xmlns="" id="{C704DD7E-8B1F-4B5A-832E-6B178666BEB8}"/>
+                <a16:creationId xmlns="" xmlns:a16="http://schemas.microsoft.com/office/drawing/2014/main" id="{C704DD7E-8B1F-4B5A-832E-6B178666BEB8}"/>
               </a:ext>
             </a:extLst>
           </p:cNvPr>
@@ -5598,8 +5622,8 @@
         </p:nvSpPr>
         <p:spPr>
           <a:xfrm>
-            <a:off x="1835908" y="1385666"/>
-            <a:ext cx="1869600" cy="512000"/>
+            <a:off x="1835907" y="1326959"/>
+            <a:ext cx="2219626" cy="412143"/>
           </a:xfrm>
           <a:prstGeom prst="rect">
             <a:avLst/>
@@ -5665,7 +5689,7 @@
           <p:cNvPr id="256" name="Google Shape;102;p13">
             <a:extLst>
               <a:ext uri="{FF2B5EF4-FFF2-40B4-BE49-F238E27FC236}">
-                <a16:creationId xmlns:a16="http://schemas.microsoft.com/office/drawing/2014/main" xmlns="" id="{66D0C005-DEF3-48FD-A074-0C0ABD142A2A}"/>
+                <a16:creationId xmlns="" xmlns:a16="http://schemas.microsoft.com/office/drawing/2014/main" id="{66D0C005-DEF3-48FD-A074-0C0ABD142A2A}"/>
               </a:ext>
             </a:extLst>
           </p:cNvPr>
@@ -5674,8 +5698,8 @@
         </p:nvSpPr>
         <p:spPr>
           <a:xfrm>
-            <a:off x="1906096" y="4176066"/>
-            <a:ext cx="1869600" cy="512000"/>
+            <a:off x="1835907" y="4095529"/>
+            <a:ext cx="2219626" cy="412143"/>
           </a:xfrm>
           <a:prstGeom prst="rect">
             <a:avLst/>
@@ -5706,11 +5730,7 @@
             </a:r>
             <a:r>
               <a:rPr lang="ko-KR" altLang="en-US" sz="1333" dirty="0" smtClean="0"/>
-              <a:t> 상품 </a:t>
-            </a:r>
-            <a:r>
-              <a:rPr lang="ko-KR" altLang="en-US" sz="1333" dirty="0" smtClean="0"/>
-              <a:t>반</a:t>
+              <a:t> 상품 반</a:t>
             </a:r>
             <a:r>
               <a:rPr lang="ko-KR" altLang="en-US" sz="1333" dirty="0"/>
@@ -5728,7 +5748,7 @@
         </p:nvSpPr>
         <p:spPr>
           <a:xfrm>
-            <a:off x="8034332" y="1929203"/>
+            <a:off x="7924261" y="2975635"/>
             <a:ext cx="1869600" cy="512000"/>
           </a:xfrm>
           <a:prstGeom prst="rect">
@@ -5767,7 +5787,7 @@
           <p:cNvPr id="293" name="Google Shape;102;p13">
             <a:extLst>
               <a:ext uri="{FF2B5EF4-FFF2-40B4-BE49-F238E27FC236}">
-                <a16:creationId xmlns:a16="http://schemas.microsoft.com/office/drawing/2014/main" xmlns="" id="{BD2B7044-AE64-4FDD-A94F-3B6D34A54012}"/>
+                <a16:creationId xmlns="" xmlns:a16="http://schemas.microsoft.com/office/drawing/2014/main" id="{BD2B7044-AE64-4FDD-A94F-3B6D34A54012}"/>
               </a:ext>
             </a:extLst>
           </p:cNvPr>
@@ -5776,8 +5796,8 @@
         </p:nvSpPr>
         <p:spPr>
           <a:xfrm>
-            <a:off x="5330804" y="4843794"/>
-            <a:ext cx="1054029" cy="353851"/>
+            <a:off x="4811673" y="4543707"/>
+            <a:ext cx="1699071" cy="353851"/>
           </a:xfrm>
           <a:prstGeom prst="rect">
             <a:avLst/>
@@ -5803,13 +5823,442 @@
           <a:p>
             <a:pPr algn="ctr"/>
             <a:r>
+              <a:rPr lang="ko-KR" altLang="en-US" sz="1333" smtClean="0"/>
+              <a:t>후기 등록</a:t>
+            </a:r>
+            <a:endParaRPr lang="en-US" altLang="ko-KR" sz="1333" dirty="0" smtClean="0"/>
+          </a:p>
+        </p:txBody>
+      </p:sp>
+      <p:sp>
+        <p:nvSpPr>
+          <p:cNvPr id="84" name="Google Shape;102;p13">
+            <a:extLst>
+              <a:ext uri="{FF2B5EF4-FFF2-40B4-BE49-F238E27FC236}">
+                <a16:creationId xmlns="" xmlns:a16="http://schemas.microsoft.com/office/drawing/2014/main" id="{BD2B7044-AE64-4FDD-A94F-3B6D34A54012}"/>
+              </a:ext>
+            </a:extLst>
+          </p:cNvPr>
+          <p:cNvSpPr/>
+          <p:nvPr/>
+        </p:nvSpPr>
+        <p:spPr>
+          <a:xfrm>
+            <a:off x="4811674" y="4977313"/>
+            <a:ext cx="1699071" cy="353851"/>
+          </a:xfrm>
+          <a:prstGeom prst="rect">
+            <a:avLst/>
+          </a:prstGeom>
+          <a:solidFill>
+            <a:schemeClr val="lt2"/>
+          </a:solidFill>
+          <a:ln w="9525" cap="flat" cmpd="sng">
+            <a:solidFill>
+              <a:schemeClr val="dk2"/>
+            </a:solidFill>
+            <a:prstDash val="solid"/>
+            <a:round/>
+            <a:headEnd type="none" w="sm" len="sm"/>
+            <a:tailEnd type="none" w="sm" len="sm"/>
+          </a:ln>
+        </p:spPr>
+        <p:txBody>
+          <a:bodyPr spcFirstLastPara="1" wrap="square" lIns="121900" tIns="121900" rIns="121900" bIns="121900" anchor="ctr" anchorCtr="0">
+            <a:noAutofit/>
+          </a:bodyPr>
+          <a:lstStyle/>
+          <a:p>
+            <a:pPr algn="ctr"/>
+            <a:r>
               <a:rPr lang="ko-KR" altLang="en-US" sz="1333" dirty="0" smtClean="0"/>
-              <a:t>후기</a:t>
+              <a:t>후기 답변 등록</a:t>
             </a:r>
             <a:endParaRPr lang="en-US" altLang="ko-KR" sz="1333" dirty="0" smtClean="0"/>
           </a:p>
         </p:txBody>
       </p:sp>
+      <p:cxnSp>
+        <p:nvCxnSpPr>
+          <p:cNvPr id="85" name="직선 화살표 연결선 84">
+            <a:extLst>
+              <a:ext uri="{FF2B5EF4-FFF2-40B4-BE49-F238E27FC236}">
+                <a16:creationId xmlns="" xmlns:a16="http://schemas.microsoft.com/office/drawing/2014/main" id="{89986B8B-B851-49EA-BE61-F97E9FD46851}"/>
+              </a:ext>
+            </a:extLst>
+          </p:cNvPr>
+          <p:cNvCxnSpPr>
+            <a:stCxn id="293" idx="1"/>
+            <a:endCxn id="256" idx="3"/>
+          </p:cNvCxnSpPr>
+          <p:nvPr/>
+        </p:nvCxnSpPr>
+        <p:spPr>
+          <a:xfrm flipH="1" flipV="1">
+            <a:off x="4055533" y="4301601"/>
+            <a:ext cx="756140" cy="419032"/>
+          </a:xfrm>
+          <a:prstGeom prst="straightConnector1">
+            <a:avLst/>
+          </a:prstGeom>
+          <a:ln>
+            <a:tailEnd type="triangle"/>
+          </a:ln>
+        </p:spPr>
+        <p:style>
+          <a:lnRef idx="1">
+            <a:schemeClr val="dk1"/>
+          </a:lnRef>
+          <a:fillRef idx="0">
+            <a:schemeClr val="dk1"/>
+          </a:fillRef>
+          <a:effectRef idx="0">
+            <a:schemeClr val="dk1"/>
+          </a:effectRef>
+          <a:fontRef idx="minor">
+            <a:schemeClr val="tx1"/>
+          </a:fontRef>
+        </p:style>
+      </p:cxnSp>
+      <p:cxnSp>
+        <p:nvCxnSpPr>
+          <p:cNvPr id="88" name="직선 화살표 연결선 87">
+            <a:extLst>
+              <a:ext uri="{FF2B5EF4-FFF2-40B4-BE49-F238E27FC236}">
+                <a16:creationId xmlns="" xmlns:a16="http://schemas.microsoft.com/office/drawing/2014/main" id="{89986B8B-B851-49EA-BE61-F97E9FD46851}"/>
+              </a:ext>
+            </a:extLst>
+          </p:cNvPr>
+          <p:cNvCxnSpPr>
+            <a:stCxn id="84" idx="1"/>
+            <a:endCxn id="256" idx="3"/>
+          </p:cNvCxnSpPr>
+          <p:nvPr/>
+        </p:nvCxnSpPr>
+        <p:spPr>
+          <a:xfrm flipH="1" flipV="1">
+            <a:off x="4055533" y="4301601"/>
+            <a:ext cx="756141" cy="852638"/>
+          </a:xfrm>
+          <a:prstGeom prst="straightConnector1">
+            <a:avLst/>
+          </a:prstGeom>
+          <a:ln>
+            <a:tailEnd type="triangle"/>
+          </a:ln>
+        </p:spPr>
+        <p:style>
+          <a:lnRef idx="1">
+            <a:schemeClr val="dk1"/>
+          </a:lnRef>
+          <a:fillRef idx="0">
+            <a:schemeClr val="dk1"/>
+          </a:fillRef>
+          <a:effectRef idx="0">
+            <a:schemeClr val="dk1"/>
+          </a:effectRef>
+          <a:fontRef idx="minor">
+            <a:schemeClr val="tx1"/>
+          </a:fontRef>
+        </p:style>
+      </p:cxnSp>
+      <p:sp>
+        <p:nvSpPr>
+          <p:cNvPr id="95" name="Google Shape;114;p13"/>
+          <p:cNvSpPr/>
+          <p:nvPr/>
+        </p:nvSpPr>
+        <p:spPr>
+          <a:xfrm>
+            <a:off x="7924261" y="4879609"/>
+            <a:ext cx="1869600" cy="512000"/>
+          </a:xfrm>
+          <a:prstGeom prst="rect">
+            <a:avLst/>
+          </a:prstGeom>
+          <a:solidFill>
+            <a:schemeClr val="lt2"/>
+          </a:solidFill>
+          <a:ln w="9525" cap="flat" cmpd="sng">
+            <a:solidFill>
+              <a:schemeClr val="dk2"/>
+            </a:solidFill>
+            <a:prstDash val="solid"/>
+            <a:round/>
+            <a:headEnd type="none" w="sm" len="sm"/>
+            <a:tailEnd type="none" w="sm" len="sm"/>
+          </a:ln>
+        </p:spPr>
+        <p:txBody>
+          <a:bodyPr spcFirstLastPara="1" wrap="square" lIns="121900" tIns="121900" rIns="121900" bIns="121900" anchor="ctr" anchorCtr="0">
+            <a:noAutofit/>
+          </a:bodyPr>
+          <a:lstStyle/>
+          <a:p>
+            <a:pPr algn="ctr"/>
+            <a:r>
+              <a:rPr lang="en-US" sz="1333" dirty="0" smtClean="0"/>
+              <a:t>Q&amp;A </a:t>
+            </a:r>
+            <a:r>
+              <a:rPr lang="ko-KR" altLang="en-US" sz="1333" dirty="0" smtClean="0"/>
+              <a:t>답변</a:t>
+            </a:r>
+            <a:endParaRPr sz="1333" dirty="0"/>
+          </a:p>
+        </p:txBody>
+      </p:sp>
+      <p:cxnSp>
+        <p:nvCxnSpPr>
+          <p:cNvPr id="98" name="직선 화살표 연결선 97">
+            <a:extLst>
+              <a:ext uri="{FF2B5EF4-FFF2-40B4-BE49-F238E27FC236}">
+                <a16:creationId xmlns="" xmlns:a16="http://schemas.microsoft.com/office/drawing/2014/main" id="{89986B8B-B851-49EA-BE61-F97E9FD46851}"/>
+              </a:ext>
+            </a:extLst>
+          </p:cNvPr>
+          <p:cNvCxnSpPr>
+            <a:stCxn id="95" idx="1"/>
+            <a:endCxn id="133" idx="3"/>
+          </p:cNvCxnSpPr>
+          <p:nvPr/>
+        </p:nvCxnSpPr>
+        <p:spPr>
+          <a:xfrm flipH="1">
+            <a:off x="4055533" y="5135609"/>
+            <a:ext cx="3868728" cy="827134"/>
+          </a:xfrm>
+          <a:prstGeom prst="straightConnector1">
+            <a:avLst/>
+          </a:prstGeom>
+          <a:ln>
+            <a:tailEnd type="triangle"/>
+          </a:ln>
+        </p:spPr>
+        <p:style>
+          <a:lnRef idx="1">
+            <a:schemeClr val="dk1"/>
+          </a:lnRef>
+          <a:fillRef idx="0">
+            <a:schemeClr val="dk1"/>
+          </a:fillRef>
+          <a:effectRef idx="0">
+            <a:schemeClr val="dk1"/>
+          </a:effectRef>
+          <a:fontRef idx="minor">
+            <a:schemeClr val="tx1"/>
+          </a:fontRef>
+        </p:style>
+      </p:cxnSp>
+      <p:cxnSp>
+        <p:nvCxnSpPr>
+          <p:cNvPr id="106" name="직선 화살표 연결선 105">
+            <a:extLst>
+              <a:ext uri="{FF2B5EF4-FFF2-40B4-BE49-F238E27FC236}">
+                <a16:creationId xmlns="" xmlns:a16="http://schemas.microsoft.com/office/drawing/2014/main" id="{89986B8B-B851-49EA-BE61-F97E9FD46851}"/>
+              </a:ext>
+            </a:extLst>
+          </p:cNvPr>
+          <p:cNvCxnSpPr>
+            <a:endCxn id="214" idx="3"/>
+          </p:cNvCxnSpPr>
+          <p:nvPr/>
+        </p:nvCxnSpPr>
+        <p:spPr>
+          <a:xfrm flipH="1">
+            <a:off x="4055533" y="6115143"/>
+            <a:ext cx="3868728" cy="401319"/>
+          </a:xfrm>
+          <a:prstGeom prst="straightConnector1">
+            <a:avLst/>
+          </a:prstGeom>
+          <a:ln>
+            <a:tailEnd type="triangle"/>
+          </a:ln>
+        </p:spPr>
+        <p:style>
+          <a:lnRef idx="1">
+            <a:schemeClr val="dk1"/>
+          </a:lnRef>
+          <a:fillRef idx="0">
+            <a:schemeClr val="dk1"/>
+          </a:fillRef>
+          <a:effectRef idx="0">
+            <a:schemeClr val="dk1"/>
+          </a:effectRef>
+          <a:fontRef idx="minor">
+            <a:schemeClr val="tx1"/>
+          </a:fontRef>
+        </p:style>
+      </p:cxnSp>
+      <p:cxnSp>
+        <p:nvCxnSpPr>
+          <p:cNvPr id="107" name="직선 화살표 연결선 106">
+            <a:extLst>
+              <a:ext uri="{FF2B5EF4-FFF2-40B4-BE49-F238E27FC236}">
+                <a16:creationId xmlns="" xmlns:a16="http://schemas.microsoft.com/office/drawing/2014/main" id="{89986B8B-B851-49EA-BE61-F97E9FD46851}"/>
+              </a:ext>
+            </a:extLst>
+          </p:cNvPr>
+          <p:cNvCxnSpPr>
+            <a:stCxn id="287" idx="1"/>
+            <a:endCxn id="136" idx="3"/>
+          </p:cNvCxnSpPr>
+          <p:nvPr/>
+        </p:nvCxnSpPr>
+        <p:spPr>
+          <a:xfrm flipH="1" flipV="1">
+            <a:off x="6510744" y="2400929"/>
+            <a:ext cx="1413517" cy="830706"/>
+          </a:xfrm>
+          <a:prstGeom prst="straightConnector1">
+            <a:avLst/>
+          </a:prstGeom>
+          <a:ln>
+            <a:tailEnd type="triangle"/>
+          </a:ln>
+        </p:spPr>
+        <p:style>
+          <a:lnRef idx="1">
+            <a:schemeClr val="dk1"/>
+          </a:lnRef>
+          <a:fillRef idx="0">
+            <a:schemeClr val="dk1"/>
+          </a:fillRef>
+          <a:effectRef idx="0">
+            <a:schemeClr val="dk1"/>
+          </a:effectRef>
+          <a:fontRef idx="minor">
+            <a:schemeClr val="tx1"/>
+          </a:fontRef>
+        </p:style>
+      </p:cxnSp>
+      <p:cxnSp>
+        <p:nvCxnSpPr>
+          <p:cNvPr id="108" name="직선 화살표 연결선 107">
+            <a:extLst>
+              <a:ext uri="{FF2B5EF4-FFF2-40B4-BE49-F238E27FC236}">
+                <a16:creationId xmlns="" xmlns:a16="http://schemas.microsoft.com/office/drawing/2014/main" id="{89986B8B-B851-49EA-BE61-F97E9FD46851}"/>
+              </a:ext>
+            </a:extLst>
+          </p:cNvPr>
+          <p:cNvCxnSpPr>
+            <a:stCxn id="105" idx="1"/>
+            <a:endCxn id="135" idx="3"/>
+          </p:cNvCxnSpPr>
+          <p:nvPr/>
+        </p:nvCxnSpPr>
+        <p:spPr>
+          <a:xfrm flipH="1" flipV="1">
+            <a:off x="6510744" y="1715285"/>
+            <a:ext cx="1413517" cy="564363"/>
+          </a:xfrm>
+          <a:prstGeom prst="straightConnector1">
+            <a:avLst/>
+          </a:prstGeom>
+          <a:ln>
+            <a:tailEnd type="triangle"/>
+          </a:ln>
+        </p:spPr>
+        <p:style>
+          <a:lnRef idx="1">
+            <a:schemeClr val="dk1"/>
+          </a:lnRef>
+          <a:fillRef idx="0">
+            <a:schemeClr val="dk1"/>
+          </a:fillRef>
+          <a:effectRef idx="0">
+            <a:schemeClr val="dk1"/>
+          </a:effectRef>
+          <a:fontRef idx="minor">
+            <a:schemeClr val="tx1"/>
+          </a:fontRef>
+        </p:style>
+      </p:cxnSp>
+      <p:cxnSp>
+        <p:nvCxnSpPr>
+          <p:cNvPr id="111" name="직선 화살표 연결선 110">
+            <a:extLst>
+              <a:ext uri="{FF2B5EF4-FFF2-40B4-BE49-F238E27FC236}">
+                <a16:creationId xmlns="" xmlns:a16="http://schemas.microsoft.com/office/drawing/2014/main" id="{89986B8B-B851-49EA-BE61-F97E9FD46851}"/>
+              </a:ext>
+            </a:extLst>
+          </p:cNvPr>
+          <p:cNvCxnSpPr>
+            <a:stCxn id="96" idx="1"/>
+            <a:endCxn id="144" idx="3"/>
+          </p:cNvCxnSpPr>
+          <p:nvPr/>
+        </p:nvCxnSpPr>
+        <p:spPr>
+          <a:xfrm flipH="1">
+            <a:off x="4055533" y="375674"/>
+            <a:ext cx="3868728" cy="49929"/>
+          </a:xfrm>
+          <a:prstGeom prst="straightConnector1">
+            <a:avLst/>
+          </a:prstGeom>
+          <a:ln>
+            <a:tailEnd type="triangle"/>
+          </a:ln>
+        </p:spPr>
+        <p:style>
+          <a:lnRef idx="1">
+            <a:schemeClr val="dk1"/>
+          </a:lnRef>
+          <a:fillRef idx="0">
+            <a:schemeClr val="dk1"/>
+          </a:fillRef>
+          <a:effectRef idx="0">
+            <a:schemeClr val="dk1"/>
+          </a:effectRef>
+          <a:fontRef idx="minor">
+            <a:schemeClr val="tx1"/>
+          </a:fontRef>
+        </p:style>
+      </p:cxnSp>
+      <p:cxnSp>
+        <p:nvCxnSpPr>
+          <p:cNvPr id="115" name="직선 화살표 연결선 114">
+            <a:extLst>
+              <a:ext uri="{FF2B5EF4-FFF2-40B4-BE49-F238E27FC236}">
+                <a16:creationId xmlns="" xmlns:a16="http://schemas.microsoft.com/office/drawing/2014/main" id="{89986B8B-B851-49EA-BE61-F97E9FD46851}"/>
+              </a:ext>
+            </a:extLst>
+          </p:cNvPr>
+          <p:cNvCxnSpPr>
+            <a:stCxn id="96" idx="1"/>
+            <a:endCxn id="146" idx="3"/>
+          </p:cNvCxnSpPr>
+          <p:nvPr/>
+        </p:nvCxnSpPr>
+        <p:spPr>
+          <a:xfrm flipH="1">
+            <a:off x="4055533" y="375674"/>
+            <a:ext cx="3868728" cy="603643"/>
+          </a:xfrm>
+          <a:prstGeom prst="straightConnector1">
+            <a:avLst/>
+          </a:prstGeom>
+          <a:ln>
+            <a:tailEnd type="triangle"/>
+          </a:ln>
+        </p:spPr>
+        <p:style>
+          <a:lnRef idx="1">
+            <a:schemeClr val="dk1"/>
+          </a:lnRef>
+          <a:fillRef idx="0">
+            <a:schemeClr val="dk1"/>
+          </a:fillRef>
+          <a:effectRef idx="0">
+            <a:schemeClr val="dk1"/>
+          </a:effectRef>
+          <a:fontRef idx="minor">
+            <a:schemeClr val="tx1"/>
+          </a:fontRef>
+        </p:style>
+      </p:cxnSp>
     </p:spTree>
   </p:cSld>
   <p:clrMapOvr>
@@ -6107,7 +6556,7 @@
   <a:extraClrSchemeLst/>
   <a:extLst>
     <a:ext uri="{05A4C25C-085E-4340-85A3-A5531E510DB2}">
-      <thm15:themeFamily xmlns:thm15="http://schemas.microsoft.com/office/thememl/2012/main" xmlns="" name="Office Theme" id="{62F939B6-93AF-4DB8-9C6B-D6C7DFDC589F}" vid="{4A3C46E8-61CC-4603-A589-7422A47A8E4A}"/>
+      <thm15:themeFamily xmlns="" xmlns:thm15="http://schemas.microsoft.com/office/thememl/2012/main" name="Office Theme" id="{62F939B6-93AF-4DB8-9C6B-D6C7DFDC589F}" vid="{4A3C46E8-61CC-4603-A589-7422A47A8E4A}"/>
     </a:ext>
   </a:extLst>
 </a:theme>
@@ -6402,7 +6851,7 @@
   <a:extraClrSchemeLst/>
   <a:extLst>
     <a:ext uri="{05A4C25C-085E-4340-85A3-A5531E510DB2}">
-      <thm15:themeFamily xmlns:thm15="http://schemas.microsoft.com/office/thememl/2012/main" xmlns="" name="Office Theme" id="{62F939B6-93AF-4DB8-9C6B-D6C7DFDC589F}" vid="{4A3C46E8-61CC-4603-A589-7422A47A8E4A}"/>
+      <thm15:themeFamily xmlns="" xmlns:thm15="http://schemas.microsoft.com/office/thememl/2012/main" name="Office Theme" id="{62F939B6-93AF-4DB8-9C6B-D6C7DFDC589F}" vid="{4A3C46E8-61CC-4603-A589-7422A47A8E4A}"/>
     </a:ext>
   </a:extLst>
 </a:theme>
